--- a/org.faktorips.doc/schulung/anwendungsentwicklung2/FaktorIPS-Schulung 1 - Intro.pptx
+++ b/org.faktorips.doc/schulung/anwendungsentwicklung2/FaktorIPS-Schulung 1 - Intro.pptx
@@ -5,20 +5,21 @@
     <p:sldMasterId id="2147483651" r:id="rId1"/>
   </p:sldMasterIdLst>
   <p:notesMasterIdLst>
-    <p:notesMasterId r:id="rId10"/>
+    <p:notesMasterId r:id="rId11"/>
   </p:notesMasterIdLst>
   <p:handoutMasterIdLst>
-    <p:handoutMasterId r:id="rId11"/>
+    <p:handoutMasterId r:id="rId12"/>
   </p:handoutMasterIdLst>
   <p:sldIdLst>
     <p:sldId id="256" r:id="rId2"/>
     <p:sldId id="347" r:id="rId3"/>
-    <p:sldId id="348" r:id="rId4"/>
-    <p:sldId id="349" r:id="rId5"/>
-    <p:sldId id="350" r:id="rId6"/>
-    <p:sldId id="352" r:id="rId7"/>
-    <p:sldId id="351" r:id="rId8"/>
-    <p:sldId id="343" r:id="rId9"/>
+    <p:sldId id="353" r:id="rId4"/>
+    <p:sldId id="348" r:id="rId5"/>
+    <p:sldId id="349" r:id="rId6"/>
+    <p:sldId id="350" r:id="rId7"/>
+    <p:sldId id="352" r:id="rId8"/>
+    <p:sldId id="351" r:id="rId9"/>
+    <p:sldId id="343" r:id="rId10"/>
   </p:sldIdLst>
   <p:sldSz cx="9144000" cy="6858000" type="screen4x3"/>
   <p:notesSz cx="6718300" cy="9855200"/>
@@ -154,6 +155,7 @@
           <p14:sldIdLst>
             <p14:sldId id="256"/>
             <p14:sldId id="347"/>
+            <p14:sldId id="353"/>
             <p14:sldId id="348"/>
             <p14:sldId id="349"/>
             <p14:sldId id="350"/>
@@ -952,7 +954,7 @@
           <a:p>
             <a:fld id="{B36466A1-D5D1-427E-B9D6-D94F4D651F26}" type="datetime1">
               <a:rPr lang="de-DE" smtClean="0"/>
-              <a:t>16.05.2013</a:t>
+              <a:t>15.04.2015</a:t>
             </a:fld>
             <a:endParaRPr lang="de-DE" dirty="0"/>
           </a:p>
@@ -2285,7 +2287,7 @@
           <a:p>
             <a:fld id="{2F1E662E-CA7E-4F2F-AD2C-92557A52143E}" type="datetime1">
               <a:rPr lang="de-DE" smtClean="0"/>
-              <a:t>16.05.2013</a:t>
+              <a:t>15.04.2015</a:t>
             </a:fld>
             <a:endParaRPr lang="de-DE" dirty="0"/>
           </a:p>
@@ -2482,7 +2484,7 @@
           <a:p>
             <a:fld id="{AC16D60B-9941-4F07-9F97-E64176A91BA2}" type="datetime1">
               <a:rPr lang="de-DE" smtClean="0"/>
-              <a:t>16.05.2013</a:t>
+              <a:t>15.04.2015</a:t>
             </a:fld>
             <a:endParaRPr lang="de-DE" dirty="0"/>
           </a:p>
@@ -3424,7 +3426,7 @@
           <a:p>
             <a:fld id="{2109B8C5-69CE-421B-A2C3-4177F0BE4F4F}" type="datetime1">
               <a:rPr lang="de-DE" smtClean="0"/>
-              <a:t>16.05.2013</a:t>
+              <a:t>15.04.2015</a:t>
             </a:fld>
             <a:endParaRPr lang="de-DE" dirty="0"/>
           </a:p>
@@ -3601,7 +3603,7 @@
           <a:p>
             <a:fld id="{D9CBADFA-8908-4EFE-9846-5EC89E67C557}" type="datetime1">
               <a:rPr lang="de-DE" smtClean="0"/>
-              <a:t>16.05.2013</a:t>
+              <a:t>15.04.2015</a:t>
             </a:fld>
             <a:endParaRPr lang="de-DE" dirty="0"/>
           </a:p>
@@ -3806,7 +3808,7 @@
           <a:p>
             <a:fld id="{6FF160FF-4920-46DF-8C09-758F9EF8625C}" type="datetime1">
               <a:rPr lang="de-DE" smtClean="0"/>
-              <a:t>16.05.2013</a:t>
+              <a:t>15.04.2015</a:t>
             </a:fld>
             <a:endParaRPr lang="de-DE" dirty="0"/>
           </a:p>
@@ -3978,7 +3980,7 @@
           <a:p>
             <a:fld id="{B0A096FA-053D-4D73-8EBB-3EFEB163C396}" type="datetime1">
               <a:rPr lang="de-DE" smtClean="0"/>
-              <a:t>16.05.2013</a:t>
+              <a:t>15.04.2015</a:t>
             </a:fld>
             <a:endParaRPr lang="de-DE" dirty="0"/>
           </a:p>
@@ -4199,7 +4201,7 @@
           <a:p>
             <a:fld id="{7F927AAE-3477-4440-A9D8-D2D428227C15}" type="datetime1">
               <a:rPr lang="de-DE" smtClean="0"/>
-              <a:t>16.05.2013</a:t>
+              <a:t>15.04.2015</a:t>
             </a:fld>
             <a:endParaRPr lang="de-DE" dirty="0"/>
           </a:p>
@@ -4397,7 +4399,7 @@
           <a:p>
             <a:fld id="{805B121C-19E5-4850-BD92-D180BE0083CE}" type="datetime1">
               <a:rPr lang="de-DE" smtClean="0"/>
-              <a:t>16.05.2013</a:t>
+              <a:t>15.04.2015</a:t>
             </a:fld>
             <a:endParaRPr lang="de-DE" dirty="0"/>
           </a:p>
@@ -5664,7 +5666,7 @@
           <a:p>
             <a:fld id="{45303F9A-D1B0-4717-A573-F7CDCD4E414C}" type="datetime1">
               <a:rPr lang="de-DE" smtClean="0"/>
-              <a:t>16.05.2013</a:t>
+              <a:t>15.04.2015</a:t>
             </a:fld>
             <a:endParaRPr lang="de-DE" dirty="0"/>
           </a:p>
@@ -6652,7 +6654,7 @@
           <a:p>
             <a:fld id="{635AEBE4-1330-4656-83C5-D224FB2B4CC2}" type="datetime1">
               <a:rPr lang="de-DE" smtClean="0"/>
-              <a:t>16.05.2013</a:t>
+              <a:t>15.04.2015</a:t>
             </a:fld>
             <a:endParaRPr lang="de-DE" dirty="0"/>
           </a:p>
@@ -7223,7 +7225,7 @@
           <a:p>
             <a:fld id="{80451C2A-33C7-4836-B55D-8657EAF757BB}" type="datetime1">
               <a:rPr lang="de-DE" smtClean="0"/>
-              <a:t>16.05.2013</a:t>
+              <a:t>15.04.2015</a:t>
             </a:fld>
             <a:endParaRPr lang="de-DE" dirty="0"/>
           </a:p>
@@ -8714,7 +8716,7 @@
           <a:p>
             <a:fld id="{B55D9B56-50B3-465B-A047-7B57E2C1E83E}" type="datetime1">
               <a:rPr lang="de-DE" smtClean="0"/>
-              <a:t>16.05.2013</a:t>
+              <a:t>15.04.2015</a:t>
             </a:fld>
             <a:endParaRPr lang="de-DE" dirty="0"/>
           </a:p>
@@ -9428,7 +9430,7 @@
           <a:p>
             <a:fld id="{655131F4-391B-4105-8265-D0702FEB14A9}" type="datetime1">
               <a:rPr lang="de-DE" smtClean="0"/>
-              <a:t>16.05.2013</a:t>
+              <a:t>15.04.2015</a:t>
             </a:fld>
             <a:endParaRPr lang="de-DE" dirty="0"/>
           </a:p>
@@ -9848,11 +9850,7 @@
                       </a:pPr>
                       <a:r>
                         <a:rPr lang="de-DE" sz="1600" dirty="0" smtClean="0"/>
-                        <a:t>IV. </a:t>
-                      </a:r>
-                      <a:r>
-                        <a:rPr lang="de-DE" sz="1600" dirty="0" smtClean="0"/>
-                        <a:t>Customizing </a:t>
+                        <a:t>IV. Customizing </a:t>
                       </a:r>
                       <a:r>
                         <a:rPr lang="de-DE" sz="1600" smtClean="0"/>
@@ -9991,7 +9989,54 @@
       </p:grpSpPr>
       <p:sp>
         <p:nvSpPr>
-          <p:cNvPr id="3" name="Datumsplatzhalter 2"/>
+          <p:cNvPr id="2" name="Foliennummernplatzhalter 1"/>
+          <p:cNvSpPr>
+            <a:spLocks noGrp="1"/>
+          </p:cNvSpPr>
+          <p:nvPr>
+            <p:ph type="sldNum" sz="quarter" idx="4"/>
+          </p:nvPr>
+        </p:nvSpPr>
+        <p:spPr/>
+        <p:txBody>
+          <a:bodyPr/>
+          <a:lstStyle/>
+          <a:p>
+            <a:fld id="{21FBF85A-D7A6-488B-8C2B-F7E0D6843921}" type="slidenum">
+              <a:rPr lang="de-DE" smtClean="0"/>
+              <a:pPr/>
+              <a:t>3</a:t>
+            </a:fld>
+            <a:endParaRPr lang="de-DE" dirty="0"/>
+          </a:p>
+        </p:txBody>
+      </p:sp>
+      <p:sp>
+        <p:nvSpPr>
+          <p:cNvPr id="3" name="Titel 2"/>
+          <p:cNvSpPr>
+            <a:spLocks noGrp="1"/>
+          </p:cNvSpPr>
+          <p:nvPr>
+            <p:ph type="title"/>
+          </p:nvPr>
+        </p:nvSpPr>
+        <p:spPr/>
+        <p:txBody>
+          <a:bodyPr/>
+          <a:lstStyle/>
+          <a:p>
+            <a:r>
+              <a:rPr lang="de-DE" dirty="0" smtClean="0"/>
+              <a:t>Faktor-IPS – Film</a:t>
+            </a:r>
+            <a:endParaRPr lang="de-DE" dirty="0"/>
+          </a:p>
+        </p:txBody>
+      </p:sp>
+      <p:sp>
+        <p:nvSpPr>
+          <p:cNvPr id="4" name="Datumsplatzhalter 3"/>
           <p:cNvSpPr>
             <a:spLocks noGrp="1"/>
           </p:cNvSpPr>
@@ -10004,94 +10049,9 @@
           <a:bodyPr/>
           <a:lstStyle/>
           <a:p>
-            <a:fld id="{018927E6-B333-4617-A650-C4A7C5C231C3}" type="datetime1">
+            <a:fld id="{AC16D60B-9941-4F07-9F97-E64176A91BA2}" type="datetime1">
               <a:rPr lang="de-DE" smtClean="0"/>
-              <a:t>16.05.2013</a:t>
-            </a:fld>
-            <a:endParaRPr lang="de-DE" dirty="0"/>
-          </a:p>
-        </p:txBody>
-      </p:sp>
-      <p:sp>
-        <p:nvSpPr>
-          <p:cNvPr id="7" name="Titel 6"/>
-          <p:cNvSpPr>
-            <a:spLocks noGrp="1"/>
-          </p:cNvSpPr>
-          <p:nvPr>
-            <p:ph type="title"/>
-          </p:nvPr>
-        </p:nvSpPr>
-        <p:spPr/>
-        <p:txBody>
-          <a:bodyPr/>
-          <a:lstStyle/>
-          <a:p>
-            <a:r>
-              <a:rPr lang="de-DE" dirty="0" smtClean="0"/>
-              <a:t>Faktor-IPS ist ein Modellierungs- und Produktdefinitions-werkzeug auf Basis von Java &amp; </a:t>
-            </a:r>
-            <a:r>
-              <a:rPr lang="de-DE" dirty="0" err="1" smtClean="0"/>
-              <a:t>Eclipse</a:t>
-            </a:r>
-            <a:r>
-              <a:rPr lang="de-DE" dirty="0" smtClean="0"/>
-              <a:t>.</a:t>
-            </a:r>
-            <a:endParaRPr lang="de-DE" dirty="0"/>
-          </a:p>
-        </p:txBody>
-      </p:sp>
-      <p:pic>
-        <p:nvPicPr>
-          <p:cNvPr id="9" name="Picture 6" descr="C:\Users\sermis\AppData\Local\Temp\0kxqfwny.3le.png"/>
-          <p:cNvPicPr>
-            <a:picLocks noChangeAspect="1" noChangeArrowheads="1"/>
-          </p:cNvPicPr>
-          <p:nvPr/>
-        </p:nvPicPr>
-        <p:blipFill>
-          <a:blip r:embed="rId2" cstate="print"/>
-          <a:srcRect/>
-          <a:stretch>
-            <a:fillRect/>
-          </a:stretch>
-        </p:blipFill>
-        <p:spPr bwMode="auto">
-          <a:xfrm>
-            <a:off x="719138" y="1664779"/>
-            <a:ext cx="7809197" cy="3672433"/>
-          </a:xfrm>
-          <a:prstGeom prst="rect">
-            <a:avLst/>
-          </a:prstGeom>
-          <a:noFill/>
-        </p:spPr>
-      </p:pic>
-      <p:sp>
-        <p:nvSpPr>
-          <p:cNvPr id="4" name="Foliennummernplatzhalter 3"/>
-          <p:cNvSpPr>
-            <a:spLocks noGrp="1"/>
-          </p:cNvSpPr>
-          <p:nvPr>
-            <p:ph type="sldNum" sz="quarter" idx="4"/>
-          </p:nvPr>
-        </p:nvSpPr>
-        <p:spPr/>
-        <p:txBody>
-          <a:bodyPr/>
-          <a:lstStyle/>
-          <a:p>
-            <a:r>
-              <a:rPr lang="de-DE" smtClean="0"/>
-              <a:t>I-</a:t>
-            </a:r>
-            <a:fld id="{21FBF85A-D7A6-488B-8C2B-F7E0D6843921}" type="slidenum">
-              <a:rPr lang="de-DE" smtClean="0"/>
-              <a:pPr/>
-              <a:t>3</a:t>
+              <a:t>15.04.2015</a:t>
             </a:fld>
             <a:endParaRPr lang="de-DE" dirty="0"/>
           </a:p>
@@ -10100,7 +10060,7 @@
     </p:spTree>
     <p:extLst>
       <p:ext uri="{BB962C8B-B14F-4D97-AF65-F5344CB8AC3E}">
-        <p14:creationId xmlns:p14="http://schemas.microsoft.com/office/powerpoint/2010/main" val="152631544"/>
+        <p14:creationId xmlns:p14="http://schemas.microsoft.com/office/powerpoint/2010/main" val="3827434684"/>
       </p:ext>
     </p:extLst>
   </p:cSld>
@@ -10110,13 +10070,6 @@
   <p:transition spd="slow">
     <p:fade/>
   </p:transition>
-  <p:timing>
-    <p:tnLst>
-      <p:par>
-        <p:cTn id="1" dur="indefinite" restart="never" nodeType="tmRoot"/>
-      </p:par>
-    </p:tnLst>
-  </p:timing>
 </p:sld>
 </file>
 
@@ -10152,9 +10105,9 @@
           <a:bodyPr/>
           <a:lstStyle/>
           <a:p>
-            <a:fld id="{3D3CE17C-1CFB-4FCD-BA37-7776E7556FAE}" type="datetime1">
+            <a:fld id="{018927E6-B333-4617-A650-C4A7C5C231C3}" type="datetime1">
               <a:rPr lang="de-DE" smtClean="0"/>
-              <a:t>16.05.2013</a:t>
+              <a:t>15.04.2015</a:t>
             </a:fld>
             <a:endParaRPr lang="de-DE" dirty="0"/>
           </a:p>
@@ -10176,743 +10129,47 @@
           <a:lstStyle/>
           <a:p>
             <a:r>
-              <a:rPr lang="de-DE" dirty="0"/>
-              <a:t>Konkrete Produkte basieren auf einem </a:t>
-            </a:r>
-            <a:r>
               <a:rPr lang="de-DE" dirty="0" smtClean="0"/>
-              <a:t>Vertrags- und Produktmodell</a:t>
+              <a:t>Faktor-IPS ist ein Modellierungs- und Produktdefinitions-werkzeug auf Basis von Java &amp; </a:t>
+            </a:r>
+            <a:r>
+              <a:rPr lang="de-DE" dirty="0" err="1" smtClean="0"/>
+              <a:t>Eclipse</a:t>
+            </a:r>
+            <a:r>
+              <a:rPr lang="de-DE" dirty="0" smtClean="0"/>
+              <a:t>.</a:t>
             </a:r>
             <a:endParaRPr lang="de-DE" dirty="0"/>
           </a:p>
         </p:txBody>
       </p:sp>
-      <p:sp>
-        <p:nvSpPr>
-          <p:cNvPr id="9" name="Rechteck 8"/>
-          <p:cNvSpPr/>
+      <p:pic>
+        <p:nvPicPr>
+          <p:cNvPr id="9" name="Picture 6" descr="C:\Users\sermis\AppData\Local\Temp\0kxqfwny.3le.png"/>
+          <p:cNvPicPr>
+            <a:picLocks noChangeAspect="1" noChangeArrowheads="1"/>
+          </p:cNvPicPr>
           <p:nvPr/>
-        </p:nvSpPr>
+        </p:nvPicPr>
+        <p:blipFill>
+          <a:blip r:embed="rId2" cstate="print"/>
+          <a:srcRect/>
+          <a:stretch>
+            <a:fillRect/>
+          </a:stretch>
+        </p:blipFill>
         <p:spPr bwMode="auto">
           <a:xfrm>
-            <a:off x="827584" y="1448780"/>
-            <a:ext cx="4032448" cy="3960000"/>
+            <a:off x="719138" y="1664779"/>
+            <a:ext cx="7809197" cy="3672433"/>
           </a:xfrm>
           <a:prstGeom prst="rect">
             <a:avLst/>
           </a:prstGeom>
-          <a:ln>
-            <a:prstDash val="sysDash"/>
-            <a:headEnd type="none" w="med" len="med"/>
-            <a:tailEnd type="none" w="med" len="med"/>
-          </a:ln>
-        </p:spPr>
-        <p:style>
-          <a:lnRef idx="2">
-            <a:schemeClr val="accent4"/>
-          </a:lnRef>
-          <a:fillRef idx="1">
-            <a:schemeClr val="lt1"/>
-          </a:fillRef>
-          <a:effectRef idx="0">
-            <a:schemeClr val="accent4"/>
-          </a:effectRef>
-          <a:fontRef idx="minor">
-            <a:schemeClr val="dk1"/>
-          </a:fontRef>
-        </p:style>
-        <p:txBody>
-          <a:bodyPr lIns="72000" tIns="144000" rIns="36000" bIns="36000" rtlCol="0" anchor="t"/>
-          <a:lstStyle/>
-          <a:p>
-            <a:pPr algn="ctr">
-              <a:lnSpc>
-                <a:spcPct val="90000"/>
-              </a:lnSpc>
-              <a:spcBef>
-                <a:spcPts val="500"/>
-              </a:spcBef>
-              <a:buClr>
-                <a:srgbClr val="FF9900"/>
-              </a:buClr>
-              <a:buSzPct val="150000"/>
-            </a:pPr>
-            <a:r>
-              <a:rPr lang="de-DE" sz="2000" b="1" dirty="0" smtClean="0">
-                <a:solidFill>
-                  <a:schemeClr val="tx2"/>
-                </a:solidFill>
-                <a:sym typeface="Arial" charset="0"/>
-              </a:rPr>
-              <a:t>Modell</a:t>
-            </a:r>
-          </a:p>
-        </p:txBody>
-      </p:sp>
-      <p:sp>
-        <p:nvSpPr>
-          <p:cNvPr id="10" name="Rechteck 9"/>
-          <p:cNvSpPr/>
-          <p:nvPr/>
-        </p:nvSpPr>
-        <p:spPr bwMode="auto">
-          <a:xfrm>
-            <a:off x="5220840" y="1448780"/>
-            <a:ext cx="3475810" cy="3960000"/>
-          </a:xfrm>
-          <a:prstGeom prst="rect">
-            <a:avLst/>
-          </a:prstGeom>
-          <a:ln>
-            <a:prstDash val="sysDash"/>
-            <a:headEnd type="none" w="med" len="med"/>
-            <a:tailEnd type="none" w="med" len="med"/>
-          </a:ln>
-        </p:spPr>
-        <p:style>
-          <a:lnRef idx="2">
-            <a:schemeClr val="accent4"/>
-          </a:lnRef>
-          <a:fillRef idx="1">
-            <a:schemeClr val="lt1"/>
-          </a:fillRef>
-          <a:effectRef idx="0">
-            <a:schemeClr val="accent4"/>
-          </a:effectRef>
-          <a:fontRef idx="minor">
-            <a:schemeClr val="dk1"/>
-          </a:fontRef>
-        </p:style>
-        <p:txBody>
-          <a:bodyPr lIns="72000" tIns="144000" rIns="36000" bIns="36000" rtlCol="0" anchor="t"/>
-          <a:lstStyle/>
-          <a:p>
-            <a:pPr algn="ctr">
-              <a:lnSpc>
-                <a:spcPct val="90000"/>
-              </a:lnSpc>
-              <a:spcBef>
-                <a:spcPts val="500"/>
-              </a:spcBef>
-              <a:buClr>
-                <a:srgbClr val="FF9900"/>
-              </a:buClr>
-              <a:buSzPct val="150000"/>
-            </a:pPr>
-            <a:r>
-              <a:rPr lang="de-DE" sz="2000" b="1" dirty="0" smtClean="0">
-                <a:solidFill>
-                  <a:schemeClr val="tx2"/>
-                </a:solidFill>
-                <a:sym typeface="Arial" charset="0"/>
-              </a:rPr>
-              <a:t>Produkte</a:t>
-            </a:r>
-          </a:p>
-        </p:txBody>
-      </p:sp>
-      <p:sp>
-        <p:nvSpPr>
-          <p:cNvPr id="11" name="Abgerundetes Rechteck 10"/>
-          <p:cNvSpPr/>
-          <p:nvPr/>
-        </p:nvSpPr>
-        <p:spPr bwMode="auto">
-          <a:xfrm>
-            <a:off x="2855463" y="2636913"/>
-            <a:ext cx="1848897" cy="1548173"/>
-          </a:xfrm>
-          <a:prstGeom prst="roundRect">
-            <a:avLst/>
-          </a:prstGeom>
-          <a:ln>
-            <a:headEnd type="none" w="med" len="med"/>
-            <a:tailEnd type="none" w="med" len="med"/>
-          </a:ln>
-        </p:spPr>
-        <p:style>
-          <a:lnRef idx="1">
-            <a:schemeClr val="dk1"/>
-          </a:lnRef>
-          <a:fillRef idx="3">
-            <a:schemeClr val="dk1"/>
-          </a:fillRef>
-          <a:effectRef idx="2">
-            <a:schemeClr val="dk1"/>
-          </a:effectRef>
-          <a:fontRef idx="minor">
-            <a:schemeClr val="lt1"/>
-          </a:fontRef>
-        </p:style>
-        <p:txBody>
-          <a:bodyPr lIns="72000" tIns="144000" rIns="36000" bIns="36000" rtlCol="0" anchor="t"/>
-          <a:lstStyle/>
-          <a:p>
-            <a:pPr algn="ctr">
-              <a:lnSpc>
-                <a:spcPct val="90000"/>
-              </a:lnSpc>
-              <a:spcBef>
-                <a:spcPts val="500"/>
-              </a:spcBef>
-              <a:buClr>
-                <a:srgbClr val="FF9900"/>
-              </a:buClr>
-              <a:buSzPct val="150000"/>
-            </a:pPr>
-            <a:r>
-              <a:rPr lang="de-DE" sz="1400" dirty="0" smtClean="0">
-                <a:solidFill>
-                  <a:schemeClr val="bg1"/>
-                </a:solidFill>
-                <a:sym typeface="Arial" charset="0"/>
-              </a:rPr>
-              <a:t>Produkt</a:t>
-            </a:r>
-          </a:p>
-        </p:txBody>
-      </p:sp>
-      <p:cxnSp>
-        <p:nvCxnSpPr>
-          <p:cNvPr id="12" name="Gerade Verbindung 11"/>
-          <p:cNvCxnSpPr/>
-          <p:nvPr/>
-        </p:nvCxnSpPr>
-        <p:spPr bwMode="auto">
-          <a:xfrm>
-            <a:off x="2855463" y="3104964"/>
-            <a:ext cx="1848897" cy="0"/>
-          </a:xfrm>
-          <a:prstGeom prst="line">
-            <a:avLst/>
-          </a:prstGeom>
-          <a:ln>
-            <a:headEnd type="none" w="med" len="med"/>
-            <a:tailEnd type="none" w="med" len="med"/>
-          </a:ln>
-        </p:spPr>
-        <p:style>
-          <a:lnRef idx="1">
-            <a:schemeClr val="accent3"/>
-          </a:lnRef>
-          <a:fillRef idx="0">
-            <a:schemeClr val="accent3"/>
-          </a:fillRef>
-          <a:effectRef idx="0">
-            <a:schemeClr val="accent3"/>
-          </a:effectRef>
-          <a:fontRef idx="minor">
-            <a:schemeClr val="tx1"/>
-          </a:fontRef>
-        </p:style>
-      </p:cxnSp>
-      <p:sp>
-        <p:nvSpPr>
-          <p:cNvPr id="13" name="Textfeld 12"/>
-          <p:cNvSpPr txBox="1"/>
-          <p:nvPr/>
-        </p:nvSpPr>
-        <p:spPr>
-          <a:xfrm>
-            <a:off x="2906941" y="3167680"/>
-            <a:ext cx="1797419" cy="954107"/>
-          </a:xfrm>
-          <a:prstGeom prst="rect">
-            <a:avLst/>
-          </a:prstGeom>
           <a:noFill/>
         </p:spPr>
-        <p:txBody>
-          <a:bodyPr wrap="square" rtlCol="0">
-            <a:spAutoFit/>
-          </a:bodyPr>
-          <a:lstStyle/>
-          <a:p>
-            <a:pPr>
-              <a:buClr>
-                <a:srgbClr val="EE7F00"/>
-              </a:buClr>
-              <a:buFont typeface="Wingdings" pitchFamily="2" charset="2"/>
-              <a:buChar char="§"/>
-            </a:pPr>
-            <a:r>
-              <a:rPr lang="de-DE" sz="1400" dirty="0" smtClean="0">
-                <a:solidFill>
-                  <a:schemeClr val="accent4"/>
-                </a:solidFill>
-              </a:rPr>
-              <a:t> </a:t>
-            </a:r>
-            <a:r>
-              <a:rPr lang="de-DE" sz="1400" dirty="0" smtClean="0">
-                <a:solidFill>
-                  <a:schemeClr val="bg1"/>
-                </a:solidFill>
-              </a:rPr>
-              <a:t>Bezeichnung</a:t>
-            </a:r>
-          </a:p>
-          <a:p>
-            <a:pPr>
-              <a:buClr>
-                <a:srgbClr val="EE7F00"/>
-              </a:buClr>
-              <a:buFont typeface="Wingdings" pitchFamily="2" charset="2"/>
-              <a:buChar char="§"/>
-            </a:pPr>
-            <a:r>
-              <a:rPr lang="de-DE" sz="1400" dirty="0" smtClean="0">
-                <a:solidFill>
-                  <a:schemeClr val="bg1"/>
-                </a:solidFill>
-              </a:rPr>
-              <a:t> Maximale Laufzeit</a:t>
-            </a:r>
-          </a:p>
-          <a:p>
-            <a:pPr>
-              <a:buClr>
-                <a:srgbClr val="EE7F00"/>
-              </a:buClr>
-              <a:buFont typeface="Wingdings" pitchFamily="2" charset="2"/>
-              <a:buChar char="§"/>
-            </a:pPr>
-            <a:r>
-              <a:rPr lang="de-DE" sz="1400" dirty="0" smtClean="0">
-                <a:solidFill>
-                  <a:schemeClr val="bg1"/>
-                </a:solidFill>
-              </a:rPr>
-              <a:t>…</a:t>
-            </a:r>
-          </a:p>
-          <a:p>
-            <a:endParaRPr lang="de-DE" sz="1400" dirty="0"/>
-          </a:p>
-        </p:txBody>
-      </p:sp>
-      <p:sp>
-        <p:nvSpPr>
-          <p:cNvPr id="14" name="Abgerundetes Rechteck 13"/>
-          <p:cNvSpPr/>
-          <p:nvPr/>
-        </p:nvSpPr>
-        <p:spPr bwMode="auto">
-          <a:xfrm>
-            <a:off x="997015" y="2636913"/>
-            <a:ext cx="1594765" cy="1548173"/>
-          </a:xfrm>
-          <a:prstGeom prst="roundRect">
-            <a:avLst/>
-          </a:prstGeom>
-          <a:ln>
-            <a:headEnd type="none" w="med" len="med"/>
-            <a:tailEnd type="none" w="med" len="med"/>
-          </a:ln>
-        </p:spPr>
-        <p:style>
-          <a:lnRef idx="1">
-            <a:schemeClr val="dk1"/>
-          </a:lnRef>
-          <a:fillRef idx="3">
-            <a:schemeClr val="dk1"/>
-          </a:fillRef>
-          <a:effectRef idx="2">
-            <a:schemeClr val="dk1"/>
-          </a:effectRef>
-          <a:fontRef idx="minor">
-            <a:schemeClr val="lt1"/>
-          </a:fontRef>
-        </p:style>
-        <p:txBody>
-          <a:bodyPr lIns="72000" tIns="144000" rIns="36000" bIns="36000" rtlCol="0" anchor="t"/>
-          <a:lstStyle/>
-          <a:p>
-            <a:pPr algn="ctr">
-              <a:lnSpc>
-                <a:spcPct val="90000"/>
-              </a:lnSpc>
-              <a:spcBef>
-                <a:spcPts val="500"/>
-              </a:spcBef>
-              <a:buClr>
-                <a:srgbClr val="FF9900"/>
-              </a:buClr>
-              <a:buSzPct val="150000"/>
-            </a:pPr>
-            <a:r>
-              <a:rPr lang="de-DE" sz="1400" dirty="0" smtClean="0">
-                <a:solidFill>
-                  <a:schemeClr val="bg1"/>
-                </a:solidFill>
-                <a:sym typeface="Arial" charset="0"/>
-              </a:rPr>
-              <a:t>Vertrag</a:t>
-            </a:r>
-          </a:p>
-        </p:txBody>
-      </p:sp>
-      <p:sp>
-        <p:nvSpPr>
-          <p:cNvPr id="15" name="Textfeld 14"/>
-          <p:cNvSpPr txBox="1"/>
-          <p:nvPr/>
-        </p:nvSpPr>
-        <p:spPr>
-          <a:xfrm>
-            <a:off x="1041755" y="3167680"/>
-            <a:ext cx="2002105" cy="738664"/>
-          </a:xfrm>
-          <a:prstGeom prst="rect">
-            <a:avLst/>
-          </a:prstGeom>
-          <a:noFill/>
-        </p:spPr>
-        <p:txBody>
-          <a:bodyPr wrap="square" rtlCol="0">
-            <a:spAutoFit/>
-          </a:bodyPr>
-          <a:lstStyle/>
-          <a:p>
-            <a:pPr marL="90488" indent="-90488">
-              <a:buClr>
-                <a:srgbClr val="EE7F00"/>
-              </a:buClr>
-              <a:buFont typeface="Wingdings" pitchFamily="2" charset="2"/>
-              <a:buChar char="§"/>
-            </a:pPr>
-            <a:r>
-              <a:rPr lang="de-DE" sz="1400" dirty="0" smtClean="0">
-                <a:solidFill>
-                  <a:schemeClr val="accent4"/>
-                </a:solidFill>
-              </a:rPr>
-              <a:t> </a:t>
-            </a:r>
-            <a:r>
-              <a:rPr lang="de-DE" sz="1400" dirty="0" smtClean="0">
-                <a:solidFill>
-                  <a:schemeClr val="bg1"/>
-                </a:solidFill>
-              </a:rPr>
-              <a:t>Beginn</a:t>
-            </a:r>
-          </a:p>
-          <a:p>
-            <a:pPr>
-              <a:buClr>
-                <a:srgbClr val="EE7F00"/>
-              </a:buClr>
-              <a:buFont typeface="Wingdings" pitchFamily="2" charset="2"/>
-              <a:buChar char="§"/>
-            </a:pPr>
-            <a:r>
-              <a:rPr lang="de-DE" sz="1400" dirty="0" smtClean="0">
-                <a:solidFill>
-                  <a:schemeClr val="bg1"/>
-                </a:solidFill>
-              </a:rPr>
-              <a:t> Zahlweise</a:t>
-            </a:r>
-          </a:p>
-          <a:p>
-            <a:pPr>
-              <a:buClr>
-                <a:srgbClr val="EE7F00"/>
-              </a:buClr>
-              <a:buFont typeface="Wingdings" pitchFamily="2" charset="2"/>
-              <a:buChar char="§"/>
-            </a:pPr>
-            <a:r>
-              <a:rPr lang="de-DE" sz="1400" dirty="0" smtClean="0">
-                <a:solidFill>
-                  <a:schemeClr val="bg1"/>
-                </a:solidFill>
-              </a:rPr>
-              <a:t>…</a:t>
-            </a:r>
-          </a:p>
-        </p:txBody>
-      </p:sp>
-      <p:cxnSp>
-        <p:nvCxnSpPr>
-          <p:cNvPr id="16" name="Gerade Verbindung 15"/>
-          <p:cNvCxnSpPr/>
-          <p:nvPr/>
-        </p:nvCxnSpPr>
-        <p:spPr bwMode="auto">
-          <a:xfrm>
-            <a:off x="1005543" y="3099974"/>
-            <a:ext cx="1584176" cy="0"/>
-          </a:xfrm>
-          <a:prstGeom prst="line">
-            <a:avLst/>
-          </a:prstGeom>
-          <a:ln>
-            <a:headEnd type="none" w="med" len="med"/>
-            <a:tailEnd type="none" w="med" len="med"/>
-          </a:ln>
-        </p:spPr>
-        <p:style>
-          <a:lnRef idx="1">
-            <a:schemeClr val="accent3"/>
-          </a:lnRef>
-          <a:fillRef idx="0">
-            <a:schemeClr val="accent3"/>
-          </a:fillRef>
-          <a:effectRef idx="0">
-            <a:schemeClr val="accent3"/>
-          </a:effectRef>
-          <a:fontRef idx="minor">
-            <a:schemeClr val="tx1"/>
-          </a:fontRef>
-        </p:style>
-      </p:cxnSp>
-      <p:sp>
-        <p:nvSpPr>
-          <p:cNvPr id="17" name="Abgerundetes Rechteck 16"/>
-          <p:cNvSpPr/>
-          <p:nvPr/>
-        </p:nvSpPr>
-        <p:spPr bwMode="auto">
-          <a:xfrm>
-            <a:off x="6084168" y="2475581"/>
-            <a:ext cx="2016224" cy="900100"/>
-          </a:xfrm>
-          <a:prstGeom prst="roundRect">
-            <a:avLst/>
-          </a:prstGeom>
-          <a:ln>
-            <a:headEnd type="none" w="med" len="med"/>
-            <a:tailEnd type="none" w="med" len="med"/>
-          </a:ln>
-        </p:spPr>
-        <p:style>
-          <a:lnRef idx="1">
-            <a:schemeClr val="accent5"/>
-          </a:lnRef>
-          <a:fillRef idx="3">
-            <a:schemeClr val="accent5"/>
-          </a:fillRef>
-          <a:effectRef idx="2">
-            <a:schemeClr val="accent5"/>
-          </a:effectRef>
-          <a:fontRef idx="minor">
-            <a:schemeClr val="lt1"/>
-          </a:fontRef>
-        </p:style>
-        <p:txBody>
-          <a:bodyPr lIns="72000" tIns="144000" rIns="36000" bIns="36000" rtlCol="0" anchor="ctr" anchorCtr="0"/>
-          <a:lstStyle/>
-          <a:p>
-            <a:pPr algn="ctr">
-              <a:lnSpc>
-                <a:spcPct val="90000"/>
-              </a:lnSpc>
-              <a:spcBef>
-                <a:spcPts val="500"/>
-              </a:spcBef>
-              <a:buClr>
-                <a:srgbClr val="FF9900"/>
-              </a:buClr>
-              <a:buSzPct val="150000"/>
-            </a:pPr>
-            <a:r>
-              <a:rPr lang="de-DE" sz="1400" b="1" dirty="0" smtClean="0">
-                <a:solidFill>
-                  <a:schemeClr val="bg1"/>
-                </a:solidFill>
-                <a:sym typeface="Arial" charset="0"/>
-              </a:rPr>
-              <a:t>KFZ Basis</a:t>
-            </a:r>
-            <a:r>
-              <a:rPr lang="de-DE" sz="1400" b="1" dirty="0">
-                <a:solidFill>
-                  <a:schemeClr val="bg1"/>
-                </a:solidFill>
-                <a:sym typeface="Arial" charset="0"/>
-              </a:rPr>
-              <a:t> </a:t>
-            </a:r>
-            <a:r>
-              <a:rPr lang="de-DE" sz="1400" b="1" dirty="0" smtClean="0">
-                <a:solidFill>
-                  <a:schemeClr val="bg1"/>
-                </a:solidFill>
-                <a:sym typeface="Arial" charset="0"/>
-              </a:rPr>
-              <a:t>2012</a:t>
-            </a:r>
-          </a:p>
-        </p:txBody>
-      </p:sp>
-      <p:cxnSp>
-        <p:nvCxnSpPr>
-          <p:cNvPr id="18" name="Gerade Verbindung 17"/>
-          <p:cNvCxnSpPr/>
-          <p:nvPr/>
-        </p:nvCxnSpPr>
-        <p:spPr bwMode="auto">
-          <a:xfrm>
-            <a:off x="2591780" y="3787617"/>
-            <a:ext cx="254630" cy="0"/>
-          </a:xfrm>
-          <a:prstGeom prst="line">
-            <a:avLst/>
-          </a:prstGeom>
-          <a:ln>
-            <a:solidFill>
-              <a:schemeClr val="accent4"/>
-            </a:solidFill>
-            <a:headEnd type="none" w="med" len="med"/>
-            <a:tailEnd type="none" w="med" len="med"/>
-          </a:ln>
-        </p:spPr>
-        <p:style>
-          <a:lnRef idx="1">
-            <a:schemeClr val="accent3"/>
-          </a:lnRef>
-          <a:fillRef idx="0">
-            <a:schemeClr val="accent3"/>
-          </a:fillRef>
-          <a:effectRef idx="0">
-            <a:schemeClr val="accent3"/>
-          </a:effectRef>
-          <a:fontRef idx="minor">
-            <a:schemeClr val="tx1"/>
-          </a:fontRef>
-        </p:style>
-      </p:cxnSp>
-      <p:sp>
-        <p:nvSpPr>
-          <p:cNvPr id="19" name="Abgerundetes Rechteck 18"/>
-          <p:cNvSpPr/>
-          <p:nvPr/>
-        </p:nvSpPr>
-        <p:spPr bwMode="auto">
-          <a:xfrm>
-            <a:off x="6084168" y="3645024"/>
-            <a:ext cx="2016224" cy="900100"/>
-          </a:xfrm>
-          <a:prstGeom prst="roundRect">
-            <a:avLst/>
-          </a:prstGeom>
-          <a:ln>
-            <a:headEnd type="none" w="med" len="med"/>
-            <a:tailEnd type="none" w="med" len="med"/>
-          </a:ln>
-        </p:spPr>
-        <p:style>
-          <a:lnRef idx="1">
-            <a:schemeClr val="accent5"/>
-          </a:lnRef>
-          <a:fillRef idx="3">
-            <a:schemeClr val="accent5"/>
-          </a:fillRef>
-          <a:effectRef idx="2">
-            <a:schemeClr val="accent5"/>
-          </a:effectRef>
-          <a:fontRef idx="minor">
-            <a:schemeClr val="lt1"/>
-          </a:fontRef>
-        </p:style>
-        <p:txBody>
-          <a:bodyPr lIns="72000" tIns="144000" rIns="36000" bIns="36000" rtlCol="0" anchor="ctr" anchorCtr="0"/>
-          <a:lstStyle/>
-          <a:p>
-            <a:pPr algn="ctr">
-              <a:lnSpc>
-                <a:spcPct val="90000"/>
-              </a:lnSpc>
-              <a:spcBef>
-                <a:spcPts val="500"/>
-              </a:spcBef>
-              <a:buClr>
-                <a:srgbClr val="FF9900"/>
-              </a:buClr>
-              <a:buSzPct val="150000"/>
-            </a:pPr>
-            <a:r>
-              <a:rPr lang="de-DE" sz="1400" b="1" dirty="0" smtClean="0">
-                <a:solidFill>
-                  <a:schemeClr val="bg1"/>
-                </a:solidFill>
-                <a:sym typeface="Arial" charset="0"/>
-              </a:rPr>
-              <a:t>KFZ Premium 2012</a:t>
-            </a:r>
-          </a:p>
-        </p:txBody>
-      </p:sp>
-      <p:cxnSp>
-        <p:nvCxnSpPr>
-          <p:cNvPr id="20" name="Gerade Verbindung mit Pfeil 19"/>
-          <p:cNvCxnSpPr/>
-          <p:nvPr/>
-        </p:nvCxnSpPr>
-        <p:spPr bwMode="auto">
-          <a:xfrm rot="10800000" flipV="1">
-            <a:off x="4704360" y="2907629"/>
-            <a:ext cx="1379808" cy="468052"/>
-          </a:xfrm>
-          <a:prstGeom prst="straightConnector1">
-            <a:avLst/>
-          </a:prstGeom>
-          <a:ln>
-            <a:headEnd type="none" w="med" len="med"/>
-            <a:tailEnd type="arrow"/>
-          </a:ln>
-        </p:spPr>
-        <p:style>
-          <a:lnRef idx="2">
-            <a:schemeClr val="accent4"/>
-          </a:lnRef>
-          <a:fillRef idx="0">
-            <a:schemeClr val="accent4"/>
-          </a:fillRef>
-          <a:effectRef idx="1">
-            <a:schemeClr val="accent4"/>
-          </a:effectRef>
-          <a:fontRef idx="minor">
-            <a:schemeClr val="tx1"/>
-          </a:fontRef>
-        </p:style>
-      </p:cxnSp>
-      <p:cxnSp>
-        <p:nvCxnSpPr>
-          <p:cNvPr id="21" name="Gerade Verbindung mit Pfeil 20"/>
-          <p:cNvCxnSpPr/>
-          <p:nvPr/>
-        </p:nvCxnSpPr>
-        <p:spPr bwMode="auto">
-          <a:xfrm rot="10800000">
-            <a:off x="4704360" y="3626287"/>
-            <a:ext cx="1379808" cy="397467"/>
-          </a:xfrm>
-          <a:prstGeom prst="straightConnector1">
-            <a:avLst/>
-          </a:prstGeom>
-          <a:ln>
-            <a:headEnd type="none" w="med" len="med"/>
-            <a:tailEnd type="arrow"/>
-          </a:ln>
-        </p:spPr>
-        <p:style>
-          <a:lnRef idx="2">
-            <a:schemeClr val="accent4"/>
-          </a:lnRef>
-          <a:fillRef idx="0">
-            <a:schemeClr val="accent4"/>
-          </a:fillRef>
-          <a:effectRef idx="1">
-            <a:schemeClr val="accent4"/>
-          </a:effectRef>
-          <a:fontRef idx="minor">
-            <a:schemeClr val="tx1"/>
-          </a:fontRef>
-        </p:style>
-      </p:cxnSp>
+      </p:pic>
       <p:sp>
         <p:nvSpPr>
           <p:cNvPr id="4" name="Foliennummernplatzhalter 3"/>
@@ -10944,7 +10201,7 @@
     </p:spTree>
     <p:extLst>
       <p:ext uri="{BB962C8B-B14F-4D97-AF65-F5344CB8AC3E}">
-        <p14:creationId xmlns:p14="http://schemas.microsoft.com/office/powerpoint/2010/main" val="2141139282"/>
+        <p14:creationId xmlns:p14="http://schemas.microsoft.com/office/powerpoint/2010/main" val="152631544"/>
       </p:ext>
     </p:extLst>
   </p:cSld>
@@ -10996,9 +10253,853 @@
           <a:bodyPr/>
           <a:lstStyle/>
           <a:p>
+            <a:fld id="{3D3CE17C-1CFB-4FCD-BA37-7776E7556FAE}" type="datetime1">
+              <a:rPr lang="de-DE" smtClean="0"/>
+              <a:t>15.04.2015</a:t>
+            </a:fld>
+            <a:endParaRPr lang="de-DE" dirty="0"/>
+          </a:p>
+        </p:txBody>
+      </p:sp>
+      <p:sp>
+        <p:nvSpPr>
+          <p:cNvPr id="7" name="Titel 6"/>
+          <p:cNvSpPr>
+            <a:spLocks noGrp="1"/>
+          </p:cNvSpPr>
+          <p:nvPr>
+            <p:ph type="title"/>
+          </p:nvPr>
+        </p:nvSpPr>
+        <p:spPr/>
+        <p:txBody>
+          <a:bodyPr/>
+          <a:lstStyle/>
+          <a:p>
+            <a:r>
+              <a:rPr lang="de-DE" dirty="0"/>
+              <a:t>Konkrete Produkte basieren auf einem </a:t>
+            </a:r>
+            <a:r>
+              <a:rPr lang="de-DE" dirty="0" smtClean="0"/>
+              <a:t>Vertrags- und Produktmodell</a:t>
+            </a:r>
+            <a:endParaRPr lang="de-DE" dirty="0"/>
+          </a:p>
+        </p:txBody>
+      </p:sp>
+      <p:sp>
+        <p:nvSpPr>
+          <p:cNvPr id="9" name="Rechteck 8"/>
+          <p:cNvSpPr/>
+          <p:nvPr/>
+        </p:nvSpPr>
+        <p:spPr bwMode="auto">
+          <a:xfrm>
+            <a:off x="827584" y="1448780"/>
+            <a:ext cx="4032448" cy="3960000"/>
+          </a:xfrm>
+          <a:prstGeom prst="rect">
+            <a:avLst/>
+          </a:prstGeom>
+          <a:ln>
+            <a:prstDash val="sysDash"/>
+            <a:headEnd type="none" w="med" len="med"/>
+            <a:tailEnd type="none" w="med" len="med"/>
+          </a:ln>
+        </p:spPr>
+        <p:style>
+          <a:lnRef idx="2">
+            <a:schemeClr val="accent4"/>
+          </a:lnRef>
+          <a:fillRef idx="1">
+            <a:schemeClr val="lt1"/>
+          </a:fillRef>
+          <a:effectRef idx="0">
+            <a:schemeClr val="accent4"/>
+          </a:effectRef>
+          <a:fontRef idx="minor">
+            <a:schemeClr val="dk1"/>
+          </a:fontRef>
+        </p:style>
+        <p:txBody>
+          <a:bodyPr lIns="72000" tIns="144000" rIns="36000" bIns="36000" rtlCol="0" anchor="t"/>
+          <a:lstStyle/>
+          <a:p>
+            <a:pPr algn="ctr">
+              <a:lnSpc>
+                <a:spcPct val="90000"/>
+              </a:lnSpc>
+              <a:spcBef>
+                <a:spcPts val="500"/>
+              </a:spcBef>
+              <a:buClr>
+                <a:srgbClr val="FF9900"/>
+              </a:buClr>
+              <a:buSzPct val="150000"/>
+            </a:pPr>
+            <a:r>
+              <a:rPr lang="de-DE" sz="2000" b="1" dirty="0" smtClean="0">
+                <a:solidFill>
+                  <a:schemeClr val="tx2"/>
+                </a:solidFill>
+                <a:sym typeface="Arial" charset="0"/>
+              </a:rPr>
+              <a:t>Modell</a:t>
+            </a:r>
+          </a:p>
+        </p:txBody>
+      </p:sp>
+      <p:sp>
+        <p:nvSpPr>
+          <p:cNvPr id="10" name="Rechteck 9"/>
+          <p:cNvSpPr/>
+          <p:nvPr/>
+        </p:nvSpPr>
+        <p:spPr bwMode="auto">
+          <a:xfrm>
+            <a:off x="5220840" y="1448780"/>
+            <a:ext cx="3475810" cy="3960000"/>
+          </a:xfrm>
+          <a:prstGeom prst="rect">
+            <a:avLst/>
+          </a:prstGeom>
+          <a:ln>
+            <a:prstDash val="sysDash"/>
+            <a:headEnd type="none" w="med" len="med"/>
+            <a:tailEnd type="none" w="med" len="med"/>
+          </a:ln>
+        </p:spPr>
+        <p:style>
+          <a:lnRef idx="2">
+            <a:schemeClr val="accent4"/>
+          </a:lnRef>
+          <a:fillRef idx="1">
+            <a:schemeClr val="lt1"/>
+          </a:fillRef>
+          <a:effectRef idx="0">
+            <a:schemeClr val="accent4"/>
+          </a:effectRef>
+          <a:fontRef idx="minor">
+            <a:schemeClr val="dk1"/>
+          </a:fontRef>
+        </p:style>
+        <p:txBody>
+          <a:bodyPr lIns="72000" tIns="144000" rIns="36000" bIns="36000" rtlCol="0" anchor="t"/>
+          <a:lstStyle/>
+          <a:p>
+            <a:pPr algn="ctr">
+              <a:lnSpc>
+                <a:spcPct val="90000"/>
+              </a:lnSpc>
+              <a:spcBef>
+                <a:spcPts val="500"/>
+              </a:spcBef>
+              <a:buClr>
+                <a:srgbClr val="FF9900"/>
+              </a:buClr>
+              <a:buSzPct val="150000"/>
+            </a:pPr>
+            <a:r>
+              <a:rPr lang="de-DE" sz="2000" b="1" dirty="0" smtClean="0">
+                <a:solidFill>
+                  <a:schemeClr val="tx2"/>
+                </a:solidFill>
+                <a:sym typeface="Arial" charset="0"/>
+              </a:rPr>
+              <a:t>Produkte</a:t>
+            </a:r>
+          </a:p>
+        </p:txBody>
+      </p:sp>
+      <p:sp>
+        <p:nvSpPr>
+          <p:cNvPr id="11" name="Abgerundetes Rechteck 10"/>
+          <p:cNvSpPr/>
+          <p:nvPr/>
+        </p:nvSpPr>
+        <p:spPr bwMode="auto">
+          <a:xfrm>
+            <a:off x="2855463" y="2636913"/>
+            <a:ext cx="1848897" cy="1548173"/>
+          </a:xfrm>
+          <a:prstGeom prst="roundRect">
+            <a:avLst/>
+          </a:prstGeom>
+          <a:ln>
+            <a:headEnd type="none" w="med" len="med"/>
+            <a:tailEnd type="none" w="med" len="med"/>
+          </a:ln>
+        </p:spPr>
+        <p:style>
+          <a:lnRef idx="1">
+            <a:schemeClr val="dk1"/>
+          </a:lnRef>
+          <a:fillRef idx="3">
+            <a:schemeClr val="dk1"/>
+          </a:fillRef>
+          <a:effectRef idx="2">
+            <a:schemeClr val="dk1"/>
+          </a:effectRef>
+          <a:fontRef idx="minor">
+            <a:schemeClr val="lt1"/>
+          </a:fontRef>
+        </p:style>
+        <p:txBody>
+          <a:bodyPr lIns="72000" tIns="144000" rIns="36000" bIns="36000" rtlCol="0" anchor="t"/>
+          <a:lstStyle/>
+          <a:p>
+            <a:pPr algn="ctr">
+              <a:lnSpc>
+                <a:spcPct val="90000"/>
+              </a:lnSpc>
+              <a:spcBef>
+                <a:spcPts val="500"/>
+              </a:spcBef>
+              <a:buClr>
+                <a:srgbClr val="FF9900"/>
+              </a:buClr>
+              <a:buSzPct val="150000"/>
+            </a:pPr>
+            <a:r>
+              <a:rPr lang="de-DE" sz="1400" dirty="0" smtClean="0">
+                <a:solidFill>
+                  <a:schemeClr val="bg1"/>
+                </a:solidFill>
+                <a:sym typeface="Arial" charset="0"/>
+              </a:rPr>
+              <a:t>Produkt</a:t>
+            </a:r>
+          </a:p>
+        </p:txBody>
+      </p:sp>
+      <p:cxnSp>
+        <p:nvCxnSpPr>
+          <p:cNvPr id="12" name="Gerade Verbindung 11"/>
+          <p:cNvCxnSpPr/>
+          <p:nvPr/>
+        </p:nvCxnSpPr>
+        <p:spPr bwMode="auto">
+          <a:xfrm>
+            <a:off x="2855463" y="3104964"/>
+            <a:ext cx="1848897" cy="0"/>
+          </a:xfrm>
+          <a:prstGeom prst="line">
+            <a:avLst/>
+          </a:prstGeom>
+          <a:ln>
+            <a:headEnd type="none" w="med" len="med"/>
+            <a:tailEnd type="none" w="med" len="med"/>
+          </a:ln>
+        </p:spPr>
+        <p:style>
+          <a:lnRef idx="1">
+            <a:schemeClr val="accent3"/>
+          </a:lnRef>
+          <a:fillRef idx="0">
+            <a:schemeClr val="accent3"/>
+          </a:fillRef>
+          <a:effectRef idx="0">
+            <a:schemeClr val="accent3"/>
+          </a:effectRef>
+          <a:fontRef idx="minor">
+            <a:schemeClr val="tx1"/>
+          </a:fontRef>
+        </p:style>
+      </p:cxnSp>
+      <p:sp>
+        <p:nvSpPr>
+          <p:cNvPr id="13" name="Textfeld 12"/>
+          <p:cNvSpPr txBox="1"/>
+          <p:nvPr/>
+        </p:nvSpPr>
+        <p:spPr>
+          <a:xfrm>
+            <a:off x="2906941" y="3167680"/>
+            <a:ext cx="1797419" cy="954107"/>
+          </a:xfrm>
+          <a:prstGeom prst="rect">
+            <a:avLst/>
+          </a:prstGeom>
+          <a:noFill/>
+        </p:spPr>
+        <p:txBody>
+          <a:bodyPr wrap="square" rtlCol="0">
+            <a:spAutoFit/>
+          </a:bodyPr>
+          <a:lstStyle/>
+          <a:p>
+            <a:pPr>
+              <a:buClr>
+                <a:srgbClr val="EE7F00"/>
+              </a:buClr>
+              <a:buFont typeface="Wingdings" pitchFamily="2" charset="2"/>
+              <a:buChar char="§"/>
+            </a:pPr>
+            <a:r>
+              <a:rPr lang="de-DE" sz="1400" dirty="0" smtClean="0">
+                <a:solidFill>
+                  <a:schemeClr val="accent4"/>
+                </a:solidFill>
+              </a:rPr>
+              <a:t> </a:t>
+            </a:r>
+            <a:r>
+              <a:rPr lang="de-DE" sz="1400" dirty="0" smtClean="0">
+                <a:solidFill>
+                  <a:schemeClr val="bg1"/>
+                </a:solidFill>
+              </a:rPr>
+              <a:t>Bezeichnung</a:t>
+            </a:r>
+          </a:p>
+          <a:p>
+            <a:pPr>
+              <a:buClr>
+                <a:srgbClr val="EE7F00"/>
+              </a:buClr>
+              <a:buFont typeface="Wingdings" pitchFamily="2" charset="2"/>
+              <a:buChar char="§"/>
+            </a:pPr>
+            <a:r>
+              <a:rPr lang="de-DE" sz="1400" dirty="0" smtClean="0">
+                <a:solidFill>
+                  <a:schemeClr val="bg1"/>
+                </a:solidFill>
+              </a:rPr>
+              <a:t> Maximale Laufzeit</a:t>
+            </a:r>
+          </a:p>
+          <a:p>
+            <a:pPr>
+              <a:buClr>
+                <a:srgbClr val="EE7F00"/>
+              </a:buClr>
+              <a:buFont typeface="Wingdings" pitchFamily="2" charset="2"/>
+              <a:buChar char="§"/>
+            </a:pPr>
+            <a:r>
+              <a:rPr lang="de-DE" sz="1400" dirty="0" smtClean="0">
+                <a:solidFill>
+                  <a:schemeClr val="bg1"/>
+                </a:solidFill>
+              </a:rPr>
+              <a:t>…</a:t>
+            </a:r>
+          </a:p>
+          <a:p>
+            <a:endParaRPr lang="de-DE" sz="1400" dirty="0"/>
+          </a:p>
+        </p:txBody>
+      </p:sp>
+      <p:sp>
+        <p:nvSpPr>
+          <p:cNvPr id="14" name="Abgerundetes Rechteck 13"/>
+          <p:cNvSpPr/>
+          <p:nvPr/>
+        </p:nvSpPr>
+        <p:spPr bwMode="auto">
+          <a:xfrm>
+            <a:off x="997015" y="2636913"/>
+            <a:ext cx="1594765" cy="1548173"/>
+          </a:xfrm>
+          <a:prstGeom prst="roundRect">
+            <a:avLst/>
+          </a:prstGeom>
+          <a:ln>
+            <a:headEnd type="none" w="med" len="med"/>
+            <a:tailEnd type="none" w="med" len="med"/>
+          </a:ln>
+        </p:spPr>
+        <p:style>
+          <a:lnRef idx="1">
+            <a:schemeClr val="dk1"/>
+          </a:lnRef>
+          <a:fillRef idx="3">
+            <a:schemeClr val="dk1"/>
+          </a:fillRef>
+          <a:effectRef idx="2">
+            <a:schemeClr val="dk1"/>
+          </a:effectRef>
+          <a:fontRef idx="minor">
+            <a:schemeClr val="lt1"/>
+          </a:fontRef>
+        </p:style>
+        <p:txBody>
+          <a:bodyPr lIns="72000" tIns="144000" rIns="36000" bIns="36000" rtlCol="0" anchor="t"/>
+          <a:lstStyle/>
+          <a:p>
+            <a:pPr algn="ctr">
+              <a:lnSpc>
+                <a:spcPct val="90000"/>
+              </a:lnSpc>
+              <a:spcBef>
+                <a:spcPts val="500"/>
+              </a:spcBef>
+              <a:buClr>
+                <a:srgbClr val="FF9900"/>
+              </a:buClr>
+              <a:buSzPct val="150000"/>
+            </a:pPr>
+            <a:r>
+              <a:rPr lang="de-DE" sz="1400" dirty="0" smtClean="0">
+                <a:solidFill>
+                  <a:schemeClr val="bg1"/>
+                </a:solidFill>
+                <a:sym typeface="Arial" charset="0"/>
+              </a:rPr>
+              <a:t>Vertrag</a:t>
+            </a:r>
+          </a:p>
+        </p:txBody>
+      </p:sp>
+      <p:sp>
+        <p:nvSpPr>
+          <p:cNvPr id="15" name="Textfeld 14"/>
+          <p:cNvSpPr txBox="1"/>
+          <p:nvPr/>
+        </p:nvSpPr>
+        <p:spPr>
+          <a:xfrm>
+            <a:off x="1041755" y="3167680"/>
+            <a:ext cx="2002105" cy="738664"/>
+          </a:xfrm>
+          <a:prstGeom prst="rect">
+            <a:avLst/>
+          </a:prstGeom>
+          <a:noFill/>
+        </p:spPr>
+        <p:txBody>
+          <a:bodyPr wrap="square" rtlCol="0">
+            <a:spAutoFit/>
+          </a:bodyPr>
+          <a:lstStyle/>
+          <a:p>
+            <a:pPr marL="90488" indent="-90488">
+              <a:buClr>
+                <a:srgbClr val="EE7F00"/>
+              </a:buClr>
+              <a:buFont typeface="Wingdings" pitchFamily="2" charset="2"/>
+              <a:buChar char="§"/>
+            </a:pPr>
+            <a:r>
+              <a:rPr lang="de-DE" sz="1400" dirty="0" smtClean="0">
+                <a:solidFill>
+                  <a:schemeClr val="accent4"/>
+                </a:solidFill>
+              </a:rPr>
+              <a:t> </a:t>
+            </a:r>
+            <a:r>
+              <a:rPr lang="de-DE" sz="1400" dirty="0" smtClean="0">
+                <a:solidFill>
+                  <a:schemeClr val="bg1"/>
+                </a:solidFill>
+              </a:rPr>
+              <a:t>Beginn</a:t>
+            </a:r>
+          </a:p>
+          <a:p>
+            <a:pPr>
+              <a:buClr>
+                <a:srgbClr val="EE7F00"/>
+              </a:buClr>
+              <a:buFont typeface="Wingdings" pitchFamily="2" charset="2"/>
+              <a:buChar char="§"/>
+            </a:pPr>
+            <a:r>
+              <a:rPr lang="de-DE" sz="1400" dirty="0" smtClean="0">
+                <a:solidFill>
+                  <a:schemeClr val="bg1"/>
+                </a:solidFill>
+              </a:rPr>
+              <a:t> Zahlweise</a:t>
+            </a:r>
+          </a:p>
+          <a:p>
+            <a:pPr>
+              <a:buClr>
+                <a:srgbClr val="EE7F00"/>
+              </a:buClr>
+              <a:buFont typeface="Wingdings" pitchFamily="2" charset="2"/>
+              <a:buChar char="§"/>
+            </a:pPr>
+            <a:r>
+              <a:rPr lang="de-DE" sz="1400" dirty="0" smtClean="0">
+                <a:solidFill>
+                  <a:schemeClr val="bg1"/>
+                </a:solidFill>
+              </a:rPr>
+              <a:t>…</a:t>
+            </a:r>
+          </a:p>
+        </p:txBody>
+      </p:sp>
+      <p:cxnSp>
+        <p:nvCxnSpPr>
+          <p:cNvPr id="16" name="Gerade Verbindung 15"/>
+          <p:cNvCxnSpPr/>
+          <p:nvPr/>
+        </p:nvCxnSpPr>
+        <p:spPr bwMode="auto">
+          <a:xfrm>
+            <a:off x="1005543" y="3099974"/>
+            <a:ext cx="1584176" cy="0"/>
+          </a:xfrm>
+          <a:prstGeom prst="line">
+            <a:avLst/>
+          </a:prstGeom>
+          <a:ln>
+            <a:headEnd type="none" w="med" len="med"/>
+            <a:tailEnd type="none" w="med" len="med"/>
+          </a:ln>
+        </p:spPr>
+        <p:style>
+          <a:lnRef idx="1">
+            <a:schemeClr val="accent3"/>
+          </a:lnRef>
+          <a:fillRef idx="0">
+            <a:schemeClr val="accent3"/>
+          </a:fillRef>
+          <a:effectRef idx="0">
+            <a:schemeClr val="accent3"/>
+          </a:effectRef>
+          <a:fontRef idx="minor">
+            <a:schemeClr val="tx1"/>
+          </a:fontRef>
+        </p:style>
+      </p:cxnSp>
+      <p:sp>
+        <p:nvSpPr>
+          <p:cNvPr id="17" name="Abgerundetes Rechteck 16"/>
+          <p:cNvSpPr/>
+          <p:nvPr/>
+        </p:nvSpPr>
+        <p:spPr bwMode="auto">
+          <a:xfrm>
+            <a:off x="6084168" y="2475581"/>
+            <a:ext cx="2016224" cy="900100"/>
+          </a:xfrm>
+          <a:prstGeom prst="roundRect">
+            <a:avLst/>
+          </a:prstGeom>
+          <a:ln>
+            <a:headEnd type="none" w="med" len="med"/>
+            <a:tailEnd type="none" w="med" len="med"/>
+          </a:ln>
+        </p:spPr>
+        <p:style>
+          <a:lnRef idx="1">
+            <a:schemeClr val="accent5"/>
+          </a:lnRef>
+          <a:fillRef idx="3">
+            <a:schemeClr val="accent5"/>
+          </a:fillRef>
+          <a:effectRef idx="2">
+            <a:schemeClr val="accent5"/>
+          </a:effectRef>
+          <a:fontRef idx="minor">
+            <a:schemeClr val="lt1"/>
+          </a:fontRef>
+        </p:style>
+        <p:txBody>
+          <a:bodyPr lIns="72000" tIns="144000" rIns="36000" bIns="36000" rtlCol="0" anchor="ctr" anchorCtr="0"/>
+          <a:lstStyle/>
+          <a:p>
+            <a:pPr algn="ctr">
+              <a:lnSpc>
+                <a:spcPct val="90000"/>
+              </a:lnSpc>
+              <a:spcBef>
+                <a:spcPts val="500"/>
+              </a:spcBef>
+              <a:buClr>
+                <a:srgbClr val="FF9900"/>
+              </a:buClr>
+              <a:buSzPct val="150000"/>
+            </a:pPr>
+            <a:r>
+              <a:rPr lang="de-DE" sz="1400" b="1" dirty="0" smtClean="0">
+                <a:solidFill>
+                  <a:schemeClr val="bg1"/>
+                </a:solidFill>
+                <a:sym typeface="Arial" charset="0"/>
+              </a:rPr>
+              <a:t>KFZ Basis</a:t>
+            </a:r>
+            <a:r>
+              <a:rPr lang="de-DE" sz="1400" b="1" dirty="0">
+                <a:solidFill>
+                  <a:schemeClr val="bg1"/>
+                </a:solidFill>
+                <a:sym typeface="Arial" charset="0"/>
+              </a:rPr>
+              <a:t> </a:t>
+            </a:r>
+            <a:r>
+              <a:rPr lang="de-DE" sz="1400" b="1" dirty="0" smtClean="0">
+                <a:solidFill>
+                  <a:schemeClr val="bg1"/>
+                </a:solidFill>
+                <a:sym typeface="Arial" charset="0"/>
+              </a:rPr>
+              <a:t>2012</a:t>
+            </a:r>
+          </a:p>
+        </p:txBody>
+      </p:sp>
+      <p:cxnSp>
+        <p:nvCxnSpPr>
+          <p:cNvPr id="18" name="Gerade Verbindung 17"/>
+          <p:cNvCxnSpPr/>
+          <p:nvPr/>
+        </p:nvCxnSpPr>
+        <p:spPr bwMode="auto">
+          <a:xfrm>
+            <a:off x="2591780" y="3787617"/>
+            <a:ext cx="254630" cy="0"/>
+          </a:xfrm>
+          <a:prstGeom prst="line">
+            <a:avLst/>
+          </a:prstGeom>
+          <a:ln>
+            <a:solidFill>
+              <a:schemeClr val="accent4"/>
+            </a:solidFill>
+            <a:headEnd type="none" w="med" len="med"/>
+            <a:tailEnd type="none" w="med" len="med"/>
+          </a:ln>
+        </p:spPr>
+        <p:style>
+          <a:lnRef idx="1">
+            <a:schemeClr val="accent3"/>
+          </a:lnRef>
+          <a:fillRef idx="0">
+            <a:schemeClr val="accent3"/>
+          </a:fillRef>
+          <a:effectRef idx="0">
+            <a:schemeClr val="accent3"/>
+          </a:effectRef>
+          <a:fontRef idx="minor">
+            <a:schemeClr val="tx1"/>
+          </a:fontRef>
+        </p:style>
+      </p:cxnSp>
+      <p:sp>
+        <p:nvSpPr>
+          <p:cNvPr id="19" name="Abgerundetes Rechteck 18"/>
+          <p:cNvSpPr/>
+          <p:nvPr/>
+        </p:nvSpPr>
+        <p:spPr bwMode="auto">
+          <a:xfrm>
+            <a:off x="6084168" y="3645024"/>
+            <a:ext cx="2016224" cy="900100"/>
+          </a:xfrm>
+          <a:prstGeom prst="roundRect">
+            <a:avLst/>
+          </a:prstGeom>
+          <a:ln>
+            <a:headEnd type="none" w="med" len="med"/>
+            <a:tailEnd type="none" w="med" len="med"/>
+          </a:ln>
+        </p:spPr>
+        <p:style>
+          <a:lnRef idx="1">
+            <a:schemeClr val="accent5"/>
+          </a:lnRef>
+          <a:fillRef idx="3">
+            <a:schemeClr val="accent5"/>
+          </a:fillRef>
+          <a:effectRef idx="2">
+            <a:schemeClr val="accent5"/>
+          </a:effectRef>
+          <a:fontRef idx="minor">
+            <a:schemeClr val="lt1"/>
+          </a:fontRef>
+        </p:style>
+        <p:txBody>
+          <a:bodyPr lIns="72000" tIns="144000" rIns="36000" bIns="36000" rtlCol="0" anchor="ctr" anchorCtr="0"/>
+          <a:lstStyle/>
+          <a:p>
+            <a:pPr algn="ctr">
+              <a:lnSpc>
+                <a:spcPct val="90000"/>
+              </a:lnSpc>
+              <a:spcBef>
+                <a:spcPts val="500"/>
+              </a:spcBef>
+              <a:buClr>
+                <a:srgbClr val="FF9900"/>
+              </a:buClr>
+              <a:buSzPct val="150000"/>
+            </a:pPr>
+            <a:r>
+              <a:rPr lang="de-DE" sz="1400" b="1" dirty="0" smtClean="0">
+                <a:solidFill>
+                  <a:schemeClr val="bg1"/>
+                </a:solidFill>
+                <a:sym typeface="Arial" charset="0"/>
+              </a:rPr>
+              <a:t>KFZ Premium 2012</a:t>
+            </a:r>
+          </a:p>
+        </p:txBody>
+      </p:sp>
+      <p:cxnSp>
+        <p:nvCxnSpPr>
+          <p:cNvPr id="20" name="Gerade Verbindung mit Pfeil 19"/>
+          <p:cNvCxnSpPr/>
+          <p:nvPr/>
+        </p:nvCxnSpPr>
+        <p:spPr bwMode="auto">
+          <a:xfrm rot="10800000" flipV="1">
+            <a:off x="4704360" y="2907629"/>
+            <a:ext cx="1379808" cy="468052"/>
+          </a:xfrm>
+          <a:prstGeom prst="straightConnector1">
+            <a:avLst/>
+          </a:prstGeom>
+          <a:ln>
+            <a:headEnd type="none" w="med" len="med"/>
+            <a:tailEnd type="arrow"/>
+          </a:ln>
+        </p:spPr>
+        <p:style>
+          <a:lnRef idx="2">
+            <a:schemeClr val="accent4"/>
+          </a:lnRef>
+          <a:fillRef idx="0">
+            <a:schemeClr val="accent4"/>
+          </a:fillRef>
+          <a:effectRef idx="1">
+            <a:schemeClr val="accent4"/>
+          </a:effectRef>
+          <a:fontRef idx="minor">
+            <a:schemeClr val="tx1"/>
+          </a:fontRef>
+        </p:style>
+      </p:cxnSp>
+      <p:cxnSp>
+        <p:nvCxnSpPr>
+          <p:cNvPr id="21" name="Gerade Verbindung mit Pfeil 20"/>
+          <p:cNvCxnSpPr/>
+          <p:nvPr/>
+        </p:nvCxnSpPr>
+        <p:spPr bwMode="auto">
+          <a:xfrm rot="10800000">
+            <a:off x="4704360" y="3626287"/>
+            <a:ext cx="1379808" cy="397467"/>
+          </a:xfrm>
+          <a:prstGeom prst="straightConnector1">
+            <a:avLst/>
+          </a:prstGeom>
+          <a:ln>
+            <a:headEnd type="none" w="med" len="med"/>
+            <a:tailEnd type="arrow"/>
+          </a:ln>
+        </p:spPr>
+        <p:style>
+          <a:lnRef idx="2">
+            <a:schemeClr val="accent4"/>
+          </a:lnRef>
+          <a:fillRef idx="0">
+            <a:schemeClr val="accent4"/>
+          </a:fillRef>
+          <a:effectRef idx="1">
+            <a:schemeClr val="accent4"/>
+          </a:effectRef>
+          <a:fontRef idx="minor">
+            <a:schemeClr val="tx1"/>
+          </a:fontRef>
+        </p:style>
+      </p:cxnSp>
+      <p:sp>
+        <p:nvSpPr>
+          <p:cNvPr id="4" name="Foliennummernplatzhalter 3"/>
+          <p:cNvSpPr>
+            <a:spLocks noGrp="1"/>
+          </p:cNvSpPr>
+          <p:nvPr>
+            <p:ph type="sldNum" sz="quarter" idx="4"/>
+          </p:nvPr>
+        </p:nvSpPr>
+        <p:spPr/>
+        <p:txBody>
+          <a:bodyPr/>
+          <a:lstStyle/>
+          <a:p>
+            <a:r>
+              <a:rPr lang="de-DE" smtClean="0"/>
+              <a:t>I-</a:t>
+            </a:r>
+            <a:fld id="{21FBF85A-D7A6-488B-8C2B-F7E0D6843921}" type="slidenum">
+              <a:rPr lang="de-DE" smtClean="0"/>
+              <a:pPr/>
+              <a:t>5</a:t>
+            </a:fld>
+            <a:endParaRPr lang="de-DE" dirty="0"/>
+          </a:p>
+        </p:txBody>
+      </p:sp>
+    </p:spTree>
+    <p:extLst>
+      <p:ext uri="{BB962C8B-B14F-4D97-AF65-F5344CB8AC3E}">
+        <p14:creationId xmlns:p14="http://schemas.microsoft.com/office/powerpoint/2010/main" val="2141139282"/>
+      </p:ext>
+    </p:extLst>
+  </p:cSld>
+  <p:clrMapOvr>
+    <a:masterClrMapping/>
+  </p:clrMapOvr>
+  <p:transition spd="slow">
+    <p:fade/>
+  </p:transition>
+  <p:timing>
+    <p:tnLst>
+      <p:par>
+        <p:cTn id="1" dur="indefinite" restart="never" nodeType="tmRoot"/>
+      </p:par>
+    </p:tnLst>
+  </p:timing>
+</p:sld>
+</file>
+
+<file path=ppt/slides/slide6.xml><?xml version="1.0" encoding="utf-8"?>
+<p:sld xmlns:a="http://schemas.openxmlformats.org/drawingml/2006/main" xmlns:r="http://schemas.openxmlformats.org/officeDocument/2006/relationships" xmlns:p="http://schemas.openxmlformats.org/presentationml/2006/main">
+  <p:cSld>
+    <p:spTree>
+      <p:nvGrpSpPr>
+        <p:cNvPr id="1" name=""/>
+        <p:cNvGrpSpPr/>
+        <p:nvPr/>
+      </p:nvGrpSpPr>
+      <p:grpSpPr>
+        <a:xfrm>
+          <a:off x="0" y="0"/>
+          <a:ext cx="0" cy="0"/>
+          <a:chOff x="0" y="0"/>
+          <a:chExt cx="0" cy="0"/>
+        </a:xfrm>
+      </p:grpSpPr>
+      <p:sp>
+        <p:nvSpPr>
+          <p:cNvPr id="3" name="Datumsplatzhalter 2"/>
+          <p:cNvSpPr>
+            <a:spLocks noGrp="1"/>
+          </p:cNvSpPr>
+          <p:nvPr>
+            <p:ph type="dt" sz="half" idx="2"/>
+          </p:nvPr>
+        </p:nvSpPr>
+        <p:spPr/>
+        <p:txBody>
+          <a:bodyPr/>
+          <a:lstStyle/>
+          <a:p>
             <a:fld id="{CBB4DE2D-5A10-4D5E-9BBB-866690724911}" type="datetime1">
               <a:rPr lang="de-DE" smtClean="0"/>
-              <a:t>16.05.2013</a:t>
+              <a:t>15.04.2015</a:t>
             </a:fld>
             <a:endParaRPr lang="de-DE" dirty="0"/>
           </a:p>
@@ -12336,7 +12437,7 @@
             <a:fld id="{21FBF85A-D7A6-488B-8C2B-F7E0D6843921}" type="slidenum">
               <a:rPr lang="de-DE" smtClean="0"/>
               <a:pPr/>
-              <a:t>5</a:t>
+              <a:t>6</a:t>
             </a:fld>
             <a:endParaRPr lang="de-DE" dirty="0"/>
           </a:p>
@@ -12346,1388 +12447,6 @@
     <p:extLst>
       <p:ext uri="{BB962C8B-B14F-4D97-AF65-F5344CB8AC3E}">
         <p14:creationId xmlns:p14="http://schemas.microsoft.com/office/powerpoint/2010/main" val="2537947122"/>
-      </p:ext>
-    </p:extLst>
-  </p:cSld>
-  <p:clrMapOvr>
-    <a:masterClrMapping/>
-  </p:clrMapOvr>
-  <p:transition spd="slow">
-    <p:fade/>
-  </p:transition>
-  <p:timing>
-    <p:tnLst>
-      <p:par>
-        <p:cTn id="1" dur="indefinite" restart="never" nodeType="tmRoot"/>
-      </p:par>
-    </p:tnLst>
-  </p:timing>
-</p:sld>
-</file>
-
-<file path=ppt/slides/slide6.xml><?xml version="1.0" encoding="utf-8"?>
-<p:sld xmlns:a="http://schemas.openxmlformats.org/drawingml/2006/main" xmlns:r="http://schemas.openxmlformats.org/officeDocument/2006/relationships" xmlns:p="http://schemas.openxmlformats.org/presentationml/2006/main">
-  <p:cSld>
-    <p:spTree>
-      <p:nvGrpSpPr>
-        <p:cNvPr id="1" name=""/>
-        <p:cNvGrpSpPr/>
-        <p:nvPr/>
-      </p:nvGrpSpPr>
-      <p:grpSpPr>
-        <a:xfrm>
-          <a:off x="0" y="0"/>
-          <a:ext cx="0" cy="0"/>
-          <a:chOff x="0" y="0"/>
-          <a:chExt cx="0" cy="0"/>
-        </a:xfrm>
-      </p:grpSpPr>
-      <p:sp>
-        <p:nvSpPr>
-          <p:cNvPr id="3" name="Datumsplatzhalter 2"/>
-          <p:cNvSpPr>
-            <a:spLocks noGrp="1"/>
-          </p:cNvSpPr>
-          <p:nvPr>
-            <p:ph type="dt" sz="half" idx="2"/>
-          </p:nvPr>
-        </p:nvSpPr>
-        <p:spPr/>
-        <p:txBody>
-          <a:bodyPr/>
-          <a:lstStyle/>
-          <a:p>
-            <a:fld id="{20A5B6AD-81B1-4761-8996-81F6614BD981}" type="datetime1">
-              <a:rPr lang="de-DE" smtClean="0"/>
-              <a:t>16.05.2013</a:t>
-            </a:fld>
-            <a:endParaRPr lang="de-DE" dirty="0"/>
-          </a:p>
-        </p:txBody>
-      </p:sp>
-      <p:sp>
-        <p:nvSpPr>
-          <p:cNvPr id="9" name="Titel 8"/>
-          <p:cNvSpPr>
-            <a:spLocks noGrp="1"/>
-          </p:cNvSpPr>
-          <p:nvPr>
-            <p:ph type="title"/>
-          </p:nvPr>
-        </p:nvSpPr>
-        <p:spPr/>
-        <p:txBody>
-          <a:bodyPr/>
-          <a:lstStyle/>
-          <a:p>
-            <a:r>
-              <a:rPr lang="de-DE" dirty="0" smtClean="0"/>
-              <a:t>Faktor-IPS kann als klassisches Produktsystem eingesetzt werden.</a:t>
-            </a:r>
-            <a:endParaRPr lang="de-DE" dirty="0"/>
-          </a:p>
-        </p:txBody>
-      </p:sp>
-      <p:sp>
-        <p:nvSpPr>
-          <p:cNvPr id="10" name="Rechteck 9"/>
-          <p:cNvSpPr/>
-          <p:nvPr/>
-        </p:nvSpPr>
-        <p:spPr bwMode="auto">
-          <a:xfrm>
-            <a:off x="927100" y="1341686"/>
-            <a:ext cx="4681538" cy="2519362"/>
-          </a:xfrm>
-          <a:prstGeom prst="rect">
-            <a:avLst/>
-          </a:prstGeom>
-          <a:ln>
-            <a:headEnd type="none" w="med" len="med"/>
-            <a:tailEnd type="none" w="med" len="med"/>
-          </a:ln>
-          <a:extLst/>
-        </p:spPr>
-        <p:style>
-          <a:lnRef idx="2">
-            <a:schemeClr val="accent5"/>
-          </a:lnRef>
-          <a:fillRef idx="1">
-            <a:schemeClr val="lt1"/>
-          </a:fillRef>
-          <a:effectRef idx="0">
-            <a:schemeClr val="accent5"/>
-          </a:effectRef>
-          <a:fontRef idx="minor">
-            <a:schemeClr val="dk1"/>
-          </a:fontRef>
-        </p:style>
-        <p:txBody>
-          <a:bodyPr/>
-          <a:lstStyle/>
-          <a:p>
-            <a:pPr>
-              <a:defRPr/>
-            </a:pPr>
-            <a:r>
-              <a:rPr lang="de-DE" sz="1600" b="1" dirty="0">
-                <a:solidFill>
-                  <a:schemeClr val="accent4"/>
-                </a:solidFill>
-              </a:rPr>
-              <a:t>Operatives</a:t>
-            </a:r>
-          </a:p>
-          <a:p>
-            <a:pPr>
-              <a:defRPr/>
-            </a:pPr>
-            <a:r>
-              <a:rPr lang="de-DE" sz="1600" b="1" dirty="0">
-                <a:solidFill>
-                  <a:schemeClr val="accent4"/>
-                </a:solidFill>
-              </a:rPr>
-              <a:t>System</a:t>
-            </a:r>
-          </a:p>
-        </p:txBody>
-      </p:sp>
-      <p:sp>
-        <p:nvSpPr>
-          <p:cNvPr id="11" name="Abgerundetes Rechteck 10"/>
-          <p:cNvSpPr/>
-          <p:nvPr/>
-        </p:nvSpPr>
-        <p:spPr bwMode="auto">
-          <a:xfrm>
-            <a:off x="2224088" y="1484561"/>
-            <a:ext cx="1020762" cy="576262"/>
-          </a:xfrm>
-          <a:prstGeom prst="roundRect">
-            <a:avLst/>
-          </a:prstGeom>
-          <a:ln>
-            <a:headEnd type="none" w="med" len="med"/>
-            <a:tailEnd type="none" w="med" len="med"/>
-          </a:ln>
-          <a:extLst/>
-        </p:spPr>
-        <p:style>
-          <a:lnRef idx="1">
-            <a:schemeClr val="accent5"/>
-          </a:lnRef>
-          <a:fillRef idx="3">
-            <a:schemeClr val="accent5"/>
-          </a:fillRef>
-          <a:effectRef idx="2">
-            <a:schemeClr val="accent5"/>
-          </a:effectRef>
-          <a:fontRef idx="minor">
-            <a:schemeClr val="lt1"/>
-          </a:fontRef>
-        </p:style>
-        <p:txBody>
-          <a:bodyPr/>
-          <a:lstStyle/>
-          <a:p>
-            <a:pPr algn="ctr">
-              <a:defRPr/>
-            </a:pPr>
-            <a:r>
-              <a:rPr lang="de-DE" sz="1300" dirty="0">
-                <a:solidFill>
-                  <a:schemeClr val="bg1"/>
-                </a:solidFill>
-              </a:rPr>
-              <a:t>User Interface</a:t>
-            </a:r>
-          </a:p>
-        </p:txBody>
-      </p:sp>
-      <p:sp>
-        <p:nvSpPr>
-          <p:cNvPr id="12" name="Abgerundetes Rechteck 11"/>
-          <p:cNvSpPr/>
-          <p:nvPr/>
-        </p:nvSpPr>
-        <p:spPr bwMode="auto">
-          <a:xfrm>
-            <a:off x="2224088" y="2205286"/>
-            <a:ext cx="2159000" cy="1111250"/>
-          </a:xfrm>
-          <a:prstGeom prst="roundRect">
-            <a:avLst/>
-          </a:prstGeom>
-          <a:ln>
-            <a:headEnd type="none" w="med" len="med"/>
-            <a:tailEnd type="none" w="med" len="med"/>
-          </a:ln>
-          <a:extLst/>
-        </p:spPr>
-        <p:style>
-          <a:lnRef idx="1">
-            <a:schemeClr val="accent5"/>
-          </a:lnRef>
-          <a:fillRef idx="3">
-            <a:schemeClr val="accent5"/>
-          </a:fillRef>
-          <a:effectRef idx="2">
-            <a:schemeClr val="accent5"/>
-          </a:effectRef>
-          <a:fontRef idx="minor">
-            <a:schemeClr val="lt1"/>
-          </a:fontRef>
-        </p:style>
-        <p:txBody>
-          <a:bodyPr/>
-          <a:lstStyle/>
-          <a:p>
-            <a:pPr algn="ctr">
-              <a:defRPr/>
-            </a:pPr>
-            <a:r>
-              <a:rPr lang="de-DE" sz="1300" dirty="0">
-                <a:solidFill>
-                  <a:schemeClr val="bg1"/>
-                </a:solidFill>
-              </a:rPr>
-              <a:t>Geschäftslogik</a:t>
-            </a:r>
-          </a:p>
-        </p:txBody>
-      </p:sp>
-      <p:sp>
-        <p:nvSpPr>
-          <p:cNvPr id="13" name="Abgerundetes Rechteck 12"/>
-          <p:cNvSpPr/>
-          <p:nvPr/>
-        </p:nvSpPr>
-        <p:spPr bwMode="auto">
-          <a:xfrm>
-            <a:off x="3375025" y="1484561"/>
-            <a:ext cx="1008063" cy="576262"/>
-          </a:xfrm>
-          <a:prstGeom prst="roundRect">
-            <a:avLst/>
-          </a:prstGeom>
-          <a:ln>
-            <a:headEnd type="none" w="med" len="med"/>
-            <a:tailEnd type="none" w="med" len="med"/>
-          </a:ln>
-          <a:extLst/>
-        </p:spPr>
-        <p:style>
-          <a:lnRef idx="1">
-            <a:schemeClr val="accent5"/>
-          </a:lnRef>
-          <a:fillRef idx="3">
-            <a:schemeClr val="accent5"/>
-          </a:fillRef>
-          <a:effectRef idx="2">
-            <a:schemeClr val="accent5"/>
-          </a:effectRef>
-          <a:fontRef idx="minor">
-            <a:schemeClr val="lt1"/>
-          </a:fontRef>
-        </p:style>
-        <p:txBody>
-          <a:bodyPr/>
-          <a:lstStyle/>
-          <a:p>
-            <a:pPr algn="ctr">
-              <a:defRPr/>
-            </a:pPr>
-            <a:r>
-              <a:rPr lang="de-DE" sz="1300" dirty="0">
-                <a:solidFill>
-                  <a:schemeClr val="bg1"/>
-                </a:solidFill>
-              </a:rPr>
-              <a:t>Batchjobs</a:t>
-            </a:r>
-          </a:p>
-          <a:p>
-            <a:pPr algn="ctr">
-              <a:defRPr/>
-            </a:pPr>
-            <a:r>
-              <a:rPr lang="de-DE" sz="1300" dirty="0">
-                <a:solidFill>
-                  <a:schemeClr val="bg1"/>
-                </a:solidFill>
-              </a:rPr>
-              <a:t>Services</a:t>
-            </a:r>
-          </a:p>
-        </p:txBody>
-      </p:sp>
-      <p:sp>
-        <p:nvSpPr>
-          <p:cNvPr id="14" name="Abgerundetes Rechteck 13"/>
-          <p:cNvSpPr/>
-          <p:nvPr/>
-        </p:nvSpPr>
-        <p:spPr bwMode="auto">
-          <a:xfrm>
-            <a:off x="2295525" y="2583111"/>
-            <a:ext cx="1079500" cy="630237"/>
-          </a:xfrm>
-          <a:prstGeom prst="roundRect">
-            <a:avLst/>
-          </a:prstGeom>
-          <a:ln>
-            <a:headEnd type="none" w="med" len="med"/>
-            <a:tailEnd type="none" w="med" len="med"/>
-          </a:ln>
-          <a:extLst/>
-        </p:spPr>
-        <p:style>
-          <a:lnRef idx="1">
-            <a:schemeClr val="accent5"/>
-          </a:lnRef>
-          <a:fillRef idx="3">
-            <a:schemeClr val="accent5"/>
-          </a:fillRef>
-          <a:effectRef idx="2">
-            <a:schemeClr val="accent5"/>
-          </a:effectRef>
-          <a:fontRef idx="minor">
-            <a:schemeClr val="lt1"/>
-          </a:fontRef>
-        </p:style>
-        <p:txBody>
-          <a:bodyPr anchor="ctr"/>
-          <a:lstStyle/>
-          <a:p>
-            <a:pPr algn="ctr">
-              <a:defRPr/>
-            </a:pPr>
-            <a:r>
-              <a:rPr lang="de-DE" sz="1300" dirty="0"/>
-              <a:t>Geschäfts-objekte</a:t>
-            </a:r>
-          </a:p>
-        </p:txBody>
-      </p:sp>
-      <p:sp>
-        <p:nvSpPr>
-          <p:cNvPr id="15" name="Abgerundetes Rechteck 14"/>
-          <p:cNvSpPr/>
-          <p:nvPr/>
-        </p:nvSpPr>
-        <p:spPr bwMode="auto">
-          <a:xfrm>
-            <a:off x="998537" y="3068886"/>
-            <a:ext cx="1116000" cy="756000"/>
-          </a:xfrm>
-          <a:prstGeom prst="roundRect">
-            <a:avLst/>
-          </a:prstGeom>
-          <a:ln>
-            <a:headEnd type="none" w="med" len="med"/>
-            <a:tailEnd type="none" w="med" len="med"/>
-          </a:ln>
-          <a:extLst/>
-        </p:spPr>
-        <p:style>
-          <a:lnRef idx="1">
-            <a:schemeClr val="accent5"/>
-          </a:lnRef>
-          <a:fillRef idx="3">
-            <a:schemeClr val="accent5"/>
-          </a:fillRef>
-          <a:effectRef idx="2">
-            <a:schemeClr val="accent5"/>
-          </a:effectRef>
-          <a:fontRef idx="minor">
-            <a:schemeClr val="lt1"/>
-          </a:fontRef>
-        </p:style>
-        <p:txBody>
-          <a:bodyPr anchor="ctr" anchorCtr="0"/>
-          <a:lstStyle/>
-          <a:p>
-            <a:pPr algn="ctr">
-              <a:defRPr/>
-            </a:pPr>
-            <a:r>
-              <a:rPr lang="de-DE" sz="1300" dirty="0">
-                <a:solidFill>
-                  <a:schemeClr val="bg1"/>
-                </a:solidFill>
-              </a:rPr>
-              <a:t>Dienste</a:t>
-            </a:r>
-          </a:p>
-        </p:txBody>
-      </p:sp>
-      <p:sp>
-        <p:nvSpPr>
-          <p:cNvPr id="16" name="Abgerundetes Rechteck 15"/>
-          <p:cNvSpPr/>
-          <p:nvPr/>
-        </p:nvSpPr>
-        <p:spPr bwMode="auto">
-          <a:xfrm>
-            <a:off x="998537" y="2205286"/>
-            <a:ext cx="1116000" cy="756000"/>
-          </a:xfrm>
-          <a:prstGeom prst="roundRect">
-            <a:avLst/>
-          </a:prstGeom>
-          <a:ln>
-            <a:headEnd type="none" w="med" len="med"/>
-            <a:tailEnd type="none" w="med" len="med"/>
-          </a:ln>
-          <a:extLst/>
-        </p:spPr>
-        <p:style>
-          <a:lnRef idx="1">
-            <a:schemeClr val="accent5"/>
-          </a:lnRef>
-          <a:fillRef idx="3">
-            <a:schemeClr val="accent5"/>
-          </a:fillRef>
-          <a:effectRef idx="2">
-            <a:schemeClr val="accent5"/>
-          </a:effectRef>
-          <a:fontRef idx="minor">
-            <a:schemeClr val="lt1"/>
-          </a:fontRef>
-        </p:style>
-        <p:txBody>
-          <a:bodyPr lIns="36000" rIns="36000" anchor="ctr" anchorCtr="0"/>
-          <a:lstStyle/>
-          <a:p>
-            <a:pPr algn="ctr">
-              <a:defRPr/>
-            </a:pPr>
-            <a:endParaRPr lang="de-DE" sz="1300" dirty="0" smtClean="0">
-              <a:solidFill>
-                <a:schemeClr val="bg1"/>
-              </a:solidFill>
-            </a:endParaRPr>
-          </a:p>
-          <a:p>
-            <a:pPr algn="ctr">
-              <a:defRPr/>
-            </a:pPr>
-            <a:endParaRPr lang="de-DE" sz="1300" dirty="0" smtClean="0">
-              <a:solidFill>
-                <a:schemeClr val="bg1"/>
-              </a:solidFill>
-            </a:endParaRPr>
-          </a:p>
-          <a:p>
-            <a:pPr algn="ctr">
-              <a:defRPr/>
-            </a:pPr>
-            <a:endParaRPr lang="de-DE" sz="1300" dirty="0" smtClean="0">
-              <a:solidFill>
-                <a:schemeClr val="bg1"/>
-              </a:solidFill>
-            </a:endParaRPr>
-          </a:p>
-          <a:p>
-            <a:pPr algn="ctr">
-              <a:defRPr/>
-            </a:pPr>
-            <a:r>
-              <a:rPr lang="de-DE" sz="1300" dirty="0" smtClean="0">
-                <a:solidFill>
-                  <a:schemeClr val="bg1"/>
-                </a:solidFill>
-              </a:rPr>
-              <a:t>Anbindung</a:t>
-            </a:r>
-            <a:endParaRPr lang="de-DE" sz="1300" dirty="0">
-              <a:solidFill>
-                <a:schemeClr val="bg1"/>
-              </a:solidFill>
-            </a:endParaRPr>
-          </a:p>
-          <a:p>
-            <a:pPr algn="ctr">
-              <a:defRPr/>
-            </a:pPr>
-            <a:r>
-              <a:rPr lang="de-DE" sz="1300" dirty="0" err="1">
-                <a:solidFill>
-                  <a:schemeClr val="bg1"/>
-                </a:solidFill>
-              </a:rPr>
-              <a:t>Umsysteme</a:t>
-            </a:r>
-            <a:endParaRPr lang="de-DE" sz="1300" dirty="0">
-              <a:solidFill>
-                <a:schemeClr val="bg1"/>
-              </a:solidFill>
-            </a:endParaRPr>
-          </a:p>
-          <a:p>
-            <a:pPr algn="ctr">
-              <a:defRPr/>
-            </a:pPr>
-            <a:endParaRPr lang="de-DE" sz="1300" dirty="0">
-              <a:solidFill>
-                <a:schemeClr val="bg1"/>
-              </a:solidFill>
-            </a:endParaRPr>
-          </a:p>
-          <a:p>
-            <a:pPr algn="ctr">
-              <a:defRPr/>
-            </a:pPr>
-            <a:endParaRPr lang="de-DE" sz="1300" dirty="0">
-              <a:solidFill>
-                <a:schemeClr val="bg1"/>
-              </a:solidFill>
-            </a:endParaRPr>
-          </a:p>
-          <a:p>
-            <a:pPr algn="ctr">
-              <a:defRPr/>
-            </a:pPr>
-            <a:endParaRPr lang="de-DE" sz="1300" dirty="0">
-              <a:solidFill>
-                <a:schemeClr val="bg1"/>
-              </a:solidFill>
-            </a:endParaRPr>
-          </a:p>
-        </p:txBody>
-      </p:sp>
-      <p:sp>
-        <p:nvSpPr>
-          <p:cNvPr id="17" name="Abgerundetes Rechteck 16"/>
-          <p:cNvSpPr/>
-          <p:nvPr/>
-        </p:nvSpPr>
-        <p:spPr bwMode="auto">
-          <a:xfrm>
-            <a:off x="4427984" y="2205286"/>
-            <a:ext cx="1116000" cy="1543050"/>
-          </a:xfrm>
-          <a:prstGeom prst="roundRect">
-            <a:avLst/>
-          </a:prstGeom>
-          <a:ln>
-            <a:headEnd type="none" w="med" len="med"/>
-            <a:tailEnd type="none" w="med" len="med"/>
-          </a:ln>
-          <a:extLst/>
-        </p:spPr>
-        <p:style>
-          <a:lnRef idx="1">
-            <a:schemeClr val="accent5"/>
-          </a:lnRef>
-          <a:fillRef idx="3">
-            <a:schemeClr val="accent5"/>
-          </a:fillRef>
-          <a:effectRef idx="2">
-            <a:schemeClr val="accent5"/>
-          </a:effectRef>
-          <a:fontRef idx="minor">
-            <a:schemeClr val="lt1"/>
-          </a:fontRef>
-        </p:style>
-        <p:txBody>
-          <a:bodyPr rIns="36000" anchor="ctr" anchorCtr="0"/>
-          <a:lstStyle/>
-          <a:p>
-            <a:pPr algn="ctr">
-              <a:defRPr/>
-            </a:pPr>
-            <a:r>
-              <a:rPr lang="de-DE" sz="1300" dirty="0">
-                <a:solidFill>
-                  <a:schemeClr val="bg1"/>
-                </a:solidFill>
-              </a:rPr>
-              <a:t>Anbindung</a:t>
-            </a:r>
-          </a:p>
-          <a:p>
-            <a:pPr algn="ctr">
-              <a:defRPr/>
-            </a:pPr>
-            <a:r>
-              <a:rPr lang="de-DE" sz="1300" dirty="0">
-                <a:solidFill>
-                  <a:schemeClr val="bg1"/>
-                </a:solidFill>
-              </a:rPr>
-              <a:t>Faktor-IPS</a:t>
-            </a:r>
-          </a:p>
-        </p:txBody>
-      </p:sp>
-      <p:sp>
-        <p:nvSpPr>
-          <p:cNvPr id="18" name="Abgerundetes Rechteck 17"/>
-          <p:cNvSpPr/>
-          <p:nvPr/>
-        </p:nvSpPr>
-        <p:spPr bwMode="auto">
-          <a:xfrm>
-            <a:off x="3557589" y="2583111"/>
-            <a:ext cx="754062" cy="630237"/>
-          </a:xfrm>
-          <a:prstGeom prst="roundRect">
-            <a:avLst/>
-          </a:prstGeom>
-          <a:ln>
-            <a:headEnd type="none" w="med" len="med"/>
-            <a:tailEnd type="none" w="med" len="med"/>
-          </a:ln>
-          <a:extLst/>
-        </p:spPr>
-        <p:style>
-          <a:lnRef idx="1">
-            <a:schemeClr val="accent5"/>
-          </a:lnRef>
-          <a:fillRef idx="3">
-            <a:schemeClr val="accent5"/>
-          </a:fillRef>
-          <a:effectRef idx="2">
-            <a:schemeClr val="accent5"/>
-          </a:effectRef>
-          <a:fontRef idx="minor">
-            <a:schemeClr val="lt1"/>
-          </a:fontRef>
-        </p:style>
-        <p:txBody>
-          <a:bodyPr anchor="ctr"/>
-          <a:lstStyle/>
-          <a:p>
-            <a:pPr algn="ctr">
-              <a:defRPr/>
-            </a:pPr>
-            <a:r>
-              <a:rPr lang="de-DE" sz="1300" dirty="0" err="1"/>
-              <a:t>GeVos</a:t>
-            </a:r>
-            <a:endParaRPr lang="de-DE" sz="1300" dirty="0"/>
-          </a:p>
-        </p:txBody>
-      </p:sp>
-      <p:sp>
-        <p:nvSpPr>
-          <p:cNvPr id="19" name="Rechteck 18"/>
-          <p:cNvSpPr/>
-          <p:nvPr/>
-        </p:nvSpPr>
-        <p:spPr bwMode="auto">
-          <a:xfrm>
-            <a:off x="6624774" y="1664804"/>
-            <a:ext cx="1871662" cy="1800225"/>
-          </a:xfrm>
-          <a:prstGeom prst="rect">
-            <a:avLst/>
-          </a:prstGeom>
-          <a:ln>
-            <a:headEnd type="none" w="med" len="med"/>
-            <a:tailEnd type="none" w="med" len="med"/>
-          </a:ln>
-          <a:extLst/>
-        </p:spPr>
-        <p:style>
-          <a:lnRef idx="1">
-            <a:schemeClr val="accent5"/>
-          </a:lnRef>
-          <a:fillRef idx="3">
-            <a:schemeClr val="accent5"/>
-          </a:fillRef>
-          <a:effectRef idx="2">
-            <a:schemeClr val="accent5"/>
-          </a:effectRef>
-          <a:fontRef idx="minor">
-            <a:schemeClr val="lt1"/>
-          </a:fontRef>
-        </p:style>
-        <p:txBody>
-          <a:bodyPr lIns="72000" tIns="36000" rIns="36000" bIns="36000" rtlCol="0" anchor="ctr" anchorCtr="0"/>
-          <a:lstStyle/>
-          <a:p>
-            <a:pPr marL="180975" indent="-180975" algn="ctr">
-              <a:lnSpc>
-                <a:spcPct val="90000"/>
-              </a:lnSpc>
-              <a:spcBef>
-                <a:spcPts val="500"/>
-              </a:spcBef>
-              <a:buClr>
-                <a:srgbClr val="FF9900"/>
-              </a:buClr>
-              <a:buSzPct val="150000"/>
-              <a:defRPr/>
-            </a:pPr>
-            <a:r>
-              <a:rPr lang="de-DE" sz="1800" b="1" dirty="0">
-                <a:solidFill>
-                  <a:schemeClr val="accent3"/>
-                </a:solidFill>
-                <a:latin typeface="Arial" charset="0"/>
-                <a:cs typeface="Arial" charset="0"/>
-                <a:sym typeface="Arial" charset="0"/>
-              </a:rPr>
-              <a:t>Faktor-IPS </a:t>
-            </a:r>
-            <a:r>
-              <a:rPr lang="de-DE" sz="1800" b="1" dirty="0" err="1">
-                <a:solidFill>
-                  <a:schemeClr val="accent3"/>
-                </a:solidFill>
-                <a:latin typeface="Arial" charset="0"/>
-                <a:cs typeface="Arial" charset="0"/>
-                <a:sym typeface="Arial" charset="0"/>
-              </a:rPr>
-              <a:t>Runtime</a:t>
-            </a:r>
-            <a:endParaRPr lang="de-DE" sz="1800" b="1" dirty="0">
-              <a:solidFill>
-                <a:schemeClr val="accent3"/>
-              </a:solidFill>
-              <a:latin typeface="Arial" charset="0"/>
-              <a:cs typeface="Arial" charset="0"/>
-              <a:sym typeface="Arial" charset="0"/>
-            </a:endParaRPr>
-          </a:p>
-          <a:p>
-            <a:pPr marL="180975" indent="-180975" algn="ctr">
-              <a:lnSpc>
-                <a:spcPct val="90000"/>
-              </a:lnSpc>
-              <a:spcBef>
-                <a:spcPts val="500"/>
-              </a:spcBef>
-              <a:buClr>
-                <a:srgbClr val="FF9900"/>
-              </a:buClr>
-              <a:buSzPct val="150000"/>
-              <a:defRPr/>
-            </a:pPr>
-            <a:endParaRPr lang="de-DE" sz="1800" b="1" dirty="0">
-              <a:solidFill>
-                <a:schemeClr val="accent3"/>
-              </a:solidFill>
-              <a:latin typeface="Arial" charset="0"/>
-              <a:cs typeface="Arial" charset="0"/>
-              <a:sym typeface="Arial" charset="0"/>
-            </a:endParaRPr>
-          </a:p>
-          <a:p>
-            <a:pPr marL="180975" indent="-180975" algn="ctr">
-              <a:lnSpc>
-                <a:spcPct val="90000"/>
-              </a:lnSpc>
-              <a:spcBef>
-                <a:spcPts val="500"/>
-              </a:spcBef>
-              <a:buClr>
-                <a:srgbClr val="FF9900"/>
-              </a:buClr>
-              <a:buSzPct val="150000"/>
-              <a:defRPr/>
-            </a:pPr>
-            <a:r>
-              <a:rPr lang="de-DE" sz="1600" b="1" dirty="0">
-                <a:solidFill>
-                  <a:schemeClr val="accent3"/>
-                </a:solidFill>
-                <a:latin typeface="Arial" charset="0"/>
-                <a:cs typeface="Arial" charset="0"/>
-                <a:sym typeface="Arial" charset="0"/>
-              </a:rPr>
-              <a:t>(Produkt Server)</a:t>
-            </a:r>
-          </a:p>
-        </p:txBody>
-      </p:sp>
-      <p:sp>
-        <p:nvSpPr>
-          <p:cNvPr id="20" name="Rechteck 19"/>
-          <p:cNvSpPr/>
-          <p:nvPr/>
-        </p:nvSpPr>
-        <p:spPr bwMode="auto">
-          <a:xfrm>
-            <a:off x="6624774" y="4293096"/>
-            <a:ext cx="1871662" cy="1800225"/>
-          </a:xfrm>
-          <a:prstGeom prst="rect">
-            <a:avLst/>
-          </a:prstGeom>
-          <a:ln>
-            <a:headEnd type="none" w="med" len="med"/>
-            <a:tailEnd type="none" w="med" len="med"/>
-          </a:ln>
-          <a:extLst/>
-        </p:spPr>
-        <p:style>
-          <a:lnRef idx="1">
-            <a:schemeClr val="accent5"/>
-          </a:lnRef>
-          <a:fillRef idx="3">
-            <a:schemeClr val="accent5"/>
-          </a:fillRef>
-          <a:effectRef idx="2">
-            <a:schemeClr val="accent5"/>
-          </a:effectRef>
-          <a:fontRef idx="minor">
-            <a:schemeClr val="lt1"/>
-          </a:fontRef>
-        </p:style>
-        <p:txBody>
-          <a:bodyPr lIns="72000" tIns="36000" rIns="36000" bIns="36000" rtlCol="0" anchor="t" anchorCtr="0"/>
-          <a:lstStyle/>
-          <a:p>
-            <a:pPr marL="180975" indent="-180975" algn="ctr">
-              <a:lnSpc>
-                <a:spcPct val="90000"/>
-              </a:lnSpc>
-              <a:spcBef>
-                <a:spcPts val="500"/>
-              </a:spcBef>
-              <a:buClr>
-                <a:srgbClr val="FF9900"/>
-              </a:buClr>
-              <a:buSzPct val="150000"/>
-              <a:defRPr/>
-            </a:pPr>
-            <a:r>
-              <a:rPr lang="de-DE" sz="1800" b="1" dirty="0">
-                <a:solidFill>
-                  <a:schemeClr val="accent3"/>
-                </a:solidFill>
-                <a:latin typeface="Arial" charset="0"/>
-                <a:cs typeface="Arial" charset="0"/>
-                <a:sym typeface="Arial" charset="0"/>
-              </a:rPr>
-              <a:t>Faktor-IPS</a:t>
-            </a:r>
-          </a:p>
-          <a:p>
-            <a:pPr marL="180975" indent="-180975" algn="ctr">
-              <a:lnSpc>
-                <a:spcPct val="90000"/>
-              </a:lnSpc>
-              <a:spcBef>
-                <a:spcPts val="500"/>
-              </a:spcBef>
-              <a:buClr>
-                <a:srgbClr val="FF9900"/>
-              </a:buClr>
-              <a:buSzPct val="150000"/>
-              <a:defRPr/>
-            </a:pPr>
-            <a:endParaRPr lang="de-DE" sz="1800" b="1" dirty="0">
-              <a:solidFill>
-                <a:schemeClr val="accent3"/>
-              </a:solidFill>
-              <a:latin typeface="Arial" charset="0"/>
-              <a:cs typeface="Arial" charset="0"/>
-              <a:sym typeface="Arial" charset="0"/>
-            </a:endParaRPr>
-          </a:p>
-        </p:txBody>
-      </p:sp>
-      <p:sp>
-        <p:nvSpPr>
-          <p:cNvPr id="21" name="Pfeil nach rechts 20"/>
-          <p:cNvSpPr/>
-          <p:nvPr/>
-        </p:nvSpPr>
-        <p:spPr bwMode="auto">
-          <a:xfrm>
-            <a:off x="5652120" y="2348880"/>
-            <a:ext cx="908050" cy="452437"/>
-          </a:xfrm>
-          <a:prstGeom prst="rightArrow">
-            <a:avLst/>
-          </a:prstGeom>
-          <a:ln>
-            <a:headEnd type="none" w="med" len="med"/>
-            <a:tailEnd type="none" w="med" len="med"/>
-          </a:ln>
-          <a:extLst/>
-        </p:spPr>
-        <p:style>
-          <a:lnRef idx="1">
-            <a:schemeClr val="accent5"/>
-          </a:lnRef>
-          <a:fillRef idx="3">
-            <a:schemeClr val="accent5"/>
-          </a:fillRef>
-          <a:effectRef idx="2">
-            <a:schemeClr val="accent5"/>
-          </a:effectRef>
-          <a:fontRef idx="minor">
-            <a:schemeClr val="lt1"/>
-          </a:fontRef>
-        </p:style>
-        <p:txBody>
-          <a:bodyPr/>
-          <a:lstStyle/>
-          <a:p>
-            <a:pPr>
-              <a:defRPr/>
-            </a:pPr>
-            <a:endParaRPr lang="de-DE"/>
-          </a:p>
-        </p:txBody>
-      </p:sp>
-      <p:cxnSp>
-        <p:nvCxnSpPr>
-          <p:cNvPr id="22" name="Gerade Verbindung 21"/>
-          <p:cNvCxnSpPr/>
-          <p:nvPr/>
-        </p:nvCxnSpPr>
-        <p:spPr bwMode="auto">
-          <a:xfrm>
-            <a:off x="250825" y="4005263"/>
-            <a:ext cx="8642350" cy="0"/>
-          </a:xfrm>
-          <a:prstGeom prst="line">
-            <a:avLst/>
-          </a:prstGeom>
-          <a:ln w="6350">
-            <a:headEnd type="none" w="med" len="med"/>
-            <a:tailEnd type="none" w="med" len="med"/>
-          </a:ln>
-          <a:extLst>
-            <a:ext uri="{AF507438-7753-43E0-B8FC-AC1667EBCBE1}">
-              <a14:hiddenEffects xmlns:a14="http://schemas.microsoft.com/office/drawing/2010/main">
-                <a:effectLst>
-                  <a:outerShdw dist="35921" dir="2700000" algn="ctr" rotWithShape="0">
-                    <a:schemeClr val="bg2"/>
-                  </a:outerShdw>
-                </a:effectLst>
-              </a14:hiddenEffects>
-            </a:ext>
-          </a:extLst>
-        </p:spPr>
-        <p:style>
-          <a:lnRef idx="3">
-            <a:schemeClr val="accent5"/>
-          </a:lnRef>
-          <a:fillRef idx="0">
-            <a:schemeClr val="accent5"/>
-          </a:fillRef>
-          <a:effectRef idx="2">
-            <a:schemeClr val="accent5"/>
-          </a:effectRef>
-          <a:fontRef idx="minor">
-            <a:schemeClr val="tx1"/>
-          </a:fontRef>
-        </p:style>
-      </p:cxnSp>
-      <p:cxnSp>
-        <p:nvCxnSpPr>
-          <p:cNvPr id="23" name="Gerade Verbindung mit Pfeil 22"/>
-          <p:cNvCxnSpPr/>
-          <p:nvPr/>
-        </p:nvCxnSpPr>
-        <p:spPr bwMode="auto">
-          <a:xfrm rot="5400000" flipH="1" flipV="1">
-            <a:off x="7146634" y="3878975"/>
-            <a:ext cx="756083" cy="149"/>
-          </a:xfrm>
-          <a:prstGeom prst="straightConnector1">
-            <a:avLst/>
-          </a:prstGeom>
-          <a:ln>
-            <a:prstDash val="sysDash"/>
-            <a:headEnd type="none" w="med" len="med"/>
-            <a:tailEnd type="arrow"/>
-          </a:ln>
-          <a:extLst>
-            <a:ext uri="{AF507438-7753-43E0-B8FC-AC1667EBCBE1}">
-              <a14:hiddenEffects xmlns:a14="http://schemas.microsoft.com/office/drawing/2010/main">
-                <a:effectLst>
-                  <a:outerShdw dist="35921" dir="2700000" algn="ctr" rotWithShape="0">
-                    <a:schemeClr val="bg2"/>
-                  </a:outerShdw>
-                </a:effectLst>
-              </a14:hiddenEffects>
-            </a:ext>
-          </a:extLst>
-        </p:spPr>
-        <p:style>
-          <a:lnRef idx="3">
-            <a:schemeClr val="accent4"/>
-          </a:lnRef>
-          <a:fillRef idx="0">
-            <a:schemeClr val="accent4"/>
-          </a:fillRef>
-          <a:effectRef idx="2">
-            <a:schemeClr val="accent4"/>
-          </a:effectRef>
-          <a:fontRef idx="minor">
-            <a:schemeClr val="tx1"/>
-          </a:fontRef>
-        </p:style>
-      </p:cxnSp>
-      <p:sp>
-        <p:nvSpPr>
-          <p:cNvPr id="24" name="Abgerundetes Rechteck 23"/>
-          <p:cNvSpPr/>
-          <p:nvPr/>
-        </p:nvSpPr>
-        <p:spPr bwMode="auto">
-          <a:xfrm>
-            <a:off x="6711479" y="4724896"/>
-            <a:ext cx="1677988" cy="576263"/>
-          </a:xfrm>
-          <a:prstGeom prst="roundRect">
-            <a:avLst/>
-          </a:prstGeom>
-          <a:solidFill>
-            <a:schemeClr val="bg1">
-              <a:lumMod val="95000"/>
-              <a:alpha val="85000"/>
-            </a:schemeClr>
-          </a:solidFill>
-          <a:ln w="0">
-            <a:solidFill>
-              <a:schemeClr val="bg1">
-                <a:lumMod val="75000"/>
-              </a:schemeClr>
-            </a:solidFill>
-          </a:ln>
-          <a:extLst/>
-        </p:spPr>
-        <p:style>
-          <a:lnRef idx="2">
-            <a:schemeClr val="accent1">
-              <a:shade val="50000"/>
-            </a:schemeClr>
-          </a:lnRef>
-          <a:fillRef idx="1">
-            <a:schemeClr val="accent1"/>
-          </a:fillRef>
-          <a:effectRef idx="0">
-            <a:schemeClr val="accent1"/>
-          </a:effectRef>
-          <a:fontRef idx="minor">
-            <a:schemeClr val="lt1"/>
-          </a:fontRef>
-        </p:style>
-        <p:txBody>
-          <a:bodyPr rIns="0" rtlCol="0" anchor="ctr" anchorCtr="1"/>
-          <a:lstStyle/>
-          <a:p>
-            <a:pPr algn="ctr">
-              <a:defRPr/>
-            </a:pPr>
-            <a:r>
-              <a:rPr lang="de-DE" sz="1400" dirty="0">
-                <a:solidFill>
-                  <a:schemeClr val="tx1"/>
-                </a:solidFill>
-              </a:rPr>
-              <a:t>Modellierung &amp; Codegenerierung</a:t>
-            </a:r>
-          </a:p>
-        </p:txBody>
-      </p:sp>
-      <p:sp>
-        <p:nvSpPr>
-          <p:cNvPr id="25" name="Abgerundetes Rechteck 24"/>
-          <p:cNvSpPr/>
-          <p:nvPr/>
-        </p:nvSpPr>
-        <p:spPr bwMode="auto">
-          <a:xfrm>
-            <a:off x="6711479" y="5372596"/>
-            <a:ext cx="1677988" cy="576263"/>
-          </a:xfrm>
-          <a:prstGeom prst="roundRect">
-            <a:avLst/>
-          </a:prstGeom>
-          <a:solidFill>
-            <a:schemeClr val="bg1">
-              <a:lumMod val="95000"/>
-              <a:alpha val="85000"/>
-            </a:schemeClr>
-          </a:solidFill>
-          <a:ln w="0">
-            <a:solidFill>
-              <a:schemeClr val="bg1">
-                <a:lumMod val="75000"/>
-              </a:schemeClr>
-            </a:solidFill>
-          </a:ln>
-          <a:extLst/>
-        </p:spPr>
-        <p:style>
-          <a:lnRef idx="2">
-            <a:schemeClr val="accent1">
-              <a:shade val="50000"/>
-            </a:schemeClr>
-          </a:lnRef>
-          <a:fillRef idx="1">
-            <a:schemeClr val="accent1"/>
-          </a:fillRef>
-          <a:effectRef idx="0">
-            <a:schemeClr val="accent1"/>
-          </a:effectRef>
-          <a:fontRef idx="minor">
-            <a:schemeClr val="lt1"/>
-          </a:fontRef>
-        </p:style>
-        <p:txBody>
-          <a:bodyPr rIns="0" rtlCol="0" anchor="ctr" anchorCtr="1"/>
-          <a:lstStyle/>
-          <a:p>
-            <a:pPr algn="ctr">
-              <a:defRPr/>
-            </a:pPr>
-            <a:r>
-              <a:rPr lang="de-DE" sz="1400" dirty="0">
-                <a:solidFill>
-                  <a:schemeClr val="tx1"/>
-                </a:solidFill>
-              </a:rPr>
-              <a:t>Produktdefinition</a:t>
-            </a:r>
-          </a:p>
-        </p:txBody>
-      </p:sp>
-      <p:sp>
-        <p:nvSpPr>
-          <p:cNvPr id="26" name="Abgerundetes Rechteck 25"/>
-          <p:cNvSpPr/>
-          <p:nvPr/>
-        </p:nvSpPr>
-        <p:spPr bwMode="auto">
-          <a:xfrm>
-            <a:off x="2224088" y="3429248"/>
-            <a:ext cx="2159000" cy="342900"/>
-          </a:xfrm>
-          <a:prstGeom prst="roundRect">
-            <a:avLst/>
-          </a:prstGeom>
-          <a:ln>
-            <a:headEnd type="none" w="med" len="med"/>
-            <a:tailEnd type="none" w="med" len="med"/>
-          </a:ln>
-          <a:extLst/>
-        </p:spPr>
-        <p:style>
-          <a:lnRef idx="1">
-            <a:schemeClr val="accent5"/>
-          </a:lnRef>
-          <a:fillRef idx="3">
-            <a:schemeClr val="accent5"/>
-          </a:fillRef>
-          <a:effectRef idx="2">
-            <a:schemeClr val="accent5"/>
-          </a:effectRef>
-          <a:fontRef idx="minor">
-            <a:schemeClr val="lt1"/>
-          </a:fontRef>
-        </p:style>
-        <p:txBody>
-          <a:bodyPr/>
-          <a:lstStyle/>
-          <a:p>
-            <a:pPr marL="715963">
-              <a:tabLst>
-                <a:tab pos="715963" algn="l"/>
-              </a:tabLst>
-              <a:defRPr/>
-            </a:pPr>
-            <a:r>
-              <a:rPr lang="de-DE" sz="1300" dirty="0" smtClean="0">
-                <a:solidFill>
-                  <a:schemeClr val="bg1"/>
-                </a:solidFill>
-              </a:rPr>
-              <a:t>Persistenz</a:t>
-            </a:r>
-            <a:endParaRPr lang="de-DE" sz="1300" dirty="0">
-              <a:solidFill>
-                <a:schemeClr val="bg1"/>
-              </a:solidFill>
-            </a:endParaRPr>
-          </a:p>
-        </p:txBody>
-      </p:sp>
-      <p:sp>
-        <p:nvSpPr>
-          <p:cNvPr id="27" name="Flussdiagramm: Magnetplattenspeicher 26"/>
-          <p:cNvSpPr/>
-          <p:nvPr/>
-        </p:nvSpPr>
-        <p:spPr bwMode="auto">
-          <a:xfrm>
-            <a:off x="2351088" y="3474057"/>
-            <a:ext cx="449262" cy="257175"/>
-          </a:xfrm>
-          <a:prstGeom prst="flowChartMagneticDisk">
-            <a:avLst/>
-          </a:prstGeom>
-          <a:solidFill>
-            <a:schemeClr val="accent5"/>
-          </a:solidFill>
-          <a:ln w="9525" cap="flat" cmpd="sng" algn="ctr">
-            <a:solidFill>
-              <a:schemeClr val="accent4"/>
-            </a:solidFill>
-            <a:prstDash val="solid"/>
-            <a:round/>
-            <a:headEnd type="none" w="med" len="med"/>
-            <a:tailEnd type="none" w="med" len="med"/>
-          </a:ln>
-          <a:effectLst/>
-          <a:extLst/>
-        </p:spPr>
-        <p:txBody>
-          <a:bodyPr/>
-          <a:lstStyle/>
-          <a:p>
-            <a:pPr>
-              <a:defRPr/>
-            </a:pPr>
-            <a:endParaRPr lang="de-DE" sz="1300"/>
-          </a:p>
-        </p:txBody>
-      </p:sp>
-      <p:sp>
-        <p:nvSpPr>
-          <p:cNvPr id="28" name="Rechteck 27"/>
-          <p:cNvSpPr/>
-          <p:nvPr/>
-        </p:nvSpPr>
-        <p:spPr bwMode="auto">
-          <a:xfrm>
-            <a:off x="970582" y="4293096"/>
-            <a:ext cx="4681538" cy="1800000"/>
-          </a:xfrm>
-          <a:prstGeom prst="rect">
-            <a:avLst/>
-          </a:prstGeom>
-          <a:ln>
-            <a:headEnd type="none" w="med" len="med"/>
-            <a:tailEnd type="none" w="med" len="med"/>
-          </a:ln>
-          <a:extLst/>
-        </p:spPr>
-        <p:style>
-          <a:lnRef idx="1">
-            <a:schemeClr val="accent5"/>
-          </a:lnRef>
-          <a:fillRef idx="3">
-            <a:schemeClr val="accent5"/>
-          </a:fillRef>
-          <a:effectRef idx="2">
-            <a:schemeClr val="accent5"/>
-          </a:effectRef>
-          <a:fontRef idx="minor">
-            <a:schemeClr val="lt1"/>
-          </a:fontRef>
-        </p:style>
-        <p:txBody>
-          <a:bodyPr/>
-          <a:lstStyle/>
-          <a:p>
-            <a:pPr>
-              <a:defRPr/>
-            </a:pPr>
-            <a:r>
-              <a:rPr lang="de-DE" sz="1600" b="1" dirty="0" smtClean="0">
-                <a:solidFill>
-                  <a:schemeClr val="bg1"/>
-                </a:solidFill>
-              </a:rPr>
-              <a:t>Entwicklungsumgebung</a:t>
-            </a:r>
-            <a:endParaRPr lang="de-DE" sz="1600" b="1" dirty="0">
-              <a:solidFill>
-                <a:schemeClr val="bg1"/>
-              </a:solidFill>
-            </a:endParaRPr>
-          </a:p>
-        </p:txBody>
-      </p:sp>
-      <p:cxnSp>
-        <p:nvCxnSpPr>
-          <p:cNvPr id="29" name="Gerade Verbindung mit Pfeil 28"/>
-          <p:cNvCxnSpPr/>
-          <p:nvPr/>
-        </p:nvCxnSpPr>
-        <p:spPr bwMode="auto">
-          <a:xfrm rot="16200000" flipV="1">
-            <a:off x="3187046" y="4059466"/>
-            <a:ext cx="395248" cy="2"/>
-          </a:xfrm>
-          <a:prstGeom prst="straightConnector1">
-            <a:avLst/>
-          </a:prstGeom>
-          <a:ln>
-            <a:headEnd type="none" w="med" len="med"/>
-            <a:tailEnd type="arrow"/>
-          </a:ln>
-          <a:extLst>
-            <a:ext uri="{AF507438-7753-43E0-B8FC-AC1667EBCBE1}">
-              <a14:hiddenEffects xmlns:a14="http://schemas.microsoft.com/office/drawing/2010/main">
-                <a:effectLst>
-                  <a:outerShdw dist="35921" dir="2700000" algn="ctr" rotWithShape="0">
-                    <a:schemeClr val="bg2"/>
-                  </a:outerShdw>
-                </a:effectLst>
-              </a14:hiddenEffects>
-            </a:ext>
-          </a:extLst>
-        </p:spPr>
-        <p:style>
-          <a:lnRef idx="3">
-            <a:schemeClr val="accent4"/>
-          </a:lnRef>
-          <a:fillRef idx="0">
-            <a:schemeClr val="accent4"/>
-          </a:fillRef>
-          <a:effectRef idx="2">
-            <a:schemeClr val="accent4"/>
-          </a:effectRef>
-          <a:fontRef idx="minor">
-            <a:schemeClr val="tx1"/>
-          </a:fontRef>
-        </p:style>
-      </p:cxnSp>
-      <p:sp>
-        <p:nvSpPr>
-          <p:cNvPr id="4" name="Foliennummernplatzhalter 3"/>
-          <p:cNvSpPr>
-            <a:spLocks noGrp="1"/>
-          </p:cNvSpPr>
-          <p:nvPr>
-            <p:ph type="sldNum" sz="quarter" idx="4"/>
-          </p:nvPr>
-        </p:nvSpPr>
-        <p:spPr/>
-        <p:txBody>
-          <a:bodyPr/>
-          <a:lstStyle/>
-          <a:p>
-            <a:r>
-              <a:rPr lang="de-DE" smtClean="0"/>
-              <a:t>I-</a:t>
-            </a:r>
-            <a:fld id="{21FBF85A-D7A6-488B-8C2B-F7E0D6843921}" type="slidenum">
-              <a:rPr lang="de-DE" smtClean="0"/>
-              <a:pPr/>
-              <a:t>6</a:t>
-            </a:fld>
-            <a:endParaRPr lang="de-DE" dirty="0"/>
-          </a:p>
-        </p:txBody>
-      </p:sp>
-    </p:spTree>
-    <p:extLst>
-      <p:ext uri="{BB962C8B-B14F-4D97-AF65-F5344CB8AC3E}">
-        <p14:creationId xmlns:p14="http://schemas.microsoft.com/office/powerpoint/2010/main" val="1894755053"/>
       </p:ext>
     </p:extLst>
   </p:cSld>
@@ -13779,9 +12498,9 @@
           <a:bodyPr/>
           <a:lstStyle/>
           <a:p>
-            <a:fld id="{1D4457F8-24B0-4EBE-8349-97DB722E2B90}" type="datetime1">
+            <a:fld id="{20A5B6AD-81B1-4761-8996-81F6614BD981}" type="datetime1">
               <a:rPr lang="de-DE" smtClean="0"/>
-              <a:t>16.05.2013</a:t>
+              <a:t>15.04.2015</a:t>
             </a:fld>
             <a:endParaRPr lang="de-DE" dirty="0"/>
           </a:p>
@@ -13789,7 +12508,7 @@
       </p:sp>
       <p:sp>
         <p:nvSpPr>
-          <p:cNvPr id="7" name="Titel 6"/>
+          <p:cNvPr id="9" name="Titel 8"/>
           <p:cNvSpPr>
             <a:spLocks noGrp="1"/>
           </p:cNvSpPr>
@@ -13804,15 +12523,7 @@
           <a:p>
             <a:r>
               <a:rPr lang="de-DE" dirty="0" smtClean="0"/>
-              <a:t>Faktor-IPS kann auch als Entwicklungswerkzeug für ein operatives System und als </a:t>
-            </a:r>
-            <a:r>
-              <a:rPr lang="de-DE" dirty="0" err="1" smtClean="0"/>
-              <a:t>Produktkonfigurator</a:t>
-            </a:r>
-            <a:r>
-              <a:rPr lang="de-DE" dirty="0" smtClean="0"/>
-              <a:t> verwendet werden.</a:t>
+              <a:t>Faktor-IPS kann als klassisches Produktsystem eingesetzt werden.</a:t>
             </a:r>
             <a:endParaRPr lang="de-DE" dirty="0"/>
           </a:p>
@@ -13820,16 +12531,81 @@
       </p:sp>
       <p:sp>
         <p:nvSpPr>
-          <p:cNvPr id="47" name="Rechteck 46"/>
+          <p:cNvPr id="10" name="Rechteck 9"/>
           <p:cNvSpPr/>
           <p:nvPr/>
         </p:nvSpPr>
         <p:spPr bwMode="auto">
           <a:xfrm>
-            <a:off x="972000" y="4294800"/>
-            <a:ext cx="7821613" cy="1800000"/>
+            <a:off x="927100" y="1341686"/>
+            <a:ext cx="4681538" cy="2519362"/>
           </a:xfrm>
           <a:prstGeom prst="rect">
+            <a:avLst/>
+          </a:prstGeom>
+          <a:ln>
+            <a:headEnd type="none" w="med" len="med"/>
+            <a:tailEnd type="none" w="med" len="med"/>
+          </a:ln>
+          <a:extLst/>
+        </p:spPr>
+        <p:style>
+          <a:lnRef idx="2">
+            <a:schemeClr val="accent5"/>
+          </a:lnRef>
+          <a:fillRef idx="1">
+            <a:schemeClr val="lt1"/>
+          </a:fillRef>
+          <a:effectRef idx="0">
+            <a:schemeClr val="accent5"/>
+          </a:effectRef>
+          <a:fontRef idx="minor">
+            <a:schemeClr val="dk1"/>
+          </a:fontRef>
+        </p:style>
+        <p:txBody>
+          <a:bodyPr/>
+          <a:lstStyle/>
+          <a:p>
+            <a:pPr>
+              <a:defRPr/>
+            </a:pPr>
+            <a:r>
+              <a:rPr lang="de-DE" sz="1600" b="1" dirty="0">
+                <a:solidFill>
+                  <a:schemeClr val="accent4"/>
+                </a:solidFill>
+              </a:rPr>
+              <a:t>Operatives</a:t>
+            </a:r>
+          </a:p>
+          <a:p>
+            <a:pPr>
+              <a:defRPr/>
+            </a:pPr>
+            <a:r>
+              <a:rPr lang="de-DE" sz="1600" b="1" dirty="0">
+                <a:solidFill>
+                  <a:schemeClr val="accent4"/>
+                </a:solidFill>
+              </a:rPr>
+              <a:t>System</a:t>
+            </a:r>
+          </a:p>
+        </p:txBody>
+      </p:sp>
+      <p:sp>
+        <p:nvSpPr>
+          <p:cNvPr id="11" name="Abgerundetes Rechteck 10"/>
+          <p:cNvSpPr/>
+          <p:nvPr/>
+        </p:nvSpPr>
+        <p:spPr bwMode="auto">
+          <a:xfrm>
+            <a:off x="2224088" y="1484561"/>
+            <a:ext cx="1020762" cy="576262"/>
+          </a:xfrm>
+          <a:prstGeom prst="roundRect">
             <a:avLst/>
           </a:prstGeom>
           <a:ln>
@@ -13853,103 +12629,33 @@
           </a:fontRef>
         </p:style>
         <p:txBody>
-          <a:bodyPr anchor="t" anchorCtr="0"/>
+          <a:bodyPr/>
           <a:lstStyle/>
           <a:p>
-            <a:pPr>
+            <a:pPr algn="ctr">
               <a:defRPr/>
             </a:pPr>
             <a:r>
-              <a:rPr lang="de-DE" sz="1800" b="1" dirty="0" err="1" smtClean="0">
+              <a:rPr lang="de-DE" sz="1300" dirty="0">
                 <a:solidFill>
                   <a:schemeClr val="bg1"/>
                 </a:solidFill>
               </a:rPr>
-              <a:t>Eclipse</a:t>
-            </a:r>
-            <a:endParaRPr lang="de-DE" sz="1800" b="1" dirty="0">
-              <a:solidFill>
-                <a:schemeClr val="bg1"/>
-              </a:solidFill>
-            </a:endParaRPr>
-          </a:p>
-        </p:txBody>
-      </p:sp>
-      <p:sp>
-        <p:nvSpPr>
-          <p:cNvPr id="48" name="Rechteck 47"/>
+              <a:t>User Interface</a:t>
+            </a:r>
+          </a:p>
+        </p:txBody>
+      </p:sp>
+      <p:sp>
+        <p:nvSpPr>
+          <p:cNvPr id="12" name="Abgerundetes Rechteck 11"/>
           <p:cNvSpPr/>
           <p:nvPr/>
         </p:nvSpPr>
         <p:spPr bwMode="auto">
           <a:xfrm>
-            <a:off x="927100" y="1341686"/>
-            <a:ext cx="4681538" cy="2519362"/>
-          </a:xfrm>
-          <a:prstGeom prst="rect">
-            <a:avLst/>
-          </a:prstGeom>
-          <a:ln>
-            <a:headEnd type="none" w="med" len="med"/>
-            <a:tailEnd type="none" w="med" len="med"/>
-          </a:ln>
-          <a:extLst/>
-        </p:spPr>
-        <p:style>
-          <a:lnRef idx="2">
-            <a:schemeClr val="accent5"/>
-          </a:lnRef>
-          <a:fillRef idx="1">
-            <a:schemeClr val="lt1"/>
-          </a:fillRef>
-          <a:effectRef idx="0">
-            <a:schemeClr val="accent5"/>
-          </a:effectRef>
-          <a:fontRef idx="minor">
-            <a:schemeClr val="dk1"/>
-          </a:fontRef>
-        </p:style>
-        <p:txBody>
-          <a:bodyPr/>
-          <a:lstStyle/>
-          <a:p>
-            <a:pPr>
-              <a:defRPr/>
-            </a:pPr>
-            <a:r>
-              <a:rPr lang="de-DE" sz="1600" b="1" dirty="0">
-                <a:solidFill>
-                  <a:schemeClr val="accent4"/>
-                </a:solidFill>
-              </a:rPr>
-              <a:t>Operatives</a:t>
-            </a:r>
-          </a:p>
-          <a:p>
-            <a:pPr>
-              <a:defRPr/>
-            </a:pPr>
-            <a:r>
-              <a:rPr lang="de-DE" sz="1600" b="1" dirty="0">
-                <a:solidFill>
-                  <a:schemeClr val="accent4"/>
-                </a:solidFill>
-              </a:rPr>
-              <a:t>System</a:t>
-            </a:r>
-          </a:p>
-        </p:txBody>
-      </p:sp>
-      <p:sp>
-        <p:nvSpPr>
-          <p:cNvPr id="49" name="Abgerundetes Rechteck 48"/>
-          <p:cNvSpPr/>
-          <p:nvPr/>
-        </p:nvSpPr>
-        <p:spPr bwMode="auto">
-          <a:xfrm>
-            <a:off x="2224088" y="1484561"/>
-            <a:ext cx="1020762" cy="576262"/>
+            <a:off x="2224088" y="2205286"/>
+            <a:ext cx="2159000" cy="1111250"/>
           </a:xfrm>
           <a:prstGeom prst="roundRect">
             <a:avLst/>
@@ -13987,21 +12693,21 @@
                   <a:schemeClr val="bg1"/>
                 </a:solidFill>
               </a:rPr>
-              <a:t>User Interface</a:t>
-            </a:r>
-          </a:p>
-        </p:txBody>
-      </p:sp>
-      <p:sp>
-        <p:nvSpPr>
-          <p:cNvPr id="50" name="Abgerundetes Rechteck 49"/>
+              <a:t>Geschäftslogik</a:t>
+            </a:r>
+          </a:p>
+        </p:txBody>
+      </p:sp>
+      <p:sp>
+        <p:nvSpPr>
+          <p:cNvPr id="13" name="Abgerundetes Rechteck 12"/>
           <p:cNvSpPr/>
           <p:nvPr/>
         </p:nvSpPr>
         <p:spPr bwMode="auto">
           <a:xfrm>
-            <a:off x="2224088" y="2205286"/>
-            <a:ext cx="2159000" cy="1111250"/>
+            <a:off x="3375025" y="1484561"/>
+            <a:ext cx="1008063" cy="576262"/>
           </a:xfrm>
           <a:prstGeom prst="roundRect">
             <a:avLst/>
@@ -14039,21 +12745,34 @@
                   <a:schemeClr val="bg1"/>
                 </a:solidFill>
               </a:rPr>
-              <a:t>Geschäftslogik</a:t>
-            </a:r>
-          </a:p>
-        </p:txBody>
-      </p:sp>
-      <p:sp>
-        <p:nvSpPr>
-          <p:cNvPr id="51" name="Abgerundetes Rechteck 50"/>
+              <a:t>Batchjobs</a:t>
+            </a:r>
+          </a:p>
+          <a:p>
+            <a:pPr algn="ctr">
+              <a:defRPr/>
+            </a:pPr>
+            <a:r>
+              <a:rPr lang="de-DE" sz="1300" dirty="0">
+                <a:solidFill>
+                  <a:schemeClr val="bg1"/>
+                </a:solidFill>
+              </a:rPr>
+              <a:t>Services</a:t>
+            </a:r>
+          </a:p>
+        </p:txBody>
+      </p:sp>
+      <p:sp>
+        <p:nvSpPr>
+          <p:cNvPr id="14" name="Abgerundetes Rechteck 13"/>
           <p:cNvSpPr/>
           <p:nvPr/>
         </p:nvSpPr>
         <p:spPr bwMode="auto">
           <a:xfrm>
-            <a:off x="3375025" y="1484561"/>
-            <a:ext cx="1008063" cy="576262"/>
+            <a:off x="2295525" y="2583111"/>
+            <a:ext cx="1079500" cy="630237"/>
           </a:xfrm>
           <a:prstGeom prst="roundRect">
             <a:avLst/>
@@ -14079,46 +12798,29 @@
           </a:fontRef>
         </p:style>
         <p:txBody>
-          <a:bodyPr/>
+          <a:bodyPr anchor="ctr"/>
           <a:lstStyle/>
           <a:p>
             <a:pPr algn="ctr">
               <a:defRPr/>
             </a:pPr>
             <a:r>
-              <a:rPr lang="de-DE" sz="1300" dirty="0">
-                <a:solidFill>
-                  <a:schemeClr val="bg1"/>
-                </a:solidFill>
-              </a:rPr>
-              <a:t>Batchjobs</a:t>
-            </a:r>
-          </a:p>
-          <a:p>
-            <a:pPr algn="ctr">
-              <a:defRPr/>
-            </a:pPr>
-            <a:r>
-              <a:rPr lang="de-DE" sz="1300" dirty="0">
-                <a:solidFill>
-                  <a:schemeClr val="bg1"/>
-                </a:solidFill>
-              </a:rPr>
-              <a:t>Services</a:t>
-            </a:r>
-          </a:p>
-        </p:txBody>
-      </p:sp>
-      <p:sp>
-        <p:nvSpPr>
-          <p:cNvPr id="52" name="Abgerundetes Rechteck 51"/>
+              <a:rPr lang="de-DE" sz="1300" dirty="0"/>
+              <a:t>Geschäfts-objekte</a:t>
+            </a:r>
+          </a:p>
+        </p:txBody>
+      </p:sp>
+      <p:sp>
+        <p:nvSpPr>
+          <p:cNvPr id="15" name="Abgerundetes Rechteck 14"/>
           <p:cNvSpPr/>
           <p:nvPr/>
         </p:nvSpPr>
         <p:spPr bwMode="auto">
           <a:xfrm>
-            <a:off x="2295525" y="2583111"/>
-            <a:ext cx="1079500" cy="630237"/>
+            <a:off x="998537" y="3068886"/>
+            <a:ext cx="1116000" cy="756000"/>
           </a:xfrm>
           <a:prstGeom prst="roundRect">
             <a:avLst/>
@@ -14144,28 +12846,32 @@
           </a:fontRef>
         </p:style>
         <p:txBody>
-          <a:bodyPr anchor="ctr"/>
+          <a:bodyPr anchor="ctr" anchorCtr="0"/>
           <a:lstStyle/>
           <a:p>
             <a:pPr algn="ctr">
               <a:defRPr/>
             </a:pPr>
             <a:r>
-              <a:rPr lang="de-DE" sz="1300" dirty="0"/>
-              <a:t>Geschäfts-objekte</a:t>
-            </a:r>
-          </a:p>
-        </p:txBody>
-      </p:sp>
-      <p:sp>
-        <p:nvSpPr>
-          <p:cNvPr id="53" name="Abgerundetes Rechteck 52"/>
+              <a:rPr lang="de-DE" sz="1300" dirty="0">
+                <a:solidFill>
+                  <a:schemeClr val="bg1"/>
+                </a:solidFill>
+              </a:rPr>
+              <a:t>Dienste</a:t>
+            </a:r>
+          </a:p>
+        </p:txBody>
+      </p:sp>
+      <p:sp>
+        <p:nvSpPr>
+          <p:cNvPr id="16" name="Abgerundetes Rechteck 15"/>
           <p:cNvSpPr/>
           <p:nvPr/>
         </p:nvSpPr>
         <p:spPr bwMode="auto">
           <a:xfrm>
-            <a:off x="998537" y="3068886"/>
+            <a:off x="998537" y="2205286"/>
             <a:ext cx="1116000" cy="756000"/>
           </a:xfrm>
           <a:prstGeom prst="roundRect">
@@ -14192,33 +12898,116 @@
           </a:fontRef>
         </p:style>
         <p:txBody>
-          <a:bodyPr anchor="ctr" anchorCtr="0"/>
+          <a:bodyPr lIns="36000" rIns="36000" anchor="ctr" anchorCtr="0"/>
           <a:lstStyle/>
           <a:p>
             <a:pPr algn="ctr">
               <a:defRPr/>
             </a:pPr>
-            <a:r>
-              <a:rPr lang="de-DE" sz="1300" dirty="0">
+            <a:endParaRPr lang="de-DE" sz="1300" dirty="0" smtClean="0">
+              <a:solidFill>
+                <a:schemeClr val="bg1"/>
+              </a:solidFill>
+            </a:endParaRPr>
+          </a:p>
+          <a:p>
+            <a:pPr algn="ctr">
+              <a:defRPr/>
+            </a:pPr>
+            <a:endParaRPr lang="de-DE" sz="1300" dirty="0" smtClean="0">
+              <a:solidFill>
+                <a:schemeClr val="bg1"/>
+              </a:solidFill>
+            </a:endParaRPr>
+          </a:p>
+          <a:p>
+            <a:pPr algn="ctr">
+              <a:defRPr/>
+            </a:pPr>
+            <a:endParaRPr lang="de-DE" sz="1300" dirty="0" smtClean="0">
+              <a:solidFill>
+                <a:schemeClr val="bg1"/>
+              </a:solidFill>
+            </a:endParaRPr>
+          </a:p>
+          <a:p>
+            <a:pPr algn="ctr">
+              <a:defRPr/>
+            </a:pPr>
+            <a:r>
+              <a:rPr lang="de-DE" sz="1300" dirty="0" smtClean="0">
                 <a:solidFill>
                   <a:schemeClr val="bg1"/>
                 </a:solidFill>
               </a:rPr>
-              <a:t>Dienste</a:t>
-            </a:r>
-          </a:p>
-        </p:txBody>
-      </p:sp>
-      <p:sp>
-        <p:nvSpPr>
-          <p:cNvPr id="54" name="Abgerundetes Rechteck 53"/>
+              <a:t>Anbindung</a:t>
+            </a:r>
+            <a:endParaRPr lang="de-DE" sz="1300" dirty="0">
+              <a:solidFill>
+                <a:schemeClr val="bg1"/>
+              </a:solidFill>
+            </a:endParaRPr>
+          </a:p>
+          <a:p>
+            <a:pPr algn="ctr">
+              <a:defRPr/>
+            </a:pPr>
+            <a:r>
+              <a:rPr lang="de-DE" sz="1300" dirty="0" err="1">
+                <a:solidFill>
+                  <a:schemeClr val="bg1"/>
+                </a:solidFill>
+              </a:rPr>
+              <a:t>Umsysteme</a:t>
+            </a:r>
+            <a:endParaRPr lang="de-DE" sz="1300" dirty="0">
+              <a:solidFill>
+                <a:schemeClr val="bg1"/>
+              </a:solidFill>
+            </a:endParaRPr>
+          </a:p>
+          <a:p>
+            <a:pPr algn="ctr">
+              <a:defRPr/>
+            </a:pPr>
+            <a:endParaRPr lang="de-DE" sz="1300" dirty="0">
+              <a:solidFill>
+                <a:schemeClr val="bg1"/>
+              </a:solidFill>
+            </a:endParaRPr>
+          </a:p>
+          <a:p>
+            <a:pPr algn="ctr">
+              <a:defRPr/>
+            </a:pPr>
+            <a:endParaRPr lang="de-DE" sz="1300" dirty="0">
+              <a:solidFill>
+                <a:schemeClr val="bg1"/>
+              </a:solidFill>
+            </a:endParaRPr>
+          </a:p>
+          <a:p>
+            <a:pPr algn="ctr">
+              <a:defRPr/>
+            </a:pPr>
+            <a:endParaRPr lang="de-DE" sz="1300" dirty="0">
+              <a:solidFill>
+                <a:schemeClr val="bg1"/>
+              </a:solidFill>
+            </a:endParaRPr>
+          </a:p>
+        </p:txBody>
+      </p:sp>
+      <p:sp>
+        <p:nvSpPr>
+          <p:cNvPr id="17" name="Abgerundetes Rechteck 16"/>
           <p:cNvSpPr/>
           <p:nvPr/>
         </p:nvSpPr>
         <p:spPr bwMode="auto">
           <a:xfrm>
-            <a:off x="998537" y="2205286"/>
-            <a:ext cx="1116000" cy="756000"/>
+            <a:off x="4427984" y="2205286"/>
+            <a:ext cx="1116000" cy="1543050"/>
           </a:xfrm>
           <a:prstGeom prst="roundRect">
             <a:avLst/>
@@ -14244,116 +13033,46 @@
           </a:fontRef>
         </p:style>
         <p:txBody>
-          <a:bodyPr lIns="36000" rIns="36000" anchor="ctr" anchorCtr="0"/>
+          <a:bodyPr rIns="36000" anchor="ctr" anchorCtr="0"/>
           <a:lstStyle/>
           <a:p>
             <a:pPr algn="ctr">
               <a:defRPr/>
             </a:pPr>
-            <a:endParaRPr lang="de-DE" sz="1300" dirty="0" smtClean="0">
-              <a:solidFill>
-                <a:schemeClr val="bg1"/>
-              </a:solidFill>
-            </a:endParaRPr>
+            <a:r>
+              <a:rPr lang="de-DE" sz="1300" dirty="0">
+                <a:solidFill>
+                  <a:schemeClr val="bg1"/>
+                </a:solidFill>
+              </a:rPr>
+              <a:t>Anbindung</a:t>
+            </a:r>
           </a:p>
           <a:p>
             <a:pPr algn="ctr">
               <a:defRPr/>
             </a:pPr>
-            <a:endParaRPr lang="de-DE" sz="1300" dirty="0" smtClean="0">
-              <a:solidFill>
-                <a:schemeClr val="bg1"/>
-              </a:solidFill>
-            </a:endParaRPr>
-          </a:p>
-          <a:p>
-            <a:pPr algn="ctr">
-              <a:defRPr/>
-            </a:pPr>
-            <a:endParaRPr lang="de-DE" sz="1300" dirty="0" smtClean="0">
-              <a:solidFill>
-                <a:schemeClr val="bg1"/>
-              </a:solidFill>
-            </a:endParaRPr>
-          </a:p>
-          <a:p>
-            <a:pPr algn="ctr">
-              <a:defRPr/>
-            </a:pPr>
-            <a:r>
-              <a:rPr lang="de-DE" sz="1300" dirty="0" smtClean="0">
+            <a:r>
+              <a:rPr lang="de-DE" sz="1300" dirty="0">
                 <a:solidFill>
                   <a:schemeClr val="bg1"/>
                 </a:solidFill>
               </a:rPr>
-              <a:t>Anbindung</a:t>
-            </a:r>
-            <a:endParaRPr lang="de-DE" sz="1300" dirty="0">
-              <a:solidFill>
-                <a:schemeClr val="bg1"/>
-              </a:solidFill>
-            </a:endParaRPr>
-          </a:p>
-          <a:p>
-            <a:pPr algn="ctr">
-              <a:defRPr/>
-            </a:pPr>
-            <a:r>
-              <a:rPr lang="de-DE" sz="1300" dirty="0" err="1">
-                <a:solidFill>
-                  <a:schemeClr val="bg1"/>
-                </a:solidFill>
-              </a:rPr>
-              <a:t>Umsysteme</a:t>
-            </a:r>
-            <a:endParaRPr lang="de-DE" sz="1300" dirty="0">
-              <a:solidFill>
-                <a:schemeClr val="bg1"/>
-              </a:solidFill>
-            </a:endParaRPr>
-          </a:p>
-          <a:p>
-            <a:pPr algn="ctr">
-              <a:defRPr/>
-            </a:pPr>
-            <a:endParaRPr lang="de-DE" sz="1300" dirty="0">
-              <a:solidFill>
-                <a:schemeClr val="bg1"/>
-              </a:solidFill>
-            </a:endParaRPr>
-          </a:p>
-          <a:p>
-            <a:pPr algn="ctr">
-              <a:defRPr/>
-            </a:pPr>
-            <a:endParaRPr lang="de-DE" sz="1300" dirty="0">
-              <a:solidFill>
-                <a:schemeClr val="bg1"/>
-              </a:solidFill>
-            </a:endParaRPr>
-          </a:p>
-          <a:p>
-            <a:pPr algn="ctr">
-              <a:defRPr/>
-            </a:pPr>
-            <a:endParaRPr lang="de-DE" sz="1300" dirty="0">
-              <a:solidFill>
-                <a:schemeClr val="bg1"/>
-              </a:solidFill>
-            </a:endParaRPr>
-          </a:p>
-        </p:txBody>
-      </p:sp>
-      <p:sp>
-        <p:nvSpPr>
-          <p:cNvPr id="55" name="Abgerundetes Rechteck 54"/>
+              <a:t>Faktor-IPS</a:t>
+            </a:r>
+          </a:p>
+        </p:txBody>
+      </p:sp>
+      <p:sp>
+        <p:nvSpPr>
+          <p:cNvPr id="18" name="Abgerundetes Rechteck 17"/>
           <p:cNvSpPr/>
           <p:nvPr/>
         </p:nvSpPr>
         <p:spPr bwMode="auto">
           <a:xfrm>
-            <a:off x="4427984" y="2205286"/>
-            <a:ext cx="1116000" cy="1543050"/>
+            <a:off x="3557589" y="2583111"/>
+            <a:ext cx="754062" cy="630237"/>
           </a:xfrm>
           <a:prstGeom prst="roundRect">
             <a:avLst/>
@@ -14379,78 +13098,13 @@
           </a:fontRef>
         </p:style>
         <p:txBody>
-          <a:bodyPr rIns="36000" anchor="ctr" anchorCtr="0"/>
+          <a:bodyPr anchor="ctr"/>
           <a:lstStyle/>
           <a:p>
             <a:pPr algn="ctr">
               <a:defRPr/>
             </a:pPr>
             <a:r>
-              <a:rPr lang="de-DE" sz="1300" dirty="0">
-                <a:solidFill>
-                  <a:schemeClr val="bg1"/>
-                </a:solidFill>
-              </a:rPr>
-              <a:t>Anbindung</a:t>
-            </a:r>
-          </a:p>
-          <a:p>
-            <a:pPr algn="ctr">
-              <a:defRPr/>
-            </a:pPr>
-            <a:r>
-              <a:rPr lang="de-DE" sz="1300" dirty="0">
-                <a:solidFill>
-                  <a:schemeClr val="bg1"/>
-                </a:solidFill>
-              </a:rPr>
-              <a:t>Faktor-IPS</a:t>
-            </a:r>
-          </a:p>
-        </p:txBody>
-      </p:sp>
-      <p:sp>
-        <p:nvSpPr>
-          <p:cNvPr id="56" name="Abgerundetes Rechteck 55"/>
-          <p:cNvSpPr/>
-          <p:nvPr/>
-        </p:nvSpPr>
-        <p:spPr bwMode="auto">
-          <a:xfrm>
-            <a:off x="3557589" y="2583111"/>
-            <a:ext cx="754062" cy="630237"/>
-          </a:xfrm>
-          <a:prstGeom prst="roundRect">
-            <a:avLst/>
-          </a:prstGeom>
-          <a:ln>
-            <a:headEnd type="none" w="med" len="med"/>
-            <a:tailEnd type="none" w="med" len="med"/>
-          </a:ln>
-          <a:extLst/>
-        </p:spPr>
-        <p:style>
-          <a:lnRef idx="1">
-            <a:schemeClr val="accent5"/>
-          </a:lnRef>
-          <a:fillRef idx="3">
-            <a:schemeClr val="accent5"/>
-          </a:fillRef>
-          <a:effectRef idx="2">
-            <a:schemeClr val="accent5"/>
-          </a:effectRef>
-          <a:fontRef idx="minor">
-            <a:schemeClr val="lt1"/>
-          </a:fontRef>
-        </p:style>
-        <p:txBody>
-          <a:bodyPr anchor="ctr"/>
-          <a:lstStyle/>
-          <a:p>
-            <a:pPr algn="ctr">
-              <a:defRPr/>
-            </a:pPr>
-            <a:r>
               <a:rPr lang="de-DE" sz="1300" dirty="0" err="1"/>
               <a:t>GeVos</a:t>
             </a:r>
@@ -14460,7 +13114,7 @@
       </p:sp>
       <p:sp>
         <p:nvSpPr>
-          <p:cNvPr id="57" name="Rechteck 56"/>
+          <p:cNvPr id="19" name="Rechteck 18"/>
           <p:cNvSpPr/>
           <p:nvPr/>
         </p:nvSpPr>
@@ -14593,22 +13247,19 @@
       </p:sp>
       <p:sp>
         <p:nvSpPr>
-          <p:cNvPr id="58" name="Abgerundetes Rechteck 57"/>
+          <p:cNvPr id="20" name="Rechteck 19"/>
           <p:cNvSpPr/>
           <p:nvPr/>
         </p:nvSpPr>
         <p:spPr bwMode="auto">
           <a:xfrm>
-            <a:off x="6624774" y="4437112"/>
-            <a:ext cx="1871662" cy="1368152"/>
-          </a:xfrm>
-          <a:prstGeom prst="roundRect">
+            <a:off x="6624774" y="4293096"/>
+            <a:ext cx="1871662" cy="1800225"/>
+          </a:xfrm>
+          <a:prstGeom prst="rect">
             <a:avLst/>
           </a:prstGeom>
           <a:ln>
-            <a:solidFill>
-              <a:schemeClr val="tx1"/>
-            </a:solidFill>
             <a:headEnd type="none" w="med" len="med"/>
             <a:tailEnd type="none" w="med" len="med"/>
           </a:ln>
@@ -14684,7 +13335,7 @@
       </p:sp>
       <p:sp>
         <p:nvSpPr>
-          <p:cNvPr id="59" name="Pfeil nach rechts 58"/>
+          <p:cNvPr id="21" name="Pfeil nach rechts 20"/>
           <p:cNvSpPr/>
           <p:nvPr/>
         </p:nvSpPr>
@@ -14729,7 +13380,7 @@
       </p:sp>
       <p:cxnSp>
         <p:nvCxnSpPr>
-          <p:cNvPr id="60" name="Gerade Verbindung 59"/>
+          <p:cNvPr id="22" name="Gerade Verbindung 21"/>
           <p:cNvCxnSpPr/>
           <p:nvPr/>
         </p:nvCxnSpPr>
@@ -14774,7 +13425,7 @@
       </p:cxnSp>
       <p:cxnSp>
         <p:nvCxnSpPr>
-          <p:cNvPr id="61" name="Gerade Verbindung mit Pfeil 60"/>
+          <p:cNvPr id="23" name="Gerade Verbindung mit Pfeil 22"/>
           <p:cNvCxnSpPr/>
           <p:nvPr/>
         </p:nvCxnSpPr>
@@ -14820,13 +13471,13 @@
       </p:cxnSp>
       <p:sp>
         <p:nvSpPr>
-          <p:cNvPr id="62" name="Abgerundetes Rechteck 61"/>
+          <p:cNvPr id="24" name="Abgerundetes Rechteck 23"/>
           <p:cNvSpPr/>
           <p:nvPr/>
         </p:nvSpPr>
         <p:spPr bwMode="auto">
           <a:xfrm>
-            <a:off x="6711479" y="4940348"/>
+            <a:off x="6711479" y="4724896"/>
             <a:ext cx="1677988" cy="576263"/>
           </a:xfrm>
           <a:prstGeom prst="roundRect">
@@ -14876,212 +13527,21 @@
                   <a:schemeClr val="tx1"/>
                 </a:solidFill>
               </a:rPr>
-              <a:t>Produktdefinition</a:t>
-            </a:r>
-          </a:p>
-        </p:txBody>
-      </p:sp>
-      <p:sp>
-        <p:nvSpPr>
-          <p:cNvPr id="63" name="Abgerundetes Rechteck 62"/>
+              <a:t>Modellierung &amp; Codegenerierung</a:t>
+            </a:r>
+          </a:p>
+        </p:txBody>
+      </p:sp>
+      <p:sp>
+        <p:nvSpPr>
+          <p:cNvPr id="25" name="Abgerundetes Rechteck 24"/>
           <p:cNvSpPr/>
           <p:nvPr/>
         </p:nvSpPr>
         <p:spPr bwMode="auto">
           <a:xfrm>
-            <a:off x="2224088" y="3429248"/>
-            <a:ext cx="2159000" cy="342900"/>
-          </a:xfrm>
-          <a:prstGeom prst="roundRect">
-            <a:avLst/>
-          </a:prstGeom>
-          <a:ln>
-            <a:headEnd type="none" w="med" len="med"/>
-            <a:tailEnd type="none" w="med" len="med"/>
-          </a:ln>
-          <a:extLst/>
-        </p:spPr>
-        <p:style>
-          <a:lnRef idx="1">
-            <a:schemeClr val="accent5"/>
-          </a:lnRef>
-          <a:fillRef idx="3">
-            <a:schemeClr val="accent5"/>
-          </a:fillRef>
-          <a:effectRef idx="2">
-            <a:schemeClr val="accent5"/>
-          </a:effectRef>
-          <a:fontRef idx="minor">
-            <a:schemeClr val="lt1"/>
-          </a:fontRef>
-        </p:style>
-        <p:txBody>
-          <a:bodyPr/>
-          <a:lstStyle/>
-          <a:p>
-            <a:pPr marL="715963">
-              <a:tabLst>
-                <a:tab pos="715963" algn="l"/>
-              </a:tabLst>
-              <a:defRPr/>
-            </a:pPr>
-            <a:r>
-              <a:rPr lang="de-DE" sz="1300" dirty="0" smtClean="0">
-                <a:solidFill>
-                  <a:schemeClr val="bg1"/>
-                </a:solidFill>
-              </a:rPr>
-              <a:t>Persistenz</a:t>
-            </a:r>
-            <a:endParaRPr lang="de-DE" sz="1300" dirty="0">
-              <a:solidFill>
-                <a:schemeClr val="bg1"/>
-              </a:solidFill>
-            </a:endParaRPr>
-          </a:p>
-        </p:txBody>
-      </p:sp>
-      <p:sp>
-        <p:nvSpPr>
-          <p:cNvPr id="64" name="Flussdiagramm: Magnetplattenspeicher 63"/>
-          <p:cNvSpPr/>
-          <p:nvPr/>
-        </p:nvSpPr>
-        <p:spPr bwMode="auto">
-          <a:xfrm>
-            <a:off x="2351088" y="3474057"/>
-            <a:ext cx="449262" cy="257175"/>
-          </a:xfrm>
-          <a:prstGeom prst="flowChartMagneticDisk">
-            <a:avLst/>
-          </a:prstGeom>
-          <a:solidFill>
-            <a:schemeClr val="accent5"/>
-          </a:solidFill>
-          <a:ln w="9525" cap="flat" cmpd="sng" algn="ctr">
-            <a:solidFill>
-              <a:schemeClr val="accent4"/>
-            </a:solidFill>
-            <a:prstDash val="solid"/>
-            <a:round/>
-            <a:headEnd type="none" w="med" len="med"/>
-            <a:tailEnd type="none" w="med" len="med"/>
-          </a:ln>
-          <a:effectLst/>
-          <a:extLst/>
-        </p:spPr>
-        <p:txBody>
-          <a:bodyPr/>
-          <a:lstStyle/>
-          <a:p>
-            <a:pPr>
-              <a:defRPr/>
-            </a:pPr>
-            <a:endParaRPr lang="de-DE" sz="1300"/>
-          </a:p>
-        </p:txBody>
-      </p:sp>
-      <p:sp>
-        <p:nvSpPr>
-          <p:cNvPr id="65" name="Abgerundetes Rechteck 64"/>
-          <p:cNvSpPr/>
-          <p:nvPr/>
-        </p:nvSpPr>
-        <p:spPr bwMode="auto">
-          <a:xfrm>
-            <a:off x="2351088" y="4473090"/>
-            <a:ext cx="3192896" cy="1332173"/>
-          </a:xfrm>
-          <a:prstGeom prst="roundRect">
-            <a:avLst/>
-          </a:prstGeom>
-          <a:ln>
-            <a:solidFill>
-              <a:schemeClr val="tx1"/>
-            </a:solidFill>
-            <a:headEnd type="none" w="med" len="med"/>
-            <a:tailEnd type="none" w="med" len="med"/>
-          </a:ln>
-          <a:extLst/>
-        </p:spPr>
-        <p:style>
-          <a:lnRef idx="1">
-            <a:schemeClr val="accent5"/>
-          </a:lnRef>
-          <a:fillRef idx="3">
-            <a:schemeClr val="accent5"/>
-          </a:fillRef>
-          <a:effectRef idx="2">
-            <a:schemeClr val="accent5"/>
-          </a:effectRef>
-          <a:fontRef idx="minor">
-            <a:schemeClr val="lt1"/>
-          </a:fontRef>
-        </p:style>
-        <p:txBody>
-          <a:bodyPr lIns="72000" tIns="36000" rIns="36000" bIns="36000" rtlCol="0" anchor="t" anchorCtr="0"/>
-          <a:lstStyle/>
-          <a:p>
-            <a:pPr marL="180975" indent="-180975" algn="ctr">
-              <a:lnSpc>
-                <a:spcPct val="90000"/>
-              </a:lnSpc>
-              <a:spcBef>
-                <a:spcPts val="500"/>
-              </a:spcBef>
-              <a:buClr>
-                <a:srgbClr val="FF9900"/>
-              </a:buClr>
-              <a:buSzPct val="150000"/>
-              <a:defRPr/>
-            </a:pPr>
-            <a:r>
-              <a:rPr lang="de-DE" sz="1800" b="1" dirty="0" smtClean="0">
-                <a:solidFill>
-                  <a:schemeClr val="accent3"/>
-                </a:solidFill>
-                <a:latin typeface="Arial" charset="0"/>
-                <a:cs typeface="Arial" charset="0"/>
-                <a:sym typeface="Arial" charset="0"/>
-              </a:rPr>
-              <a:t>Faktor-IPS</a:t>
-            </a:r>
-          </a:p>
-          <a:p>
-            <a:pPr marL="180975" indent="-180975" algn="ctr">
-              <a:lnSpc>
-                <a:spcPct val="90000"/>
-              </a:lnSpc>
-              <a:spcBef>
-                <a:spcPts val="500"/>
-              </a:spcBef>
-              <a:buClr>
-                <a:srgbClr val="FF9900"/>
-              </a:buClr>
-              <a:buSzPct val="150000"/>
-              <a:defRPr/>
-            </a:pPr>
-            <a:endParaRPr lang="de-DE" sz="1800" b="1" dirty="0">
-              <a:solidFill>
-                <a:schemeClr val="accent3"/>
-              </a:solidFill>
-              <a:latin typeface="Arial" charset="0"/>
-              <a:cs typeface="Arial" charset="0"/>
-              <a:sym typeface="Arial" charset="0"/>
-            </a:endParaRPr>
-          </a:p>
-        </p:txBody>
-      </p:sp>
-      <p:sp>
-        <p:nvSpPr>
-          <p:cNvPr id="66" name="Abgerundetes Rechteck 65"/>
-          <p:cNvSpPr/>
-          <p:nvPr/>
-        </p:nvSpPr>
-        <p:spPr bwMode="auto">
-          <a:xfrm>
-            <a:off x="2509801" y="4904890"/>
-            <a:ext cx="2782279" cy="576263"/>
+            <a:off x="6711479" y="5372596"/>
+            <a:ext cx="1677988" cy="576263"/>
           </a:xfrm>
           <a:prstGeom prst="roundRect">
             <a:avLst/>
@@ -15130,21 +13590,178 @@
                   <a:schemeClr val="tx1"/>
                 </a:solidFill>
               </a:rPr>
-              <a:t>Modellierung &amp; Codegenerierung</a:t>
-            </a:r>
+              <a:t>Produktdefinition</a:t>
+            </a:r>
+          </a:p>
+        </p:txBody>
+      </p:sp>
+      <p:sp>
+        <p:nvSpPr>
+          <p:cNvPr id="26" name="Abgerundetes Rechteck 25"/>
+          <p:cNvSpPr/>
+          <p:nvPr/>
+        </p:nvSpPr>
+        <p:spPr bwMode="auto">
+          <a:xfrm>
+            <a:off x="2224088" y="3429248"/>
+            <a:ext cx="2159000" cy="342900"/>
+          </a:xfrm>
+          <a:prstGeom prst="roundRect">
+            <a:avLst/>
+          </a:prstGeom>
+          <a:ln>
+            <a:headEnd type="none" w="med" len="med"/>
+            <a:tailEnd type="none" w="med" len="med"/>
+          </a:ln>
+          <a:extLst/>
+        </p:spPr>
+        <p:style>
+          <a:lnRef idx="1">
+            <a:schemeClr val="accent5"/>
+          </a:lnRef>
+          <a:fillRef idx="3">
+            <a:schemeClr val="accent5"/>
+          </a:fillRef>
+          <a:effectRef idx="2">
+            <a:schemeClr val="accent5"/>
+          </a:effectRef>
+          <a:fontRef idx="minor">
+            <a:schemeClr val="lt1"/>
+          </a:fontRef>
+        </p:style>
+        <p:txBody>
+          <a:bodyPr/>
+          <a:lstStyle/>
+          <a:p>
+            <a:pPr marL="715963">
+              <a:tabLst>
+                <a:tab pos="715963" algn="l"/>
+              </a:tabLst>
+              <a:defRPr/>
+            </a:pPr>
+            <a:r>
+              <a:rPr lang="de-DE" sz="1300" dirty="0" smtClean="0">
+                <a:solidFill>
+                  <a:schemeClr val="bg1"/>
+                </a:solidFill>
+              </a:rPr>
+              <a:t>Persistenz</a:t>
+            </a:r>
+            <a:endParaRPr lang="de-DE" sz="1300" dirty="0">
+              <a:solidFill>
+                <a:schemeClr val="bg1"/>
+              </a:solidFill>
+            </a:endParaRPr>
+          </a:p>
+        </p:txBody>
+      </p:sp>
+      <p:sp>
+        <p:nvSpPr>
+          <p:cNvPr id="27" name="Flussdiagramm: Magnetplattenspeicher 26"/>
+          <p:cNvSpPr/>
+          <p:nvPr/>
+        </p:nvSpPr>
+        <p:spPr bwMode="auto">
+          <a:xfrm>
+            <a:off x="2351088" y="3474057"/>
+            <a:ext cx="449262" cy="257175"/>
+          </a:xfrm>
+          <a:prstGeom prst="flowChartMagneticDisk">
+            <a:avLst/>
+          </a:prstGeom>
+          <a:solidFill>
+            <a:schemeClr val="accent5"/>
+          </a:solidFill>
+          <a:ln w="9525" cap="flat" cmpd="sng" algn="ctr">
+            <a:solidFill>
+              <a:schemeClr val="accent4"/>
+            </a:solidFill>
+            <a:prstDash val="solid"/>
+            <a:round/>
+            <a:headEnd type="none" w="med" len="med"/>
+            <a:tailEnd type="none" w="med" len="med"/>
+          </a:ln>
+          <a:effectLst/>
+          <a:extLst/>
+        </p:spPr>
+        <p:txBody>
+          <a:bodyPr/>
+          <a:lstStyle/>
+          <a:p>
+            <a:pPr>
+              <a:defRPr/>
+            </a:pPr>
+            <a:endParaRPr lang="de-DE" sz="1300"/>
+          </a:p>
+        </p:txBody>
+      </p:sp>
+      <p:sp>
+        <p:nvSpPr>
+          <p:cNvPr id="28" name="Rechteck 27"/>
+          <p:cNvSpPr/>
+          <p:nvPr/>
+        </p:nvSpPr>
+        <p:spPr bwMode="auto">
+          <a:xfrm>
+            <a:off x="970582" y="4293096"/>
+            <a:ext cx="4681538" cy="1800000"/>
+          </a:xfrm>
+          <a:prstGeom prst="rect">
+            <a:avLst/>
+          </a:prstGeom>
+          <a:ln>
+            <a:headEnd type="none" w="med" len="med"/>
+            <a:tailEnd type="none" w="med" len="med"/>
+          </a:ln>
+          <a:extLst/>
+        </p:spPr>
+        <p:style>
+          <a:lnRef idx="1">
+            <a:schemeClr val="accent5"/>
+          </a:lnRef>
+          <a:fillRef idx="3">
+            <a:schemeClr val="accent5"/>
+          </a:fillRef>
+          <a:effectRef idx="2">
+            <a:schemeClr val="accent5"/>
+          </a:effectRef>
+          <a:fontRef idx="minor">
+            <a:schemeClr val="lt1"/>
+          </a:fontRef>
+        </p:style>
+        <p:txBody>
+          <a:bodyPr/>
+          <a:lstStyle/>
+          <a:p>
+            <a:pPr>
+              <a:defRPr/>
+            </a:pPr>
+            <a:r>
+              <a:rPr lang="de-DE" sz="1600" b="1" dirty="0" smtClean="0">
+                <a:solidFill>
+                  <a:schemeClr val="bg1"/>
+                </a:solidFill>
+              </a:rPr>
+              <a:t>Entwicklungsumgebung</a:t>
+            </a:r>
+            <a:endParaRPr lang="de-DE" sz="1600" b="1" dirty="0">
+              <a:solidFill>
+                <a:schemeClr val="bg1"/>
+              </a:solidFill>
+            </a:endParaRPr>
           </a:p>
         </p:txBody>
       </p:sp>
       <p:cxnSp>
         <p:nvCxnSpPr>
-          <p:cNvPr id="67" name="Gerade Verbindung mit Pfeil 66"/>
+          <p:cNvPr id="29" name="Gerade Verbindung mit Pfeil 28"/>
           <p:cNvCxnSpPr/>
           <p:nvPr/>
         </p:nvCxnSpPr>
         <p:spPr bwMode="auto">
-          <a:xfrm rot="5400000" flipH="1" flipV="1">
-            <a:off x="2158316" y="3822011"/>
-            <a:ext cx="1012536" cy="1592"/>
+          <a:xfrm rot="16200000" flipV="1">
+            <a:off x="3187046" y="4059466"/>
+            <a:ext cx="395248" cy="2"/>
           </a:xfrm>
           <a:prstGeom prst="straightConnector1">
             <a:avLst/>
@@ -15180,145 +13797,6 @@
           </a:fontRef>
         </p:style>
       </p:cxnSp>
-      <p:cxnSp>
-        <p:nvCxnSpPr>
-          <p:cNvPr id="68" name="Gerade Verbindung mit Pfeil 67"/>
-          <p:cNvCxnSpPr/>
-          <p:nvPr/>
-        </p:nvCxnSpPr>
-        <p:spPr bwMode="auto">
-          <a:xfrm rot="5400000" flipH="1" flipV="1">
-            <a:off x="3041844" y="4095062"/>
-            <a:ext cx="468026" cy="1"/>
-          </a:xfrm>
-          <a:prstGeom prst="straightConnector1">
-            <a:avLst/>
-          </a:prstGeom>
-          <a:ln>
-            <a:headEnd type="none" w="med" len="med"/>
-            <a:tailEnd type="arrow"/>
-          </a:ln>
-          <a:extLst>
-            <a:ext uri="{AF507438-7753-43E0-B8FC-AC1667EBCBE1}">
-              <a14:hiddenEffects xmlns:a14="http://schemas.microsoft.com/office/drawing/2010/main">
-                <a:effectLst>
-                  <a:outerShdw dist="35921" dir="2700000" algn="ctr" rotWithShape="0">
-                    <a:schemeClr val="bg2"/>
-                  </a:outerShdw>
-                </a:effectLst>
-              </a14:hiddenEffects>
-            </a:ext>
-          </a:extLst>
-        </p:spPr>
-        <p:style>
-          <a:lnRef idx="3">
-            <a:schemeClr val="accent4"/>
-          </a:lnRef>
-          <a:fillRef idx="0">
-            <a:schemeClr val="accent4"/>
-          </a:fillRef>
-          <a:effectRef idx="2">
-            <a:schemeClr val="accent4"/>
-          </a:effectRef>
-          <a:fontRef idx="minor">
-            <a:schemeClr val="tx1"/>
-          </a:fontRef>
-        </p:style>
-      </p:cxnSp>
-      <p:cxnSp>
-        <p:nvCxnSpPr>
-          <p:cNvPr id="69" name="Gerade Verbindung mit Pfeil 68"/>
-          <p:cNvCxnSpPr/>
-          <p:nvPr/>
-        </p:nvCxnSpPr>
-        <p:spPr bwMode="auto">
-          <a:xfrm rot="5400000" flipH="1" flipV="1">
-            <a:off x="4734031" y="4059059"/>
-            <a:ext cx="540035" cy="1"/>
-          </a:xfrm>
-          <a:prstGeom prst="straightConnector1">
-            <a:avLst/>
-          </a:prstGeom>
-          <a:ln>
-            <a:headEnd type="none" w="med" len="med"/>
-            <a:tailEnd type="arrow"/>
-          </a:ln>
-          <a:extLst>
-            <a:ext uri="{AF507438-7753-43E0-B8FC-AC1667EBCBE1}">
-              <a14:hiddenEffects xmlns:a14="http://schemas.microsoft.com/office/drawing/2010/main">
-                <a:effectLst>
-                  <a:outerShdw dist="35921" dir="2700000" algn="ctr" rotWithShape="0">
-                    <a:schemeClr val="bg2"/>
-                  </a:outerShdw>
-                </a:effectLst>
-              </a14:hiddenEffects>
-            </a:ext>
-          </a:extLst>
-        </p:spPr>
-        <p:style>
-          <a:lnRef idx="3">
-            <a:schemeClr val="accent4"/>
-          </a:lnRef>
-          <a:fillRef idx="0">
-            <a:schemeClr val="accent4"/>
-          </a:fillRef>
-          <a:effectRef idx="2">
-            <a:schemeClr val="accent4"/>
-          </a:effectRef>
-          <a:fontRef idx="minor">
-            <a:schemeClr val="tx1"/>
-          </a:fontRef>
-        </p:style>
-      </p:cxnSp>
-      <p:cxnSp>
-        <p:nvCxnSpPr>
-          <p:cNvPr id="70" name="Gerade Verbindung mit Pfeil 69"/>
-          <p:cNvCxnSpPr/>
-          <p:nvPr/>
-        </p:nvCxnSpPr>
-        <p:spPr bwMode="auto">
-          <a:xfrm rot="16200000" flipV="1">
-            <a:off x="3543663" y="3819107"/>
-            <a:ext cx="976554" cy="1"/>
-          </a:xfrm>
-          <a:prstGeom prst="straightConnector1">
-            <a:avLst/>
-          </a:prstGeom>
-          <a:ln>
-            <a:solidFill>
-              <a:schemeClr val="accent5"/>
-            </a:solidFill>
-            <a:prstDash val="solid"/>
-            <a:headEnd type="none" w="med" len="med"/>
-            <a:tailEnd type="arrow"/>
-          </a:ln>
-          <a:extLst>
-            <a:ext uri="{AF507438-7753-43E0-B8FC-AC1667EBCBE1}">
-              <a14:hiddenEffects xmlns:a14="http://schemas.microsoft.com/office/drawing/2010/main">
-                <a:effectLst>
-                  <a:outerShdw dist="35921" dir="2700000" algn="ctr" rotWithShape="0">
-                    <a:schemeClr val="bg2"/>
-                  </a:outerShdw>
-                </a:effectLst>
-              </a14:hiddenEffects>
-            </a:ext>
-          </a:extLst>
-        </p:spPr>
-        <p:style>
-          <a:lnRef idx="3">
-            <a:schemeClr val="accent4"/>
-          </a:lnRef>
-          <a:fillRef idx="0">
-            <a:schemeClr val="accent4"/>
-          </a:fillRef>
-          <a:effectRef idx="2">
-            <a:schemeClr val="accent4"/>
-          </a:effectRef>
-          <a:fontRef idx="minor">
-            <a:schemeClr val="tx1"/>
-          </a:fontRef>
-        </p:style>
-      </p:cxnSp>
       <p:sp>
         <p:nvSpPr>
           <p:cNvPr id="4" name="Foliennummernplatzhalter 3"/>
@@ -15350,7 +13828,7 @@
     </p:spTree>
     <p:extLst>
       <p:ext uri="{BB962C8B-B14F-4D97-AF65-F5344CB8AC3E}">
-        <p14:creationId xmlns:p14="http://schemas.microsoft.com/office/powerpoint/2010/main" val="2028671302"/>
+        <p14:creationId xmlns:p14="http://schemas.microsoft.com/office/powerpoint/2010/main" val="1894755053"/>
       </p:ext>
     </p:extLst>
   </p:cSld>
@@ -15389,6 +13867,1637 @@
       </p:grpSpPr>
       <p:sp>
         <p:nvSpPr>
+          <p:cNvPr id="3" name="Datumsplatzhalter 2"/>
+          <p:cNvSpPr>
+            <a:spLocks noGrp="1"/>
+          </p:cNvSpPr>
+          <p:nvPr>
+            <p:ph type="dt" sz="half" idx="2"/>
+          </p:nvPr>
+        </p:nvSpPr>
+        <p:spPr/>
+        <p:txBody>
+          <a:bodyPr/>
+          <a:lstStyle/>
+          <a:p>
+            <a:fld id="{1D4457F8-24B0-4EBE-8349-97DB722E2B90}" type="datetime1">
+              <a:rPr lang="de-DE" smtClean="0"/>
+              <a:t>15.04.2015</a:t>
+            </a:fld>
+            <a:endParaRPr lang="de-DE" dirty="0"/>
+          </a:p>
+        </p:txBody>
+      </p:sp>
+      <p:sp>
+        <p:nvSpPr>
+          <p:cNvPr id="7" name="Titel 6"/>
+          <p:cNvSpPr>
+            <a:spLocks noGrp="1"/>
+          </p:cNvSpPr>
+          <p:nvPr>
+            <p:ph type="title"/>
+          </p:nvPr>
+        </p:nvSpPr>
+        <p:spPr/>
+        <p:txBody>
+          <a:bodyPr/>
+          <a:lstStyle/>
+          <a:p>
+            <a:r>
+              <a:rPr lang="de-DE" dirty="0" smtClean="0"/>
+              <a:t>Faktor-IPS kann </a:t>
+            </a:r>
+            <a:r>
+              <a:rPr lang="de-DE" dirty="0" smtClean="0"/>
+              <a:t>als </a:t>
+            </a:r>
+            <a:r>
+              <a:rPr lang="de-DE" dirty="0" smtClean="0"/>
+              <a:t>Entwicklungswerkzeug für ein operatives System und als </a:t>
+            </a:r>
+            <a:r>
+              <a:rPr lang="de-DE" dirty="0" err="1" smtClean="0"/>
+              <a:t>Produktkonfigurator</a:t>
+            </a:r>
+            <a:r>
+              <a:rPr lang="de-DE" dirty="0" smtClean="0"/>
+              <a:t> verwendet werden.</a:t>
+            </a:r>
+            <a:endParaRPr lang="de-DE" dirty="0"/>
+          </a:p>
+        </p:txBody>
+      </p:sp>
+      <p:sp>
+        <p:nvSpPr>
+          <p:cNvPr id="47" name="Rechteck 46"/>
+          <p:cNvSpPr/>
+          <p:nvPr/>
+        </p:nvSpPr>
+        <p:spPr bwMode="auto">
+          <a:xfrm>
+            <a:off x="972000" y="4294800"/>
+            <a:ext cx="7821613" cy="1800000"/>
+          </a:xfrm>
+          <a:prstGeom prst="rect">
+            <a:avLst/>
+          </a:prstGeom>
+          <a:ln>
+            <a:headEnd type="none" w="med" len="med"/>
+            <a:tailEnd type="none" w="med" len="med"/>
+          </a:ln>
+          <a:extLst/>
+        </p:spPr>
+        <p:style>
+          <a:lnRef idx="1">
+            <a:schemeClr val="accent5"/>
+          </a:lnRef>
+          <a:fillRef idx="3">
+            <a:schemeClr val="accent5"/>
+          </a:fillRef>
+          <a:effectRef idx="2">
+            <a:schemeClr val="accent5"/>
+          </a:effectRef>
+          <a:fontRef idx="minor">
+            <a:schemeClr val="lt1"/>
+          </a:fontRef>
+        </p:style>
+        <p:txBody>
+          <a:bodyPr anchor="t" anchorCtr="0"/>
+          <a:lstStyle/>
+          <a:p>
+            <a:pPr>
+              <a:defRPr/>
+            </a:pPr>
+            <a:r>
+              <a:rPr lang="de-DE" sz="1800" b="1" dirty="0" err="1" smtClean="0">
+                <a:solidFill>
+                  <a:schemeClr val="bg1"/>
+                </a:solidFill>
+              </a:rPr>
+              <a:t>Eclipse</a:t>
+            </a:r>
+            <a:endParaRPr lang="de-DE" sz="1800" b="1" dirty="0">
+              <a:solidFill>
+                <a:schemeClr val="bg1"/>
+              </a:solidFill>
+            </a:endParaRPr>
+          </a:p>
+        </p:txBody>
+      </p:sp>
+      <p:sp>
+        <p:nvSpPr>
+          <p:cNvPr id="48" name="Rechteck 47"/>
+          <p:cNvSpPr/>
+          <p:nvPr/>
+        </p:nvSpPr>
+        <p:spPr bwMode="auto">
+          <a:xfrm>
+            <a:off x="927100" y="1341686"/>
+            <a:ext cx="4681538" cy="2519362"/>
+          </a:xfrm>
+          <a:prstGeom prst="rect">
+            <a:avLst/>
+          </a:prstGeom>
+          <a:ln>
+            <a:headEnd type="none" w="med" len="med"/>
+            <a:tailEnd type="none" w="med" len="med"/>
+          </a:ln>
+          <a:extLst/>
+        </p:spPr>
+        <p:style>
+          <a:lnRef idx="2">
+            <a:schemeClr val="accent5"/>
+          </a:lnRef>
+          <a:fillRef idx="1">
+            <a:schemeClr val="lt1"/>
+          </a:fillRef>
+          <a:effectRef idx="0">
+            <a:schemeClr val="accent5"/>
+          </a:effectRef>
+          <a:fontRef idx="minor">
+            <a:schemeClr val="dk1"/>
+          </a:fontRef>
+        </p:style>
+        <p:txBody>
+          <a:bodyPr/>
+          <a:lstStyle/>
+          <a:p>
+            <a:pPr>
+              <a:defRPr/>
+            </a:pPr>
+            <a:r>
+              <a:rPr lang="de-DE" sz="1600" b="1" dirty="0">
+                <a:solidFill>
+                  <a:schemeClr val="accent4"/>
+                </a:solidFill>
+              </a:rPr>
+              <a:t>Operatives</a:t>
+            </a:r>
+          </a:p>
+          <a:p>
+            <a:pPr>
+              <a:defRPr/>
+            </a:pPr>
+            <a:r>
+              <a:rPr lang="de-DE" sz="1600" b="1" dirty="0">
+                <a:solidFill>
+                  <a:schemeClr val="accent4"/>
+                </a:solidFill>
+              </a:rPr>
+              <a:t>System</a:t>
+            </a:r>
+          </a:p>
+        </p:txBody>
+      </p:sp>
+      <p:sp>
+        <p:nvSpPr>
+          <p:cNvPr id="49" name="Abgerundetes Rechteck 48"/>
+          <p:cNvSpPr/>
+          <p:nvPr/>
+        </p:nvSpPr>
+        <p:spPr bwMode="auto">
+          <a:xfrm>
+            <a:off x="2224088" y="1484561"/>
+            <a:ext cx="1020762" cy="576262"/>
+          </a:xfrm>
+          <a:prstGeom prst="roundRect">
+            <a:avLst/>
+          </a:prstGeom>
+          <a:ln>
+            <a:headEnd type="none" w="med" len="med"/>
+            <a:tailEnd type="none" w="med" len="med"/>
+          </a:ln>
+          <a:extLst/>
+        </p:spPr>
+        <p:style>
+          <a:lnRef idx="1">
+            <a:schemeClr val="accent5"/>
+          </a:lnRef>
+          <a:fillRef idx="3">
+            <a:schemeClr val="accent5"/>
+          </a:fillRef>
+          <a:effectRef idx="2">
+            <a:schemeClr val="accent5"/>
+          </a:effectRef>
+          <a:fontRef idx="minor">
+            <a:schemeClr val="lt1"/>
+          </a:fontRef>
+        </p:style>
+        <p:txBody>
+          <a:bodyPr/>
+          <a:lstStyle/>
+          <a:p>
+            <a:pPr algn="ctr">
+              <a:defRPr/>
+            </a:pPr>
+            <a:r>
+              <a:rPr lang="de-DE" sz="1300" dirty="0">
+                <a:solidFill>
+                  <a:schemeClr val="bg1"/>
+                </a:solidFill>
+              </a:rPr>
+              <a:t>User Interface</a:t>
+            </a:r>
+          </a:p>
+        </p:txBody>
+      </p:sp>
+      <p:sp>
+        <p:nvSpPr>
+          <p:cNvPr id="50" name="Abgerundetes Rechteck 49"/>
+          <p:cNvSpPr/>
+          <p:nvPr/>
+        </p:nvSpPr>
+        <p:spPr bwMode="auto">
+          <a:xfrm>
+            <a:off x="2224088" y="2205286"/>
+            <a:ext cx="2159000" cy="1111250"/>
+          </a:xfrm>
+          <a:prstGeom prst="roundRect">
+            <a:avLst/>
+          </a:prstGeom>
+          <a:ln>
+            <a:headEnd type="none" w="med" len="med"/>
+            <a:tailEnd type="none" w="med" len="med"/>
+          </a:ln>
+          <a:extLst/>
+        </p:spPr>
+        <p:style>
+          <a:lnRef idx="1">
+            <a:schemeClr val="accent5"/>
+          </a:lnRef>
+          <a:fillRef idx="3">
+            <a:schemeClr val="accent5"/>
+          </a:fillRef>
+          <a:effectRef idx="2">
+            <a:schemeClr val="accent5"/>
+          </a:effectRef>
+          <a:fontRef idx="minor">
+            <a:schemeClr val="lt1"/>
+          </a:fontRef>
+        </p:style>
+        <p:txBody>
+          <a:bodyPr/>
+          <a:lstStyle/>
+          <a:p>
+            <a:pPr algn="ctr">
+              <a:defRPr/>
+            </a:pPr>
+            <a:r>
+              <a:rPr lang="de-DE" sz="1300" dirty="0">
+                <a:solidFill>
+                  <a:schemeClr val="bg1"/>
+                </a:solidFill>
+              </a:rPr>
+              <a:t>Geschäftslogik</a:t>
+            </a:r>
+          </a:p>
+        </p:txBody>
+      </p:sp>
+      <p:sp>
+        <p:nvSpPr>
+          <p:cNvPr id="51" name="Abgerundetes Rechteck 50"/>
+          <p:cNvSpPr/>
+          <p:nvPr/>
+        </p:nvSpPr>
+        <p:spPr bwMode="auto">
+          <a:xfrm>
+            <a:off x="3375025" y="1484561"/>
+            <a:ext cx="1008063" cy="576262"/>
+          </a:xfrm>
+          <a:prstGeom prst="roundRect">
+            <a:avLst/>
+          </a:prstGeom>
+          <a:ln>
+            <a:headEnd type="none" w="med" len="med"/>
+            <a:tailEnd type="none" w="med" len="med"/>
+          </a:ln>
+          <a:extLst/>
+        </p:spPr>
+        <p:style>
+          <a:lnRef idx="1">
+            <a:schemeClr val="accent5"/>
+          </a:lnRef>
+          <a:fillRef idx="3">
+            <a:schemeClr val="accent5"/>
+          </a:fillRef>
+          <a:effectRef idx="2">
+            <a:schemeClr val="accent5"/>
+          </a:effectRef>
+          <a:fontRef idx="minor">
+            <a:schemeClr val="lt1"/>
+          </a:fontRef>
+        </p:style>
+        <p:txBody>
+          <a:bodyPr/>
+          <a:lstStyle/>
+          <a:p>
+            <a:pPr algn="ctr">
+              <a:defRPr/>
+            </a:pPr>
+            <a:r>
+              <a:rPr lang="de-DE" sz="1300" dirty="0">
+                <a:solidFill>
+                  <a:schemeClr val="bg1"/>
+                </a:solidFill>
+              </a:rPr>
+              <a:t>Batchjobs</a:t>
+            </a:r>
+          </a:p>
+          <a:p>
+            <a:pPr algn="ctr">
+              <a:defRPr/>
+            </a:pPr>
+            <a:r>
+              <a:rPr lang="de-DE" sz="1300" dirty="0">
+                <a:solidFill>
+                  <a:schemeClr val="bg1"/>
+                </a:solidFill>
+              </a:rPr>
+              <a:t>Services</a:t>
+            </a:r>
+          </a:p>
+        </p:txBody>
+      </p:sp>
+      <p:sp>
+        <p:nvSpPr>
+          <p:cNvPr id="52" name="Abgerundetes Rechteck 51"/>
+          <p:cNvSpPr/>
+          <p:nvPr/>
+        </p:nvSpPr>
+        <p:spPr bwMode="auto">
+          <a:xfrm>
+            <a:off x="2295525" y="2583111"/>
+            <a:ext cx="1079500" cy="630237"/>
+          </a:xfrm>
+          <a:prstGeom prst="roundRect">
+            <a:avLst/>
+          </a:prstGeom>
+          <a:ln>
+            <a:headEnd type="none" w="med" len="med"/>
+            <a:tailEnd type="none" w="med" len="med"/>
+          </a:ln>
+          <a:extLst/>
+        </p:spPr>
+        <p:style>
+          <a:lnRef idx="1">
+            <a:schemeClr val="accent5"/>
+          </a:lnRef>
+          <a:fillRef idx="3">
+            <a:schemeClr val="accent5"/>
+          </a:fillRef>
+          <a:effectRef idx="2">
+            <a:schemeClr val="accent5"/>
+          </a:effectRef>
+          <a:fontRef idx="minor">
+            <a:schemeClr val="lt1"/>
+          </a:fontRef>
+        </p:style>
+        <p:txBody>
+          <a:bodyPr anchor="ctr"/>
+          <a:lstStyle/>
+          <a:p>
+            <a:pPr algn="ctr">
+              <a:defRPr/>
+            </a:pPr>
+            <a:r>
+              <a:rPr lang="de-DE" sz="1300" dirty="0"/>
+              <a:t>Geschäfts-objekte</a:t>
+            </a:r>
+          </a:p>
+        </p:txBody>
+      </p:sp>
+      <p:sp>
+        <p:nvSpPr>
+          <p:cNvPr id="53" name="Abgerundetes Rechteck 52"/>
+          <p:cNvSpPr/>
+          <p:nvPr/>
+        </p:nvSpPr>
+        <p:spPr bwMode="auto">
+          <a:xfrm>
+            <a:off x="998537" y="3068886"/>
+            <a:ext cx="1116000" cy="756000"/>
+          </a:xfrm>
+          <a:prstGeom prst="roundRect">
+            <a:avLst/>
+          </a:prstGeom>
+          <a:ln>
+            <a:headEnd type="none" w="med" len="med"/>
+            <a:tailEnd type="none" w="med" len="med"/>
+          </a:ln>
+          <a:extLst/>
+        </p:spPr>
+        <p:style>
+          <a:lnRef idx="1">
+            <a:schemeClr val="accent5"/>
+          </a:lnRef>
+          <a:fillRef idx="3">
+            <a:schemeClr val="accent5"/>
+          </a:fillRef>
+          <a:effectRef idx="2">
+            <a:schemeClr val="accent5"/>
+          </a:effectRef>
+          <a:fontRef idx="minor">
+            <a:schemeClr val="lt1"/>
+          </a:fontRef>
+        </p:style>
+        <p:txBody>
+          <a:bodyPr anchor="ctr" anchorCtr="0"/>
+          <a:lstStyle/>
+          <a:p>
+            <a:pPr algn="ctr">
+              <a:defRPr/>
+            </a:pPr>
+            <a:r>
+              <a:rPr lang="de-DE" sz="1300" dirty="0">
+                <a:solidFill>
+                  <a:schemeClr val="bg1"/>
+                </a:solidFill>
+              </a:rPr>
+              <a:t>Dienste</a:t>
+            </a:r>
+          </a:p>
+        </p:txBody>
+      </p:sp>
+      <p:sp>
+        <p:nvSpPr>
+          <p:cNvPr id="54" name="Abgerundetes Rechteck 53"/>
+          <p:cNvSpPr/>
+          <p:nvPr/>
+        </p:nvSpPr>
+        <p:spPr bwMode="auto">
+          <a:xfrm>
+            <a:off x="998537" y="2205286"/>
+            <a:ext cx="1116000" cy="756000"/>
+          </a:xfrm>
+          <a:prstGeom prst="roundRect">
+            <a:avLst/>
+          </a:prstGeom>
+          <a:ln>
+            <a:headEnd type="none" w="med" len="med"/>
+            <a:tailEnd type="none" w="med" len="med"/>
+          </a:ln>
+          <a:extLst/>
+        </p:spPr>
+        <p:style>
+          <a:lnRef idx="1">
+            <a:schemeClr val="accent5"/>
+          </a:lnRef>
+          <a:fillRef idx="3">
+            <a:schemeClr val="accent5"/>
+          </a:fillRef>
+          <a:effectRef idx="2">
+            <a:schemeClr val="accent5"/>
+          </a:effectRef>
+          <a:fontRef idx="minor">
+            <a:schemeClr val="lt1"/>
+          </a:fontRef>
+        </p:style>
+        <p:txBody>
+          <a:bodyPr lIns="36000" rIns="36000" anchor="ctr" anchorCtr="0"/>
+          <a:lstStyle/>
+          <a:p>
+            <a:pPr algn="ctr">
+              <a:defRPr/>
+            </a:pPr>
+            <a:endParaRPr lang="de-DE" sz="1300" dirty="0" smtClean="0">
+              <a:solidFill>
+                <a:schemeClr val="bg1"/>
+              </a:solidFill>
+            </a:endParaRPr>
+          </a:p>
+          <a:p>
+            <a:pPr algn="ctr">
+              <a:defRPr/>
+            </a:pPr>
+            <a:endParaRPr lang="de-DE" sz="1300" dirty="0" smtClean="0">
+              <a:solidFill>
+                <a:schemeClr val="bg1"/>
+              </a:solidFill>
+            </a:endParaRPr>
+          </a:p>
+          <a:p>
+            <a:pPr algn="ctr">
+              <a:defRPr/>
+            </a:pPr>
+            <a:endParaRPr lang="de-DE" sz="1300" dirty="0" smtClean="0">
+              <a:solidFill>
+                <a:schemeClr val="bg1"/>
+              </a:solidFill>
+            </a:endParaRPr>
+          </a:p>
+          <a:p>
+            <a:pPr algn="ctr">
+              <a:defRPr/>
+            </a:pPr>
+            <a:r>
+              <a:rPr lang="de-DE" sz="1300" dirty="0" smtClean="0">
+                <a:solidFill>
+                  <a:schemeClr val="bg1"/>
+                </a:solidFill>
+              </a:rPr>
+              <a:t>Anbindung</a:t>
+            </a:r>
+            <a:endParaRPr lang="de-DE" sz="1300" dirty="0">
+              <a:solidFill>
+                <a:schemeClr val="bg1"/>
+              </a:solidFill>
+            </a:endParaRPr>
+          </a:p>
+          <a:p>
+            <a:pPr algn="ctr">
+              <a:defRPr/>
+            </a:pPr>
+            <a:r>
+              <a:rPr lang="de-DE" sz="1300" dirty="0" err="1">
+                <a:solidFill>
+                  <a:schemeClr val="bg1"/>
+                </a:solidFill>
+              </a:rPr>
+              <a:t>Umsysteme</a:t>
+            </a:r>
+            <a:endParaRPr lang="de-DE" sz="1300" dirty="0">
+              <a:solidFill>
+                <a:schemeClr val="bg1"/>
+              </a:solidFill>
+            </a:endParaRPr>
+          </a:p>
+          <a:p>
+            <a:pPr algn="ctr">
+              <a:defRPr/>
+            </a:pPr>
+            <a:endParaRPr lang="de-DE" sz="1300" dirty="0">
+              <a:solidFill>
+                <a:schemeClr val="bg1"/>
+              </a:solidFill>
+            </a:endParaRPr>
+          </a:p>
+          <a:p>
+            <a:pPr algn="ctr">
+              <a:defRPr/>
+            </a:pPr>
+            <a:endParaRPr lang="de-DE" sz="1300" dirty="0">
+              <a:solidFill>
+                <a:schemeClr val="bg1"/>
+              </a:solidFill>
+            </a:endParaRPr>
+          </a:p>
+          <a:p>
+            <a:pPr algn="ctr">
+              <a:defRPr/>
+            </a:pPr>
+            <a:endParaRPr lang="de-DE" sz="1300" dirty="0">
+              <a:solidFill>
+                <a:schemeClr val="bg1"/>
+              </a:solidFill>
+            </a:endParaRPr>
+          </a:p>
+        </p:txBody>
+      </p:sp>
+      <p:sp>
+        <p:nvSpPr>
+          <p:cNvPr id="55" name="Abgerundetes Rechteck 54"/>
+          <p:cNvSpPr/>
+          <p:nvPr/>
+        </p:nvSpPr>
+        <p:spPr bwMode="auto">
+          <a:xfrm>
+            <a:off x="4427984" y="2205286"/>
+            <a:ext cx="1116000" cy="1543050"/>
+          </a:xfrm>
+          <a:prstGeom prst="roundRect">
+            <a:avLst/>
+          </a:prstGeom>
+          <a:ln>
+            <a:headEnd type="none" w="med" len="med"/>
+            <a:tailEnd type="none" w="med" len="med"/>
+          </a:ln>
+          <a:extLst/>
+        </p:spPr>
+        <p:style>
+          <a:lnRef idx="1">
+            <a:schemeClr val="accent5"/>
+          </a:lnRef>
+          <a:fillRef idx="3">
+            <a:schemeClr val="accent5"/>
+          </a:fillRef>
+          <a:effectRef idx="2">
+            <a:schemeClr val="accent5"/>
+          </a:effectRef>
+          <a:fontRef idx="minor">
+            <a:schemeClr val="lt1"/>
+          </a:fontRef>
+        </p:style>
+        <p:txBody>
+          <a:bodyPr rIns="36000" anchor="ctr" anchorCtr="0"/>
+          <a:lstStyle/>
+          <a:p>
+            <a:pPr algn="ctr">
+              <a:defRPr/>
+            </a:pPr>
+            <a:r>
+              <a:rPr lang="de-DE" sz="1300" dirty="0">
+                <a:solidFill>
+                  <a:schemeClr val="bg1"/>
+                </a:solidFill>
+              </a:rPr>
+              <a:t>Anbindung</a:t>
+            </a:r>
+          </a:p>
+          <a:p>
+            <a:pPr algn="ctr">
+              <a:defRPr/>
+            </a:pPr>
+            <a:r>
+              <a:rPr lang="de-DE" sz="1300" dirty="0">
+                <a:solidFill>
+                  <a:schemeClr val="bg1"/>
+                </a:solidFill>
+              </a:rPr>
+              <a:t>Faktor-IPS</a:t>
+            </a:r>
+          </a:p>
+        </p:txBody>
+      </p:sp>
+      <p:sp>
+        <p:nvSpPr>
+          <p:cNvPr id="56" name="Abgerundetes Rechteck 55"/>
+          <p:cNvSpPr/>
+          <p:nvPr/>
+        </p:nvSpPr>
+        <p:spPr bwMode="auto">
+          <a:xfrm>
+            <a:off x="3557589" y="2583111"/>
+            <a:ext cx="754062" cy="630237"/>
+          </a:xfrm>
+          <a:prstGeom prst="roundRect">
+            <a:avLst/>
+          </a:prstGeom>
+          <a:ln>
+            <a:headEnd type="none" w="med" len="med"/>
+            <a:tailEnd type="none" w="med" len="med"/>
+          </a:ln>
+          <a:extLst/>
+        </p:spPr>
+        <p:style>
+          <a:lnRef idx="1">
+            <a:schemeClr val="accent5"/>
+          </a:lnRef>
+          <a:fillRef idx="3">
+            <a:schemeClr val="accent5"/>
+          </a:fillRef>
+          <a:effectRef idx="2">
+            <a:schemeClr val="accent5"/>
+          </a:effectRef>
+          <a:fontRef idx="minor">
+            <a:schemeClr val="lt1"/>
+          </a:fontRef>
+        </p:style>
+        <p:txBody>
+          <a:bodyPr anchor="ctr"/>
+          <a:lstStyle/>
+          <a:p>
+            <a:pPr algn="ctr">
+              <a:defRPr/>
+            </a:pPr>
+            <a:r>
+              <a:rPr lang="de-DE" sz="1300" dirty="0" err="1"/>
+              <a:t>GeVos</a:t>
+            </a:r>
+            <a:endParaRPr lang="de-DE" sz="1300" dirty="0"/>
+          </a:p>
+        </p:txBody>
+      </p:sp>
+      <p:sp>
+        <p:nvSpPr>
+          <p:cNvPr id="57" name="Rechteck 56"/>
+          <p:cNvSpPr/>
+          <p:nvPr/>
+        </p:nvSpPr>
+        <p:spPr bwMode="auto">
+          <a:xfrm>
+            <a:off x="6624774" y="1664804"/>
+            <a:ext cx="1871662" cy="1800225"/>
+          </a:xfrm>
+          <a:prstGeom prst="rect">
+            <a:avLst/>
+          </a:prstGeom>
+          <a:ln>
+            <a:headEnd type="none" w="med" len="med"/>
+            <a:tailEnd type="none" w="med" len="med"/>
+          </a:ln>
+          <a:extLst/>
+        </p:spPr>
+        <p:style>
+          <a:lnRef idx="1">
+            <a:schemeClr val="accent5"/>
+          </a:lnRef>
+          <a:fillRef idx="3">
+            <a:schemeClr val="accent5"/>
+          </a:fillRef>
+          <a:effectRef idx="2">
+            <a:schemeClr val="accent5"/>
+          </a:effectRef>
+          <a:fontRef idx="minor">
+            <a:schemeClr val="lt1"/>
+          </a:fontRef>
+        </p:style>
+        <p:txBody>
+          <a:bodyPr lIns="72000" tIns="36000" rIns="36000" bIns="36000" rtlCol="0" anchor="ctr" anchorCtr="0"/>
+          <a:lstStyle/>
+          <a:p>
+            <a:pPr marL="180975" indent="-180975" algn="ctr">
+              <a:lnSpc>
+                <a:spcPct val="90000"/>
+              </a:lnSpc>
+              <a:spcBef>
+                <a:spcPts val="500"/>
+              </a:spcBef>
+              <a:buClr>
+                <a:srgbClr val="FF9900"/>
+              </a:buClr>
+              <a:buSzPct val="150000"/>
+              <a:defRPr/>
+            </a:pPr>
+            <a:r>
+              <a:rPr lang="de-DE" sz="1800" b="1" dirty="0">
+                <a:solidFill>
+                  <a:schemeClr val="accent3"/>
+                </a:solidFill>
+                <a:latin typeface="Arial" charset="0"/>
+                <a:cs typeface="Arial" charset="0"/>
+                <a:sym typeface="Arial" charset="0"/>
+              </a:rPr>
+              <a:t>Faktor-IPS </a:t>
+            </a:r>
+            <a:r>
+              <a:rPr lang="de-DE" sz="1800" b="1" dirty="0" err="1">
+                <a:solidFill>
+                  <a:schemeClr val="accent3"/>
+                </a:solidFill>
+                <a:latin typeface="Arial" charset="0"/>
+                <a:cs typeface="Arial" charset="0"/>
+                <a:sym typeface="Arial" charset="0"/>
+              </a:rPr>
+              <a:t>Runtime</a:t>
+            </a:r>
+            <a:endParaRPr lang="de-DE" sz="1800" b="1" dirty="0">
+              <a:solidFill>
+                <a:schemeClr val="accent3"/>
+              </a:solidFill>
+              <a:latin typeface="Arial" charset="0"/>
+              <a:cs typeface="Arial" charset="0"/>
+              <a:sym typeface="Arial" charset="0"/>
+            </a:endParaRPr>
+          </a:p>
+          <a:p>
+            <a:pPr marL="180975" indent="-180975" algn="ctr">
+              <a:lnSpc>
+                <a:spcPct val="90000"/>
+              </a:lnSpc>
+              <a:spcBef>
+                <a:spcPts val="500"/>
+              </a:spcBef>
+              <a:buClr>
+                <a:srgbClr val="FF9900"/>
+              </a:buClr>
+              <a:buSzPct val="150000"/>
+              <a:defRPr/>
+            </a:pPr>
+            <a:endParaRPr lang="de-DE" sz="1800" b="1" dirty="0">
+              <a:solidFill>
+                <a:schemeClr val="accent3"/>
+              </a:solidFill>
+              <a:latin typeface="Arial" charset="0"/>
+              <a:cs typeface="Arial" charset="0"/>
+              <a:sym typeface="Arial" charset="0"/>
+            </a:endParaRPr>
+          </a:p>
+          <a:p>
+            <a:pPr marL="180975" indent="-180975" algn="ctr">
+              <a:lnSpc>
+                <a:spcPct val="90000"/>
+              </a:lnSpc>
+              <a:spcBef>
+                <a:spcPts val="500"/>
+              </a:spcBef>
+              <a:buClr>
+                <a:srgbClr val="FF9900"/>
+              </a:buClr>
+              <a:buSzPct val="150000"/>
+              <a:defRPr/>
+            </a:pPr>
+            <a:r>
+              <a:rPr lang="de-DE" sz="1600" b="1" dirty="0">
+                <a:solidFill>
+                  <a:schemeClr val="accent3"/>
+                </a:solidFill>
+                <a:latin typeface="Arial" charset="0"/>
+                <a:cs typeface="Arial" charset="0"/>
+                <a:sym typeface="Arial" charset="0"/>
+              </a:rPr>
+              <a:t>(Produkt Server)</a:t>
+            </a:r>
+          </a:p>
+        </p:txBody>
+      </p:sp>
+      <p:sp>
+        <p:nvSpPr>
+          <p:cNvPr id="58" name="Abgerundetes Rechteck 57"/>
+          <p:cNvSpPr/>
+          <p:nvPr/>
+        </p:nvSpPr>
+        <p:spPr bwMode="auto">
+          <a:xfrm>
+            <a:off x="6624774" y="4437112"/>
+            <a:ext cx="1871662" cy="1368152"/>
+          </a:xfrm>
+          <a:prstGeom prst="roundRect">
+            <a:avLst/>
+          </a:prstGeom>
+          <a:ln>
+            <a:solidFill>
+              <a:schemeClr val="tx1"/>
+            </a:solidFill>
+            <a:headEnd type="none" w="med" len="med"/>
+            <a:tailEnd type="none" w="med" len="med"/>
+          </a:ln>
+          <a:extLst/>
+        </p:spPr>
+        <p:style>
+          <a:lnRef idx="1">
+            <a:schemeClr val="accent5"/>
+          </a:lnRef>
+          <a:fillRef idx="3">
+            <a:schemeClr val="accent5"/>
+          </a:fillRef>
+          <a:effectRef idx="2">
+            <a:schemeClr val="accent5"/>
+          </a:effectRef>
+          <a:fontRef idx="minor">
+            <a:schemeClr val="lt1"/>
+          </a:fontRef>
+        </p:style>
+        <p:txBody>
+          <a:bodyPr lIns="72000" tIns="36000" rIns="36000" bIns="36000" rtlCol="0" anchor="t" anchorCtr="0"/>
+          <a:lstStyle/>
+          <a:p>
+            <a:pPr marL="180975" indent="-180975" algn="ctr">
+              <a:lnSpc>
+                <a:spcPct val="90000"/>
+              </a:lnSpc>
+              <a:spcBef>
+                <a:spcPts val="500"/>
+              </a:spcBef>
+              <a:buClr>
+                <a:srgbClr val="FF9900"/>
+              </a:buClr>
+              <a:buSzPct val="150000"/>
+              <a:defRPr/>
+            </a:pPr>
+            <a:r>
+              <a:rPr lang="de-DE" sz="1800" b="1" dirty="0">
+                <a:solidFill>
+                  <a:schemeClr val="accent3"/>
+                </a:solidFill>
+                <a:latin typeface="Arial" charset="0"/>
+                <a:cs typeface="Arial" charset="0"/>
+                <a:sym typeface="Arial" charset="0"/>
+              </a:rPr>
+              <a:t>Faktor-IPS</a:t>
+            </a:r>
+          </a:p>
+          <a:p>
+            <a:pPr marL="180975" indent="-180975" algn="ctr">
+              <a:lnSpc>
+                <a:spcPct val="90000"/>
+              </a:lnSpc>
+              <a:spcBef>
+                <a:spcPts val="500"/>
+              </a:spcBef>
+              <a:buClr>
+                <a:srgbClr val="FF9900"/>
+              </a:buClr>
+              <a:buSzPct val="150000"/>
+              <a:defRPr/>
+            </a:pPr>
+            <a:endParaRPr lang="de-DE" sz="1800" b="1" dirty="0">
+              <a:solidFill>
+                <a:schemeClr val="accent3"/>
+              </a:solidFill>
+              <a:latin typeface="Arial" charset="0"/>
+              <a:cs typeface="Arial" charset="0"/>
+              <a:sym typeface="Arial" charset="0"/>
+            </a:endParaRPr>
+          </a:p>
+        </p:txBody>
+      </p:sp>
+      <p:sp>
+        <p:nvSpPr>
+          <p:cNvPr id="59" name="Pfeil nach rechts 58"/>
+          <p:cNvSpPr/>
+          <p:nvPr/>
+        </p:nvSpPr>
+        <p:spPr bwMode="auto">
+          <a:xfrm>
+            <a:off x="5652120" y="2348880"/>
+            <a:ext cx="908050" cy="452437"/>
+          </a:xfrm>
+          <a:prstGeom prst="rightArrow">
+            <a:avLst/>
+          </a:prstGeom>
+          <a:ln>
+            <a:headEnd type="none" w="med" len="med"/>
+            <a:tailEnd type="none" w="med" len="med"/>
+          </a:ln>
+          <a:extLst/>
+        </p:spPr>
+        <p:style>
+          <a:lnRef idx="1">
+            <a:schemeClr val="accent5"/>
+          </a:lnRef>
+          <a:fillRef idx="3">
+            <a:schemeClr val="accent5"/>
+          </a:fillRef>
+          <a:effectRef idx="2">
+            <a:schemeClr val="accent5"/>
+          </a:effectRef>
+          <a:fontRef idx="minor">
+            <a:schemeClr val="lt1"/>
+          </a:fontRef>
+        </p:style>
+        <p:txBody>
+          <a:bodyPr/>
+          <a:lstStyle/>
+          <a:p>
+            <a:pPr>
+              <a:defRPr/>
+            </a:pPr>
+            <a:endParaRPr lang="de-DE"/>
+          </a:p>
+        </p:txBody>
+      </p:sp>
+      <p:cxnSp>
+        <p:nvCxnSpPr>
+          <p:cNvPr id="60" name="Gerade Verbindung 59"/>
+          <p:cNvCxnSpPr/>
+          <p:nvPr/>
+        </p:nvCxnSpPr>
+        <p:spPr bwMode="auto">
+          <a:xfrm>
+            <a:off x="250825" y="4005263"/>
+            <a:ext cx="8642350" cy="0"/>
+          </a:xfrm>
+          <a:prstGeom prst="line">
+            <a:avLst/>
+          </a:prstGeom>
+          <a:ln w="6350">
+            <a:headEnd type="none" w="med" len="med"/>
+            <a:tailEnd type="none" w="med" len="med"/>
+          </a:ln>
+          <a:extLst>
+            <a:ext uri="{AF507438-7753-43E0-B8FC-AC1667EBCBE1}">
+              <a14:hiddenEffects xmlns:a14="http://schemas.microsoft.com/office/drawing/2010/main">
+                <a:effectLst>
+                  <a:outerShdw dist="35921" dir="2700000" algn="ctr" rotWithShape="0">
+                    <a:schemeClr val="bg2"/>
+                  </a:outerShdw>
+                </a:effectLst>
+              </a14:hiddenEffects>
+            </a:ext>
+          </a:extLst>
+        </p:spPr>
+        <p:style>
+          <a:lnRef idx="3">
+            <a:schemeClr val="accent5"/>
+          </a:lnRef>
+          <a:fillRef idx="0">
+            <a:schemeClr val="accent5"/>
+          </a:fillRef>
+          <a:effectRef idx="2">
+            <a:schemeClr val="accent5"/>
+          </a:effectRef>
+          <a:fontRef idx="minor">
+            <a:schemeClr val="tx1"/>
+          </a:fontRef>
+        </p:style>
+      </p:cxnSp>
+      <p:cxnSp>
+        <p:nvCxnSpPr>
+          <p:cNvPr id="61" name="Gerade Verbindung mit Pfeil 60"/>
+          <p:cNvCxnSpPr/>
+          <p:nvPr/>
+        </p:nvCxnSpPr>
+        <p:spPr bwMode="auto">
+          <a:xfrm rot="5400000" flipH="1" flipV="1">
+            <a:off x="7146634" y="3878975"/>
+            <a:ext cx="756083" cy="149"/>
+          </a:xfrm>
+          <a:prstGeom prst="straightConnector1">
+            <a:avLst/>
+          </a:prstGeom>
+          <a:ln>
+            <a:prstDash val="sysDash"/>
+            <a:headEnd type="none" w="med" len="med"/>
+            <a:tailEnd type="arrow"/>
+          </a:ln>
+          <a:extLst>
+            <a:ext uri="{AF507438-7753-43E0-B8FC-AC1667EBCBE1}">
+              <a14:hiddenEffects xmlns:a14="http://schemas.microsoft.com/office/drawing/2010/main">
+                <a:effectLst>
+                  <a:outerShdw dist="35921" dir="2700000" algn="ctr" rotWithShape="0">
+                    <a:schemeClr val="bg2"/>
+                  </a:outerShdw>
+                </a:effectLst>
+              </a14:hiddenEffects>
+            </a:ext>
+          </a:extLst>
+        </p:spPr>
+        <p:style>
+          <a:lnRef idx="3">
+            <a:schemeClr val="accent4"/>
+          </a:lnRef>
+          <a:fillRef idx="0">
+            <a:schemeClr val="accent4"/>
+          </a:fillRef>
+          <a:effectRef idx="2">
+            <a:schemeClr val="accent4"/>
+          </a:effectRef>
+          <a:fontRef idx="minor">
+            <a:schemeClr val="tx1"/>
+          </a:fontRef>
+        </p:style>
+      </p:cxnSp>
+      <p:sp>
+        <p:nvSpPr>
+          <p:cNvPr id="62" name="Abgerundetes Rechteck 61"/>
+          <p:cNvSpPr/>
+          <p:nvPr/>
+        </p:nvSpPr>
+        <p:spPr bwMode="auto">
+          <a:xfrm>
+            <a:off x="6711479" y="4940348"/>
+            <a:ext cx="1677988" cy="576263"/>
+          </a:xfrm>
+          <a:prstGeom prst="roundRect">
+            <a:avLst/>
+          </a:prstGeom>
+          <a:solidFill>
+            <a:schemeClr val="bg1">
+              <a:lumMod val="95000"/>
+              <a:alpha val="85000"/>
+            </a:schemeClr>
+          </a:solidFill>
+          <a:ln w="0">
+            <a:solidFill>
+              <a:schemeClr val="bg1">
+                <a:lumMod val="75000"/>
+              </a:schemeClr>
+            </a:solidFill>
+          </a:ln>
+          <a:extLst/>
+        </p:spPr>
+        <p:style>
+          <a:lnRef idx="2">
+            <a:schemeClr val="accent1">
+              <a:shade val="50000"/>
+            </a:schemeClr>
+          </a:lnRef>
+          <a:fillRef idx="1">
+            <a:schemeClr val="accent1"/>
+          </a:fillRef>
+          <a:effectRef idx="0">
+            <a:schemeClr val="accent1"/>
+          </a:effectRef>
+          <a:fontRef idx="minor">
+            <a:schemeClr val="lt1"/>
+          </a:fontRef>
+        </p:style>
+        <p:txBody>
+          <a:bodyPr rIns="0" rtlCol="0" anchor="ctr" anchorCtr="1"/>
+          <a:lstStyle/>
+          <a:p>
+            <a:pPr algn="ctr">
+              <a:defRPr/>
+            </a:pPr>
+            <a:r>
+              <a:rPr lang="de-DE" sz="1400" dirty="0">
+                <a:solidFill>
+                  <a:schemeClr val="tx1"/>
+                </a:solidFill>
+              </a:rPr>
+              <a:t>Produktdefinition</a:t>
+            </a:r>
+          </a:p>
+        </p:txBody>
+      </p:sp>
+      <p:sp>
+        <p:nvSpPr>
+          <p:cNvPr id="63" name="Abgerundetes Rechteck 62"/>
+          <p:cNvSpPr/>
+          <p:nvPr/>
+        </p:nvSpPr>
+        <p:spPr bwMode="auto">
+          <a:xfrm>
+            <a:off x="2224088" y="3429248"/>
+            <a:ext cx="2159000" cy="342900"/>
+          </a:xfrm>
+          <a:prstGeom prst="roundRect">
+            <a:avLst/>
+          </a:prstGeom>
+          <a:ln>
+            <a:headEnd type="none" w="med" len="med"/>
+            <a:tailEnd type="none" w="med" len="med"/>
+          </a:ln>
+          <a:extLst/>
+        </p:spPr>
+        <p:style>
+          <a:lnRef idx="1">
+            <a:schemeClr val="accent5"/>
+          </a:lnRef>
+          <a:fillRef idx="3">
+            <a:schemeClr val="accent5"/>
+          </a:fillRef>
+          <a:effectRef idx="2">
+            <a:schemeClr val="accent5"/>
+          </a:effectRef>
+          <a:fontRef idx="minor">
+            <a:schemeClr val="lt1"/>
+          </a:fontRef>
+        </p:style>
+        <p:txBody>
+          <a:bodyPr/>
+          <a:lstStyle/>
+          <a:p>
+            <a:pPr marL="715963">
+              <a:tabLst>
+                <a:tab pos="715963" algn="l"/>
+              </a:tabLst>
+              <a:defRPr/>
+            </a:pPr>
+            <a:r>
+              <a:rPr lang="de-DE" sz="1300" dirty="0" smtClean="0">
+                <a:solidFill>
+                  <a:schemeClr val="bg1"/>
+                </a:solidFill>
+              </a:rPr>
+              <a:t>Persistenz</a:t>
+            </a:r>
+            <a:endParaRPr lang="de-DE" sz="1300" dirty="0">
+              <a:solidFill>
+                <a:schemeClr val="bg1"/>
+              </a:solidFill>
+            </a:endParaRPr>
+          </a:p>
+        </p:txBody>
+      </p:sp>
+      <p:sp>
+        <p:nvSpPr>
+          <p:cNvPr id="64" name="Flussdiagramm: Magnetplattenspeicher 63"/>
+          <p:cNvSpPr/>
+          <p:nvPr/>
+        </p:nvSpPr>
+        <p:spPr bwMode="auto">
+          <a:xfrm>
+            <a:off x="2351088" y="3474057"/>
+            <a:ext cx="449262" cy="257175"/>
+          </a:xfrm>
+          <a:prstGeom prst="flowChartMagneticDisk">
+            <a:avLst/>
+          </a:prstGeom>
+          <a:solidFill>
+            <a:schemeClr val="accent5"/>
+          </a:solidFill>
+          <a:ln w="9525" cap="flat" cmpd="sng" algn="ctr">
+            <a:solidFill>
+              <a:schemeClr val="accent4"/>
+            </a:solidFill>
+            <a:prstDash val="solid"/>
+            <a:round/>
+            <a:headEnd type="none" w="med" len="med"/>
+            <a:tailEnd type="none" w="med" len="med"/>
+          </a:ln>
+          <a:effectLst/>
+          <a:extLst/>
+        </p:spPr>
+        <p:txBody>
+          <a:bodyPr/>
+          <a:lstStyle/>
+          <a:p>
+            <a:pPr>
+              <a:defRPr/>
+            </a:pPr>
+            <a:endParaRPr lang="de-DE" sz="1300"/>
+          </a:p>
+        </p:txBody>
+      </p:sp>
+      <p:sp>
+        <p:nvSpPr>
+          <p:cNvPr id="65" name="Abgerundetes Rechteck 64"/>
+          <p:cNvSpPr/>
+          <p:nvPr/>
+        </p:nvSpPr>
+        <p:spPr bwMode="auto">
+          <a:xfrm>
+            <a:off x="2351088" y="4473090"/>
+            <a:ext cx="3192896" cy="1332173"/>
+          </a:xfrm>
+          <a:prstGeom prst="roundRect">
+            <a:avLst/>
+          </a:prstGeom>
+          <a:ln>
+            <a:solidFill>
+              <a:schemeClr val="tx1"/>
+            </a:solidFill>
+            <a:headEnd type="none" w="med" len="med"/>
+            <a:tailEnd type="none" w="med" len="med"/>
+          </a:ln>
+          <a:extLst/>
+        </p:spPr>
+        <p:style>
+          <a:lnRef idx="1">
+            <a:schemeClr val="accent5"/>
+          </a:lnRef>
+          <a:fillRef idx="3">
+            <a:schemeClr val="accent5"/>
+          </a:fillRef>
+          <a:effectRef idx="2">
+            <a:schemeClr val="accent5"/>
+          </a:effectRef>
+          <a:fontRef idx="minor">
+            <a:schemeClr val="lt1"/>
+          </a:fontRef>
+        </p:style>
+        <p:txBody>
+          <a:bodyPr lIns="72000" tIns="36000" rIns="36000" bIns="36000" rtlCol="0" anchor="t" anchorCtr="0"/>
+          <a:lstStyle/>
+          <a:p>
+            <a:pPr marL="180975" indent="-180975" algn="ctr">
+              <a:lnSpc>
+                <a:spcPct val="90000"/>
+              </a:lnSpc>
+              <a:spcBef>
+                <a:spcPts val="500"/>
+              </a:spcBef>
+              <a:buClr>
+                <a:srgbClr val="FF9900"/>
+              </a:buClr>
+              <a:buSzPct val="150000"/>
+              <a:defRPr/>
+            </a:pPr>
+            <a:r>
+              <a:rPr lang="de-DE" sz="1800" b="1" dirty="0" smtClean="0">
+                <a:solidFill>
+                  <a:schemeClr val="accent3"/>
+                </a:solidFill>
+                <a:latin typeface="Arial" charset="0"/>
+                <a:cs typeface="Arial" charset="0"/>
+                <a:sym typeface="Arial" charset="0"/>
+              </a:rPr>
+              <a:t>Faktor-IPS</a:t>
+            </a:r>
+          </a:p>
+          <a:p>
+            <a:pPr marL="180975" indent="-180975" algn="ctr">
+              <a:lnSpc>
+                <a:spcPct val="90000"/>
+              </a:lnSpc>
+              <a:spcBef>
+                <a:spcPts val="500"/>
+              </a:spcBef>
+              <a:buClr>
+                <a:srgbClr val="FF9900"/>
+              </a:buClr>
+              <a:buSzPct val="150000"/>
+              <a:defRPr/>
+            </a:pPr>
+            <a:endParaRPr lang="de-DE" sz="1800" b="1" dirty="0">
+              <a:solidFill>
+                <a:schemeClr val="accent3"/>
+              </a:solidFill>
+              <a:latin typeface="Arial" charset="0"/>
+              <a:cs typeface="Arial" charset="0"/>
+              <a:sym typeface="Arial" charset="0"/>
+            </a:endParaRPr>
+          </a:p>
+        </p:txBody>
+      </p:sp>
+      <p:sp>
+        <p:nvSpPr>
+          <p:cNvPr id="66" name="Abgerundetes Rechteck 65"/>
+          <p:cNvSpPr/>
+          <p:nvPr/>
+        </p:nvSpPr>
+        <p:spPr bwMode="auto">
+          <a:xfrm>
+            <a:off x="2509801" y="4904890"/>
+            <a:ext cx="2782279" cy="576263"/>
+          </a:xfrm>
+          <a:prstGeom prst="roundRect">
+            <a:avLst/>
+          </a:prstGeom>
+          <a:solidFill>
+            <a:schemeClr val="bg1">
+              <a:lumMod val="95000"/>
+              <a:alpha val="85000"/>
+            </a:schemeClr>
+          </a:solidFill>
+          <a:ln w="0">
+            <a:solidFill>
+              <a:schemeClr val="bg1">
+                <a:lumMod val="75000"/>
+              </a:schemeClr>
+            </a:solidFill>
+          </a:ln>
+          <a:extLst/>
+        </p:spPr>
+        <p:style>
+          <a:lnRef idx="2">
+            <a:schemeClr val="accent1">
+              <a:shade val="50000"/>
+            </a:schemeClr>
+          </a:lnRef>
+          <a:fillRef idx="1">
+            <a:schemeClr val="accent1"/>
+          </a:fillRef>
+          <a:effectRef idx="0">
+            <a:schemeClr val="accent1"/>
+          </a:effectRef>
+          <a:fontRef idx="minor">
+            <a:schemeClr val="lt1"/>
+          </a:fontRef>
+        </p:style>
+        <p:txBody>
+          <a:bodyPr rIns="0" rtlCol="0" anchor="ctr" anchorCtr="1"/>
+          <a:lstStyle/>
+          <a:p>
+            <a:pPr algn="ctr">
+              <a:defRPr/>
+            </a:pPr>
+            <a:r>
+              <a:rPr lang="de-DE" sz="1400" dirty="0">
+                <a:solidFill>
+                  <a:schemeClr val="tx1"/>
+                </a:solidFill>
+              </a:rPr>
+              <a:t>Modellierung &amp; Codegenerierung</a:t>
+            </a:r>
+          </a:p>
+        </p:txBody>
+      </p:sp>
+      <p:cxnSp>
+        <p:nvCxnSpPr>
+          <p:cNvPr id="67" name="Gerade Verbindung mit Pfeil 66"/>
+          <p:cNvCxnSpPr/>
+          <p:nvPr/>
+        </p:nvCxnSpPr>
+        <p:spPr bwMode="auto">
+          <a:xfrm rot="5400000" flipH="1" flipV="1">
+            <a:off x="2158316" y="3822011"/>
+            <a:ext cx="1012536" cy="1592"/>
+          </a:xfrm>
+          <a:prstGeom prst="straightConnector1">
+            <a:avLst/>
+          </a:prstGeom>
+          <a:ln>
+            <a:headEnd type="none" w="med" len="med"/>
+            <a:tailEnd type="arrow"/>
+          </a:ln>
+          <a:extLst>
+            <a:ext uri="{AF507438-7753-43E0-B8FC-AC1667EBCBE1}">
+              <a14:hiddenEffects xmlns:a14="http://schemas.microsoft.com/office/drawing/2010/main">
+                <a:effectLst>
+                  <a:outerShdw dist="35921" dir="2700000" algn="ctr" rotWithShape="0">
+                    <a:schemeClr val="bg2"/>
+                  </a:outerShdw>
+                </a:effectLst>
+              </a14:hiddenEffects>
+            </a:ext>
+          </a:extLst>
+        </p:spPr>
+        <p:style>
+          <a:lnRef idx="3">
+            <a:schemeClr val="accent4"/>
+          </a:lnRef>
+          <a:fillRef idx="0">
+            <a:schemeClr val="accent4"/>
+          </a:fillRef>
+          <a:effectRef idx="2">
+            <a:schemeClr val="accent4"/>
+          </a:effectRef>
+          <a:fontRef idx="minor">
+            <a:schemeClr val="tx1"/>
+          </a:fontRef>
+        </p:style>
+      </p:cxnSp>
+      <p:cxnSp>
+        <p:nvCxnSpPr>
+          <p:cNvPr id="68" name="Gerade Verbindung mit Pfeil 67"/>
+          <p:cNvCxnSpPr/>
+          <p:nvPr/>
+        </p:nvCxnSpPr>
+        <p:spPr bwMode="auto">
+          <a:xfrm rot="5400000" flipH="1" flipV="1">
+            <a:off x="3041844" y="4095062"/>
+            <a:ext cx="468026" cy="1"/>
+          </a:xfrm>
+          <a:prstGeom prst="straightConnector1">
+            <a:avLst/>
+          </a:prstGeom>
+          <a:ln>
+            <a:headEnd type="none" w="med" len="med"/>
+            <a:tailEnd type="arrow"/>
+          </a:ln>
+          <a:extLst>
+            <a:ext uri="{AF507438-7753-43E0-B8FC-AC1667EBCBE1}">
+              <a14:hiddenEffects xmlns:a14="http://schemas.microsoft.com/office/drawing/2010/main">
+                <a:effectLst>
+                  <a:outerShdw dist="35921" dir="2700000" algn="ctr" rotWithShape="0">
+                    <a:schemeClr val="bg2"/>
+                  </a:outerShdw>
+                </a:effectLst>
+              </a14:hiddenEffects>
+            </a:ext>
+          </a:extLst>
+        </p:spPr>
+        <p:style>
+          <a:lnRef idx="3">
+            <a:schemeClr val="accent4"/>
+          </a:lnRef>
+          <a:fillRef idx="0">
+            <a:schemeClr val="accent4"/>
+          </a:fillRef>
+          <a:effectRef idx="2">
+            <a:schemeClr val="accent4"/>
+          </a:effectRef>
+          <a:fontRef idx="minor">
+            <a:schemeClr val="tx1"/>
+          </a:fontRef>
+        </p:style>
+      </p:cxnSp>
+      <p:cxnSp>
+        <p:nvCxnSpPr>
+          <p:cNvPr id="69" name="Gerade Verbindung mit Pfeil 68"/>
+          <p:cNvCxnSpPr/>
+          <p:nvPr/>
+        </p:nvCxnSpPr>
+        <p:spPr bwMode="auto">
+          <a:xfrm rot="5400000" flipH="1" flipV="1">
+            <a:off x="4734031" y="4059059"/>
+            <a:ext cx="540035" cy="1"/>
+          </a:xfrm>
+          <a:prstGeom prst="straightConnector1">
+            <a:avLst/>
+          </a:prstGeom>
+          <a:ln>
+            <a:headEnd type="none" w="med" len="med"/>
+            <a:tailEnd type="arrow"/>
+          </a:ln>
+          <a:extLst>
+            <a:ext uri="{AF507438-7753-43E0-B8FC-AC1667EBCBE1}">
+              <a14:hiddenEffects xmlns:a14="http://schemas.microsoft.com/office/drawing/2010/main">
+                <a:effectLst>
+                  <a:outerShdw dist="35921" dir="2700000" algn="ctr" rotWithShape="0">
+                    <a:schemeClr val="bg2"/>
+                  </a:outerShdw>
+                </a:effectLst>
+              </a14:hiddenEffects>
+            </a:ext>
+          </a:extLst>
+        </p:spPr>
+        <p:style>
+          <a:lnRef idx="3">
+            <a:schemeClr val="accent4"/>
+          </a:lnRef>
+          <a:fillRef idx="0">
+            <a:schemeClr val="accent4"/>
+          </a:fillRef>
+          <a:effectRef idx="2">
+            <a:schemeClr val="accent4"/>
+          </a:effectRef>
+          <a:fontRef idx="minor">
+            <a:schemeClr val="tx1"/>
+          </a:fontRef>
+        </p:style>
+      </p:cxnSp>
+      <p:cxnSp>
+        <p:nvCxnSpPr>
+          <p:cNvPr id="70" name="Gerade Verbindung mit Pfeil 69"/>
+          <p:cNvCxnSpPr/>
+          <p:nvPr/>
+        </p:nvCxnSpPr>
+        <p:spPr bwMode="auto">
+          <a:xfrm rot="16200000" flipV="1">
+            <a:off x="3543663" y="3819107"/>
+            <a:ext cx="976554" cy="1"/>
+          </a:xfrm>
+          <a:prstGeom prst="straightConnector1">
+            <a:avLst/>
+          </a:prstGeom>
+          <a:ln>
+            <a:solidFill>
+              <a:schemeClr val="accent5"/>
+            </a:solidFill>
+            <a:prstDash val="solid"/>
+            <a:headEnd type="none" w="med" len="med"/>
+            <a:tailEnd type="arrow"/>
+          </a:ln>
+          <a:extLst>
+            <a:ext uri="{AF507438-7753-43E0-B8FC-AC1667EBCBE1}">
+              <a14:hiddenEffects xmlns:a14="http://schemas.microsoft.com/office/drawing/2010/main">
+                <a:effectLst>
+                  <a:outerShdw dist="35921" dir="2700000" algn="ctr" rotWithShape="0">
+                    <a:schemeClr val="bg2"/>
+                  </a:outerShdw>
+                </a:effectLst>
+              </a14:hiddenEffects>
+            </a:ext>
+          </a:extLst>
+        </p:spPr>
+        <p:style>
+          <a:lnRef idx="3">
+            <a:schemeClr val="accent4"/>
+          </a:lnRef>
+          <a:fillRef idx="0">
+            <a:schemeClr val="accent4"/>
+          </a:fillRef>
+          <a:effectRef idx="2">
+            <a:schemeClr val="accent4"/>
+          </a:effectRef>
+          <a:fontRef idx="minor">
+            <a:schemeClr val="tx1"/>
+          </a:fontRef>
+        </p:style>
+      </p:cxnSp>
+      <p:sp>
+        <p:nvSpPr>
+          <p:cNvPr id="4" name="Foliennummernplatzhalter 3"/>
+          <p:cNvSpPr>
+            <a:spLocks noGrp="1"/>
+          </p:cNvSpPr>
+          <p:nvPr>
+            <p:ph type="sldNum" sz="quarter" idx="4"/>
+          </p:nvPr>
+        </p:nvSpPr>
+        <p:spPr/>
+        <p:txBody>
+          <a:bodyPr/>
+          <a:lstStyle/>
+          <a:p>
+            <a:r>
+              <a:rPr lang="de-DE" smtClean="0"/>
+              <a:t>I-</a:t>
+            </a:r>
+            <a:fld id="{21FBF85A-D7A6-488B-8C2B-F7E0D6843921}" type="slidenum">
+              <a:rPr lang="de-DE" smtClean="0"/>
+              <a:pPr/>
+              <a:t>8</a:t>
+            </a:fld>
+            <a:endParaRPr lang="de-DE" dirty="0"/>
+          </a:p>
+        </p:txBody>
+      </p:sp>
+    </p:spTree>
+    <p:extLst>
+      <p:ext uri="{BB962C8B-B14F-4D97-AF65-F5344CB8AC3E}">
+        <p14:creationId xmlns:p14="http://schemas.microsoft.com/office/powerpoint/2010/main" val="2028671302"/>
+      </p:ext>
+    </p:extLst>
+  </p:cSld>
+  <p:clrMapOvr>
+    <a:masterClrMapping/>
+  </p:clrMapOvr>
+  <p:transition spd="slow">
+    <p:fade/>
+  </p:transition>
+  <p:timing>
+    <p:tnLst>
+      <p:par>
+        <p:cTn id="1" dur="indefinite" restart="never" nodeType="tmRoot"/>
+      </p:par>
+    </p:tnLst>
+  </p:timing>
+</p:sld>
+</file>
+
+<file path=ppt/slides/slide9.xml><?xml version="1.0" encoding="utf-8"?>
+<p:sld xmlns:a="http://schemas.openxmlformats.org/drawingml/2006/main" xmlns:r="http://schemas.openxmlformats.org/officeDocument/2006/relationships" xmlns:p="http://schemas.openxmlformats.org/presentationml/2006/main">
+  <p:cSld>
+    <p:spTree>
+      <p:nvGrpSpPr>
+        <p:cNvPr id="1" name=""/>
+        <p:cNvGrpSpPr/>
+        <p:nvPr/>
+      </p:nvGrpSpPr>
+      <p:grpSpPr>
+        <a:xfrm>
+          <a:off x="0" y="0"/>
+          <a:ext cx="0" cy="0"/>
+          <a:chOff x="0" y="0"/>
+          <a:chExt cx="0" cy="0"/>
+        </a:xfrm>
+      </p:grpSpPr>
+      <p:sp>
+        <p:nvSpPr>
           <p:cNvPr id="2" name="Datumsplatzhalter 1"/>
           <p:cNvSpPr>
             <a:spLocks noGrp="1"/>
@@ -15404,7 +15513,7 @@
           <a:p>
             <a:fld id="{0B6AE2F2-6B15-40C1-B689-64FD91896D6E}" type="datetime1">
               <a:rPr lang="de-DE" smtClean="0"/>
-              <a:t>16.05.2013</a:t>
+              <a:t>15.04.2015</a:t>
             </a:fld>
             <a:endParaRPr lang="de-DE" dirty="0"/>
           </a:p>
@@ -15427,7 +15536,11 @@
           <a:p>
             <a:r>
               <a:rPr lang="de-DE" dirty="0" smtClean="0"/>
-              <a:t>Motivation</a:t>
+              <a:t>Ziel </a:t>
+            </a:r>
+            <a:r>
+              <a:rPr lang="de-DE" smtClean="0"/>
+              <a:t>der Übungen</a:t>
             </a:r>
             <a:endParaRPr lang="pt-BR" dirty="0"/>
           </a:p>
@@ -15459,7 +15572,15 @@
             </a:pPr>
             <a:r>
               <a:rPr lang="de-DE" dirty="0" smtClean="0"/>
-              <a:t>Mini-Tarifrechner  für Hausrat</a:t>
+              <a:t>Mini-Tarifrechner </a:t>
+            </a:r>
+            <a:r>
+              <a:rPr lang="de-DE" dirty="0" smtClean="0"/>
+              <a:t>für </a:t>
+            </a:r>
+            <a:r>
+              <a:rPr lang="de-DE" dirty="0" smtClean="0"/>
+              <a:t>Hausrat</a:t>
             </a:r>
           </a:p>
           <a:p>
@@ -15500,7 +15621,7 @@
             <a:fld id="{21FBF85A-D7A6-488B-8C2B-F7E0D6843921}" type="slidenum">
               <a:rPr lang="de-DE" smtClean="0"/>
               <a:pPr/>
-              <a:t>8</a:t>
+              <a:t>9</a:t>
             </a:fld>
             <a:endParaRPr lang="de-DE" dirty="0"/>
           </a:p>
